--- a/process.pptx
+++ b/process.pptx
@@ -104,6 +104,11 @@
       </a:defRPr>
     </a:lvl9pPr>
   </p:defaultTextStyle>
+  <p:extLst>
+    <p:ext uri="{EFAFB233-063F-42B5-8137-9DF3F51BA10A}">
+      <p15:sldGuideLst xmlns:p15="http://schemas.microsoft.com/office/powerpoint/2012/main"/>
+    </p:ext>
+  </p:extLst>
 </p:presentation>
 </file>
 
@@ -712,11 +717,11 @@
         </c:dLbls>
         <c:gapWidth val="219"/>
         <c:overlap val="-27"/>
-        <c:axId val="232226752"/>
-        <c:axId val="232227872"/>
+        <c:axId val="219291584"/>
+        <c:axId val="219293264"/>
       </c:barChart>
       <c:catAx>
-        <c:axId val="232226752"/>
+        <c:axId val="219291584"/>
         <c:scaling>
           <c:orientation val="minMax"/>
         </c:scaling>
@@ -726,7 +731,7 @@
         <c:majorTickMark val="none"/>
         <c:minorTickMark val="none"/>
         <c:tickLblPos val="nextTo"/>
-        <c:crossAx val="232227872"/>
+        <c:crossAx val="219293264"/>
         <c:crosses val="autoZero"/>
         <c:auto val="1"/>
         <c:lblAlgn val="ctr"/>
@@ -734,7 +739,7 @@
         <c:noMultiLvlLbl val="0"/>
       </c:catAx>
       <c:valAx>
-        <c:axId val="232227872"/>
+        <c:axId val="219293264"/>
         <c:scaling>
           <c:orientation val="minMax"/>
         </c:scaling>
@@ -744,7 +749,7 @@
         <c:majorTickMark val="none"/>
         <c:minorTickMark val="none"/>
         <c:tickLblPos val="nextTo"/>
-        <c:crossAx val="232226752"/>
+        <c:crossAx val="219291584"/>
         <c:crosses val="autoZero"/>
         <c:crossBetween val="between"/>
       </c:valAx>
@@ -1326,6 +1331,5437 @@
 </cs:chartStyle>
 </file>
 
+<file path=ppt/diagrams/colors1.xml><?xml version="1.0" encoding="utf-8"?>
+<dgm:colorsDef xmlns:dgm="http://schemas.openxmlformats.org/drawingml/2006/diagram" xmlns:a="http://schemas.openxmlformats.org/drawingml/2006/main" uniqueId="urn:microsoft.com/office/officeart/2005/8/colors/accent0_3">
+  <dgm:title val=""/>
+  <dgm:desc val=""/>
+  <dgm:catLst>
+    <dgm:cat type="mainScheme" pri="10300"/>
+  </dgm:catLst>
+  <dgm:styleLbl name="node0">
+    <dgm:fillClrLst meth="repeat">
+      <a:schemeClr val="dk2"/>
+    </dgm:fillClrLst>
+    <dgm:linClrLst meth="repeat">
+      <a:schemeClr val="lt2"/>
+    </dgm:linClrLst>
+    <dgm:effectClrLst/>
+    <dgm:txLinClrLst/>
+    <dgm:txFillClrLst/>
+    <dgm:txEffectClrLst/>
+  </dgm:styleLbl>
+  <dgm:styleLbl name="alignNode1">
+    <dgm:fillClrLst meth="repeat">
+      <a:schemeClr val="dk2"/>
+    </dgm:fillClrLst>
+    <dgm:linClrLst meth="repeat">
+      <a:schemeClr val="dk2"/>
+    </dgm:linClrLst>
+    <dgm:effectClrLst/>
+    <dgm:txLinClrLst/>
+    <dgm:txFillClrLst/>
+    <dgm:txEffectClrLst/>
+  </dgm:styleLbl>
+  <dgm:styleLbl name="node1">
+    <dgm:fillClrLst meth="repeat">
+      <a:schemeClr val="dk2"/>
+    </dgm:fillClrLst>
+    <dgm:linClrLst meth="repeat">
+      <a:schemeClr val="lt2"/>
+    </dgm:linClrLst>
+    <dgm:effectClrLst/>
+    <dgm:txLinClrLst/>
+    <dgm:txFillClrLst/>
+    <dgm:txEffectClrLst/>
+  </dgm:styleLbl>
+  <dgm:styleLbl name="lnNode1">
+    <dgm:fillClrLst meth="repeat">
+      <a:schemeClr val="dk2"/>
+    </dgm:fillClrLst>
+    <dgm:linClrLst meth="repeat">
+      <a:schemeClr val="lt2"/>
+    </dgm:linClrLst>
+    <dgm:effectClrLst/>
+    <dgm:txLinClrLst/>
+    <dgm:txFillClrLst/>
+    <dgm:txEffectClrLst/>
+  </dgm:styleLbl>
+  <dgm:styleLbl name="vennNode1">
+    <dgm:fillClrLst meth="repeat">
+      <a:schemeClr val="dk2">
+        <a:alpha val="50000"/>
+      </a:schemeClr>
+    </dgm:fillClrLst>
+    <dgm:linClrLst meth="repeat">
+      <a:schemeClr val="lt2"/>
+    </dgm:linClrLst>
+    <dgm:effectClrLst/>
+    <dgm:txLinClrLst/>
+    <dgm:txFillClrLst/>
+    <dgm:txEffectClrLst/>
+  </dgm:styleLbl>
+  <dgm:styleLbl name="node2">
+    <dgm:fillClrLst meth="repeat">
+      <a:schemeClr val="dk2"/>
+    </dgm:fillClrLst>
+    <dgm:linClrLst meth="repeat">
+      <a:schemeClr val="lt2"/>
+    </dgm:linClrLst>
+    <dgm:effectClrLst/>
+    <dgm:txLinClrLst/>
+    <dgm:txFillClrLst/>
+    <dgm:txEffectClrLst/>
+  </dgm:styleLbl>
+  <dgm:styleLbl name="node3">
+    <dgm:fillClrLst meth="repeat">
+      <a:schemeClr val="dk2"/>
+    </dgm:fillClrLst>
+    <dgm:linClrLst meth="repeat">
+      <a:schemeClr val="lt2"/>
+    </dgm:linClrLst>
+    <dgm:effectClrLst/>
+    <dgm:txLinClrLst/>
+    <dgm:txFillClrLst/>
+    <dgm:txEffectClrLst/>
+  </dgm:styleLbl>
+  <dgm:styleLbl name="node4">
+    <dgm:fillClrLst meth="repeat">
+      <a:schemeClr val="dk2"/>
+    </dgm:fillClrLst>
+    <dgm:linClrLst meth="repeat">
+      <a:schemeClr val="lt2"/>
+    </dgm:linClrLst>
+    <dgm:effectClrLst/>
+    <dgm:txLinClrLst/>
+    <dgm:txFillClrLst/>
+    <dgm:txEffectClrLst/>
+  </dgm:styleLbl>
+  <dgm:styleLbl name="fgImgPlace1">
+    <dgm:fillClrLst meth="repeat">
+      <a:schemeClr val="dk2">
+        <a:tint val="50000"/>
+      </a:schemeClr>
+    </dgm:fillClrLst>
+    <dgm:linClrLst meth="repeat">
+      <a:schemeClr val="lt2"/>
+    </dgm:linClrLst>
+    <dgm:effectClrLst/>
+    <dgm:txLinClrLst/>
+    <dgm:txFillClrLst meth="repeat">
+      <a:schemeClr val="lt2"/>
+    </dgm:txFillClrLst>
+    <dgm:txEffectClrLst/>
+  </dgm:styleLbl>
+  <dgm:styleLbl name="alignImgPlace1">
+    <dgm:fillClrLst meth="repeat">
+      <a:schemeClr val="dk2">
+        <a:tint val="50000"/>
+      </a:schemeClr>
+    </dgm:fillClrLst>
+    <dgm:linClrLst meth="repeat">
+      <a:schemeClr val="dk2">
+        <a:shade val="80000"/>
+      </a:schemeClr>
+    </dgm:linClrLst>
+    <dgm:effectClrLst/>
+    <dgm:txLinClrLst/>
+    <dgm:txFillClrLst meth="repeat">
+      <a:schemeClr val="lt2"/>
+    </dgm:txFillClrLst>
+    <dgm:txEffectClrLst/>
+  </dgm:styleLbl>
+  <dgm:styleLbl name="bgImgPlace1">
+    <dgm:fillClrLst meth="repeat">
+      <a:schemeClr val="dk2">
+        <a:tint val="50000"/>
+      </a:schemeClr>
+    </dgm:fillClrLst>
+    <dgm:linClrLst meth="repeat">
+      <a:schemeClr val="dk2">
+        <a:shade val="80000"/>
+      </a:schemeClr>
+    </dgm:linClrLst>
+    <dgm:effectClrLst/>
+    <dgm:txLinClrLst/>
+    <dgm:txFillClrLst meth="repeat">
+      <a:schemeClr val="lt2"/>
+    </dgm:txFillClrLst>
+    <dgm:txEffectClrLst/>
+  </dgm:styleLbl>
+  <dgm:styleLbl name="sibTrans2D1">
+    <dgm:fillClrLst meth="repeat">
+      <a:schemeClr val="dk2">
+        <a:tint val="60000"/>
+      </a:schemeClr>
+    </dgm:fillClrLst>
+    <dgm:linClrLst meth="repeat">
+      <a:schemeClr val="dk2">
+        <a:tint val="60000"/>
+      </a:schemeClr>
+    </dgm:linClrLst>
+    <dgm:effectClrLst/>
+    <dgm:txLinClrLst/>
+    <dgm:txFillClrLst/>
+    <dgm:txEffectClrLst/>
+  </dgm:styleLbl>
+  <dgm:styleLbl name="fgSibTrans2D1">
+    <dgm:fillClrLst meth="repeat">
+      <a:schemeClr val="dk2">
+        <a:tint val="60000"/>
+      </a:schemeClr>
+    </dgm:fillClrLst>
+    <dgm:linClrLst meth="repeat">
+      <a:schemeClr val="dk2">
+        <a:tint val="60000"/>
+      </a:schemeClr>
+    </dgm:linClrLst>
+    <dgm:effectClrLst/>
+    <dgm:txLinClrLst/>
+    <dgm:txFillClrLst/>
+    <dgm:txEffectClrLst/>
+  </dgm:styleLbl>
+  <dgm:styleLbl name="bgSibTrans2D1">
+    <dgm:fillClrLst meth="repeat">
+      <a:schemeClr val="dk2">
+        <a:tint val="60000"/>
+      </a:schemeClr>
+    </dgm:fillClrLst>
+    <dgm:linClrLst meth="repeat">
+      <a:schemeClr val="dk2">
+        <a:tint val="60000"/>
+      </a:schemeClr>
+    </dgm:linClrLst>
+    <dgm:effectClrLst/>
+    <dgm:txLinClrLst/>
+    <dgm:txFillClrLst/>
+    <dgm:txEffectClrLst/>
+  </dgm:styleLbl>
+  <dgm:styleLbl name="sibTrans1D1">
+    <dgm:fillClrLst meth="repeat">
+      <a:schemeClr val="dk2"/>
+    </dgm:fillClrLst>
+    <dgm:linClrLst meth="repeat">
+      <a:schemeClr val="dk2"/>
+    </dgm:linClrLst>
+    <dgm:effectClrLst/>
+    <dgm:txLinClrLst/>
+    <dgm:txFillClrLst meth="repeat">
+      <a:schemeClr val="lt2"/>
+    </dgm:txFillClrLst>
+    <dgm:txEffectClrLst/>
+  </dgm:styleLbl>
+  <dgm:styleLbl name="callout">
+    <dgm:fillClrLst meth="repeat">
+      <a:schemeClr val="dk2"/>
+    </dgm:fillClrLst>
+    <dgm:linClrLst meth="repeat">
+      <a:schemeClr val="dk2">
+        <a:tint val="50000"/>
+      </a:schemeClr>
+    </dgm:linClrLst>
+    <dgm:effectClrLst/>
+    <dgm:txLinClrLst/>
+    <dgm:txFillClrLst meth="repeat">
+      <a:schemeClr val="lt2"/>
+    </dgm:txFillClrLst>
+    <dgm:txEffectClrLst/>
+  </dgm:styleLbl>
+  <dgm:styleLbl name="asst0">
+    <dgm:fillClrLst meth="repeat">
+      <a:schemeClr val="dk2"/>
+    </dgm:fillClrLst>
+    <dgm:linClrLst meth="repeat">
+      <a:schemeClr val="lt2"/>
+    </dgm:linClrLst>
+    <dgm:effectClrLst/>
+    <dgm:txLinClrLst/>
+    <dgm:txFillClrLst/>
+    <dgm:txEffectClrLst/>
+  </dgm:styleLbl>
+  <dgm:styleLbl name="asst1">
+    <dgm:fillClrLst meth="repeat">
+      <a:schemeClr val="dk2"/>
+    </dgm:fillClrLst>
+    <dgm:linClrLst meth="repeat">
+      <a:schemeClr val="lt2"/>
+    </dgm:linClrLst>
+    <dgm:effectClrLst/>
+    <dgm:txLinClrLst/>
+    <dgm:txFillClrLst/>
+    <dgm:txEffectClrLst/>
+  </dgm:styleLbl>
+  <dgm:styleLbl name="asst2">
+    <dgm:fillClrLst meth="repeat">
+      <a:schemeClr val="dk2"/>
+    </dgm:fillClrLst>
+    <dgm:linClrLst meth="repeat">
+      <a:schemeClr val="lt2"/>
+    </dgm:linClrLst>
+    <dgm:effectClrLst/>
+    <dgm:txLinClrLst/>
+    <dgm:txFillClrLst/>
+    <dgm:txEffectClrLst/>
+  </dgm:styleLbl>
+  <dgm:styleLbl name="asst3">
+    <dgm:fillClrLst meth="repeat">
+      <a:schemeClr val="dk2"/>
+    </dgm:fillClrLst>
+    <dgm:linClrLst meth="repeat">
+      <a:schemeClr val="lt2"/>
+    </dgm:linClrLst>
+    <dgm:effectClrLst/>
+    <dgm:txLinClrLst/>
+    <dgm:txFillClrLst/>
+    <dgm:txEffectClrLst/>
+  </dgm:styleLbl>
+  <dgm:styleLbl name="asst4">
+    <dgm:fillClrLst meth="repeat">
+      <a:schemeClr val="dk2"/>
+    </dgm:fillClrLst>
+    <dgm:linClrLst meth="repeat">
+      <a:schemeClr val="lt2"/>
+    </dgm:linClrLst>
+    <dgm:effectClrLst/>
+    <dgm:txLinClrLst/>
+    <dgm:txFillClrLst/>
+    <dgm:txEffectClrLst/>
+  </dgm:styleLbl>
+  <dgm:styleLbl name="parChTrans2D1">
+    <dgm:fillClrLst meth="repeat">
+      <a:schemeClr val="dk2">
+        <a:tint val="60000"/>
+      </a:schemeClr>
+    </dgm:fillClrLst>
+    <dgm:linClrLst meth="repeat">
+      <a:schemeClr val="dk2">
+        <a:tint val="60000"/>
+      </a:schemeClr>
+    </dgm:linClrLst>
+    <dgm:effectClrLst/>
+    <dgm:txLinClrLst/>
+    <dgm:txFillClrLst meth="repeat">
+      <a:schemeClr val="lt2"/>
+    </dgm:txFillClrLst>
+    <dgm:txEffectClrLst/>
+  </dgm:styleLbl>
+  <dgm:styleLbl name="parChTrans2D2">
+    <dgm:fillClrLst meth="repeat">
+      <a:schemeClr val="dk2"/>
+    </dgm:fillClrLst>
+    <dgm:linClrLst meth="repeat">
+      <a:schemeClr val="dk2"/>
+    </dgm:linClrLst>
+    <dgm:effectClrLst/>
+    <dgm:txLinClrLst/>
+    <dgm:txFillClrLst meth="repeat">
+      <a:schemeClr val="lt2"/>
+    </dgm:txFillClrLst>
+    <dgm:txEffectClrLst/>
+  </dgm:styleLbl>
+  <dgm:styleLbl name="parChTrans2D3">
+    <dgm:fillClrLst meth="repeat">
+      <a:schemeClr val="dk2"/>
+    </dgm:fillClrLst>
+    <dgm:linClrLst meth="repeat">
+      <a:schemeClr val="dk2"/>
+    </dgm:linClrLst>
+    <dgm:effectClrLst/>
+    <dgm:txLinClrLst/>
+    <dgm:txFillClrLst meth="repeat">
+      <a:schemeClr val="lt2"/>
+    </dgm:txFillClrLst>
+    <dgm:txEffectClrLst/>
+  </dgm:styleLbl>
+  <dgm:styleLbl name="parChTrans2D4">
+    <dgm:fillClrLst meth="repeat">
+      <a:schemeClr val="dk2"/>
+    </dgm:fillClrLst>
+    <dgm:linClrLst meth="repeat">
+      <a:schemeClr val="dk2"/>
+    </dgm:linClrLst>
+    <dgm:effectClrLst/>
+    <dgm:txLinClrLst/>
+    <dgm:txFillClrLst meth="repeat">
+      <a:schemeClr val="lt2"/>
+    </dgm:txFillClrLst>
+    <dgm:txEffectClrLst/>
+  </dgm:styleLbl>
+  <dgm:styleLbl name="parChTrans1D1">
+    <dgm:fillClrLst meth="repeat">
+      <a:schemeClr val="dk2"/>
+    </dgm:fillClrLst>
+    <dgm:linClrLst meth="repeat">
+      <a:schemeClr val="dk2">
+        <a:shade val="60000"/>
+      </a:schemeClr>
+    </dgm:linClrLst>
+    <dgm:effectClrLst/>
+    <dgm:txLinClrLst/>
+    <dgm:txFillClrLst meth="repeat">
+      <a:schemeClr val="tx1"/>
+    </dgm:txFillClrLst>
+    <dgm:txEffectClrLst/>
+  </dgm:styleLbl>
+  <dgm:styleLbl name="parChTrans1D2">
+    <dgm:fillClrLst meth="repeat">
+      <a:schemeClr val="dk2"/>
+    </dgm:fillClrLst>
+    <dgm:linClrLst meth="repeat">
+      <a:schemeClr val="dk2">
+        <a:shade val="60000"/>
+      </a:schemeClr>
+    </dgm:linClrLst>
+    <dgm:effectClrLst/>
+    <dgm:txLinClrLst/>
+    <dgm:txFillClrLst meth="repeat">
+      <a:schemeClr val="tx1"/>
+    </dgm:txFillClrLst>
+    <dgm:txEffectClrLst/>
+  </dgm:styleLbl>
+  <dgm:styleLbl name="parChTrans1D3">
+    <dgm:fillClrLst meth="repeat">
+      <a:schemeClr val="dk2"/>
+    </dgm:fillClrLst>
+    <dgm:linClrLst meth="repeat">
+      <a:schemeClr val="dk2">
+        <a:shade val="80000"/>
+      </a:schemeClr>
+    </dgm:linClrLst>
+    <dgm:effectClrLst/>
+    <dgm:txLinClrLst/>
+    <dgm:txFillClrLst meth="repeat">
+      <a:schemeClr val="tx1"/>
+    </dgm:txFillClrLst>
+    <dgm:txEffectClrLst/>
+  </dgm:styleLbl>
+  <dgm:styleLbl name="parChTrans1D4">
+    <dgm:fillClrLst meth="repeat">
+      <a:schemeClr val="dk2"/>
+    </dgm:fillClrLst>
+    <dgm:linClrLst meth="repeat">
+      <a:schemeClr val="dk2">
+        <a:shade val="80000"/>
+      </a:schemeClr>
+    </dgm:linClrLst>
+    <dgm:effectClrLst/>
+    <dgm:txLinClrLst/>
+    <dgm:txFillClrLst meth="repeat">
+      <a:schemeClr val="tx1"/>
+    </dgm:txFillClrLst>
+    <dgm:txEffectClrLst/>
+  </dgm:styleLbl>
+  <dgm:styleLbl name="fgAcc1">
+    <dgm:fillClrLst meth="repeat">
+      <a:schemeClr val="lt2">
+        <a:alpha val="90000"/>
+      </a:schemeClr>
+    </dgm:fillClrLst>
+    <dgm:linClrLst meth="repeat">
+      <a:schemeClr val="dk2"/>
+    </dgm:linClrLst>
+    <dgm:effectClrLst/>
+    <dgm:txLinClrLst/>
+    <dgm:txFillClrLst meth="repeat">
+      <a:schemeClr val="dk1"/>
+    </dgm:txFillClrLst>
+    <dgm:txEffectClrLst/>
+  </dgm:styleLbl>
+  <dgm:styleLbl name="conFgAcc1">
+    <dgm:fillClrLst meth="repeat">
+      <a:schemeClr val="lt2">
+        <a:alpha val="90000"/>
+      </a:schemeClr>
+    </dgm:fillClrLst>
+    <dgm:linClrLst meth="repeat">
+      <a:schemeClr val="dk2"/>
+    </dgm:linClrLst>
+    <dgm:effectClrLst/>
+    <dgm:txLinClrLst/>
+    <dgm:txFillClrLst meth="repeat">
+      <a:schemeClr val="dk1"/>
+    </dgm:txFillClrLst>
+    <dgm:txEffectClrLst/>
+  </dgm:styleLbl>
+  <dgm:styleLbl name="alignAcc1">
+    <dgm:fillClrLst meth="repeat">
+      <a:schemeClr val="lt2">
+        <a:alpha val="90000"/>
+      </a:schemeClr>
+    </dgm:fillClrLst>
+    <dgm:linClrLst meth="repeat">
+      <a:schemeClr val="dk2"/>
+    </dgm:linClrLst>
+    <dgm:effectClrLst/>
+    <dgm:txLinClrLst/>
+    <dgm:txFillClrLst meth="repeat">
+      <a:schemeClr val="dk1"/>
+    </dgm:txFillClrLst>
+    <dgm:txEffectClrLst/>
+  </dgm:styleLbl>
+  <dgm:styleLbl name="trAlignAcc1">
+    <dgm:fillClrLst meth="repeat">
+      <a:schemeClr val="lt2">
+        <a:alpha val="40000"/>
+      </a:schemeClr>
+    </dgm:fillClrLst>
+    <dgm:linClrLst meth="repeat">
+      <a:schemeClr val="dk2"/>
+    </dgm:linClrLst>
+    <dgm:effectClrLst/>
+    <dgm:txLinClrLst/>
+    <dgm:txFillClrLst meth="repeat">
+      <a:schemeClr val="dk1"/>
+    </dgm:txFillClrLst>
+    <dgm:txEffectClrLst/>
+  </dgm:styleLbl>
+  <dgm:styleLbl name="bgAcc1">
+    <dgm:fillClrLst meth="repeat">
+      <a:schemeClr val="lt2">
+        <a:alpha val="90000"/>
+      </a:schemeClr>
+    </dgm:fillClrLst>
+    <dgm:linClrLst meth="repeat">
+      <a:schemeClr val="dk2"/>
+    </dgm:linClrLst>
+    <dgm:effectClrLst/>
+    <dgm:txLinClrLst/>
+    <dgm:txFillClrLst meth="repeat">
+      <a:schemeClr val="dk1"/>
+    </dgm:txFillClrLst>
+    <dgm:txEffectClrLst/>
+  </dgm:styleLbl>
+  <dgm:styleLbl name="solidFgAcc1">
+    <dgm:fillClrLst meth="repeat">
+      <a:schemeClr val="lt2"/>
+    </dgm:fillClrLst>
+    <dgm:linClrLst meth="repeat">
+      <a:schemeClr val="dk2"/>
+    </dgm:linClrLst>
+    <dgm:effectClrLst/>
+    <dgm:txLinClrLst/>
+    <dgm:txFillClrLst meth="repeat">
+      <a:schemeClr val="dk1"/>
+    </dgm:txFillClrLst>
+    <dgm:txEffectClrLst/>
+  </dgm:styleLbl>
+  <dgm:styleLbl name="solidAlignAcc1">
+    <dgm:fillClrLst meth="repeat">
+      <a:schemeClr val="lt2"/>
+    </dgm:fillClrLst>
+    <dgm:linClrLst meth="repeat">
+      <a:schemeClr val="dk2"/>
+    </dgm:linClrLst>
+    <dgm:effectClrLst/>
+    <dgm:txLinClrLst/>
+    <dgm:txFillClrLst meth="repeat">
+      <a:schemeClr val="dk1"/>
+    </dgm:txFillClrLst>
+    <dgm:txEffectClrLst/>
+  </dgm:styleLbl>
+  <dgm:styleLbl name="solidBgAcc1">
+    <dgm:fillClrLst meth="repeat">
+      <a:schemeClr val="lt2"/>
+    </dgm:fillClrLst>
+    <dgm:linClrLst meth="repeat">
+      <a:schemeClr val="dk2"/>
+    </dgm:linClrLst>
+    <dgm:effectClrLst/>
+    <dgm:txLinClrLst/>
+    <dgm:txFillClrLst meth="repeat">
+      <a:schemeClr val="dk1"/>
+    </dgm:txFillClrLst>
+    <dgm:txEffectClrLst/>
+  </dgm:styleLbl>
+  <dgm:styleLbl name="fgAccFollowNode1">
+    <dgm:fillClrLst meth="repeat">
+      <a:schemeClr val="dk2">
+        <a:alpha val="90000"/>
+        <a:tint val="40000"/>
+      </a:schemeClr>
+    </dgm:fillClrLst>
+    <dgm:linClrLst meth="repeat">
+      <a:schemeClr val="dk2">
+        <a:alpha val="90000"/>
+        <a:tint val="40000"/>
+      </a:schemeClr>
+    </dgm:linClrLst>
+    <dgm:effectClrLst/>
+    <dgm:txLinClrLst/>
+    <dgm:txFillClrLst meth="repeat">
+      <a:schemeClr val="dk1"/>
+    </dgm:txFillClrLst>
+    <dgm:txEffectClrLst/>
+  </dgm:styleLbl>
+  <dgm:styleLbl name="alignAccFollowNode1">
+    <dgm:fillClrLst meth="repeat">
+      <a:schemeClr val="dk2">
+        <a:alpha val="90000"/>
+        <a:tint val="40000"/>
+      </a:schemeClr>
+    </dgm:fillClrLst>
+    <dgm:linClrLst meth="repeat">
+      <a:schemeClr val="dk2">
+        <a:alpha val="90000"/>
+        <a:tint val="40000"/>
+      </a:schemeClr>
+    </dgm:linClrLst>
+    <dgm:effectClrLst/>
+    <dgm:txLinClrLst/>
+    <dgm:txFillClrLst meth="repeat">
+      <a:schemeClr val="dk1"/>
+    </dgm:txFillClrLst>
+    <dgm:txEffectClrLst/>
+  </dgm:styleLbl>
+  <dgm:styleLbl name="bgAccFollowNode1">
+    <dgm:fillClrLst meth="repeat">
+      <a:schemeClr val="dk2">
+        <a:alpha val="90000"/>
+        <a:tint val="40000"/>
+      </a:schemeClr>
+    </dgm:fillClrLst>
+    <dgm:linClrLst meth="repeat">
+      <a:schemeClr val="dk2">
+        <a:alpha val="90000"/>
+        <a:tint val="40000"/>
+      </a:schemeClr>
+    </dgm:linClrLst>
+    <dgm:effectClrLst/>
+    <dgm:txLinClrLst/>
+    <dgm:txFillClrLst meth="repeat">
+      <a:schemeClr val="dk1"/>
+    </dgm:txFillClrLst>
+    <dgm:txEffectClrLst/>
+  </dgm:styleLbl>
+  <dgm:styleLbl name="fgAcc0">
+    <dgm:fillClrLst meth="repeat">
+      <a:schemeClr val="lt2">
+        <a:alpha val="90000"/>
+      </a:schemeClr>
+    </dgm:fillClrLst>
+    <dgm:linClrLst meth="repeat">
+      <a:schemeClr val="dk2"/>
+    </dgm:linClrLst>
+    <dgm:effectClrLst/>
+    <dgm:txLinClrLst/>
+    <dgm:txFillClrLst meth="repeat">
+      <a:schemeClr val="dk1"/>
+    </dgm:txFillClrLst>
+    <dgm:txEffectClrLst/>
+  </dgm:styleLbl>
+  <dgm:styleLbl name="fgAcc2">
+    <dgm:fillClrLst meth="repeat">
+      <a:schemeClr val="lt2">
+        <a:alpha val="90000"/>
+      </a:schemeClr>
+    </dgm:fillClrLst>
+    <dgm:linClrLst meth="repeat">
+      <a:schemeClr val="dk2"/>
+    </dgm:linClrLst>
+    <dgm:effectClrLst/>
+    <dgm:txLinClrLst/>
+    <dgm:txFillClrLst meth="repeat">
+      <a:schemeClr val="dk1"/>
+    </dgm:txFillClrLst>
+    <dgm:txEffectClrLst/>
+  </dgm:styleLbl>
+  <dgm:styleLbl name="fgAcc3">
+    <dgm:fillClrLst meth="repeat">
+      <a:schemeClr val="lt2">
+        <a:alpha val="90000"/>
+      </a:schemeClr>
+    </dgm:fillClrLst>
+    <dgm:linClrLst meth="repeat">
+      <a:schemeClr val="dk2"/>
+    </dgm:linClrLst>
+    <dgm:effectClrLst/>
+    <dgm:txLinClrLst/>
+    <dgm:txFillClrLst meth="repeat">
+      <a:schemeClr val="dk1"/>
+    </dgm:txFillClrLst>
+    <dgm:txEffectClrLst/>
+  </dgm:styleLbl>
+  <dgm:styleLbl name="fgAcc4">
+    <dgm:fillClrLst meth="repeat">
+      <a:schemeClr val="lt2">
+        <a:alpha val="90000"/>
+      </a:schemeClr>
+    </dgm:fillClrLst>
+    <dgm:linClrLst meth="repeat">
+      <a:schemeClr val="dk2"/>
+    </dgm:linClrLst>
+    <dgm:effectClrLst/>
+    <dgm:txLinClrLst/>
+    <dgm:txFillClrLst meth="repeat">
+      <a:schemeClr val="dk1"/>
+    </dgm:txFillClrLst>
+    <dgm:txEffectClrLst/>
+  </dgm:styleLbl>
+  <dgm:styleLbl name="bgShp">
+    <dgm:fillClrLst meth="repeat">
+      <a:schemeClr val="dk2">
+        <a:tint val="40000"/>
+      </a:schemeClr>
+    </dgm:fillClrLst>
+    <dgm:linClrLst meth="repeat">
+      <a:schemeClr val="dk2"/>
+    </dgm:linClrLst>
+    <dgm:effectClrLst/>
+    <dgm:txLinClrLst/>
+    <dgm:txFillClrLst meth="repeat">
+      <a:schemeClr val="dk1"/>
+    </dgm:txFillClrLst>
+    <dgm:txEffectClrLst/>
+  </dgm:styleLbl>
+  <dgm:styleLbl name="dkBgShp">
+    <dgm:fillClrLst meth="repeat">
+      <a:schemeClr val="dk2">
+        <a:shade val="80000"/>
+      </a:schemeClr>
+    </dgm:fillClrLst>
+    <dgm:linClrLst meth="repeat">
+      <a:schemeClr val="dk2"/>
+    </dgm:linClrLst>
+    <dgm:effectClrLst/>
+    <dgm:txLinClrLst/>
+    <dgm:txFillClrLst meth="repeat">
+      <a:schemeClr val="lt1"/>
+    </dgm:txFillClrLst>
+    <dgm:txEffectClrLst/>
+  </dgm:styleLbl>
+  <dgm:styleLbl name="trBgShp">
+    <dgm:fillClrLst meth="repeat">
+      <a:schemeClr val="dk2">
+        <a:tint val="50000"/>
+        <a:alpha val="40000"/>
+      </a:schemeClr>
+    </dgm:fillClrLst>
+    <dgm:linClrLst meth="repeat">
+      <a:schemeClr val="dk2"/>
+    </dgm:linClrLst>
+    <dgm:effectClrLst/>
+    <dgm:txLinClrLst/>
+    <dgm:txFillClrLst meth="repeat">
+      <a:schemeClr val="lt1"/>
+    </dgm:txFillClrLst>
+    <dgm:txEffectClrLst/>
+  </dgm:styleLbl>
+  <dgm:styleLbl name="fgShp">
+    <dgm:fillClrLst meth="repeat">
+      <a:schemeClr val="dk2">
+        <a:tint val="60000"/>
+      </a:schemeClr>
+    </dgm:fillClrLst>
+    <dgm:linClrLst meth="repeat">
+      <a:schemeClr val="lt2"/>
+    </dgm:linClrLst>
+    <dgm:effectClrLst/>
+    <dgm:txLinClrLst/>
+    <dgm:txFillClrLst meth="repeat">
+      <a:schemeClr val="dk1"/>
+    </dgm:txFillClrLst>
+    <dgm:txEffectClrLst/>
+  </dgm:styleLbl>
+  <dgm:styleLbl name="revTx">
+    <dgm:fillClrLst meth="repeat">
+      <a:schemeClr val="lt2">
+        <a:alpha val="0"/>
+      </a:schemeClr>
+    </dgm:fillClrLst>
+    <dgm:linClrLst meth="repeat">
+      <a:schemeClr val="dk1">
+        <a:alpha val="0"/>
+      </a:schemeClr>
+    </dgm:linClrLst>
+    <dgm:effectClrLst/>
+    <dgm:txLinClrLst/>
+    <dgm:txFillClrLst meth="repeat">
+      <a:schemeClr val="tx1"/>
+    </dgm:txFillClrLst>
+    <dgm:txEffectClrLst/>
+  </dgm:styleLbl>
+</dgm:colorsDef>
+</file>
+
+<file path=ppt/diagrams/data1.xml><?xml version="1.0" encoding="utf-8"?>
+<dgm:dataModel xmlns:dgm="http://schemas.openxmlformats.org/drawingml/2006/diagram" xmlns:a="http://schemas.openxmlformats.org/drawingml/2006/main">
+  <dgm:ptLst>
+    <dgm:pt modelId="{EA8CBCA3-5597-47BF-83ED-C653F7C35EBD}" type="doc">
+      <dgm:prSet loTypeId="urn:microsoft.com/office/officeart/2005/8/layout/bProcess3" loCatId="process" qsTypeId="urn:microsoft.com/office/officeart/2005/8/quickstyle/simple1" qsCatId="simple" csTypeId="urn:microsoft.com/office/officeart/2005/8/colors/accent0_3" csCatId="mainScheme" phldr="1"/>
+      <dgm:spPr/>
+      <dgm:t>
+        <a:bodyPr/>
+        <a:lstStyle/>
+        <a:p>
+          <a:endParaRPr lang="en-US"/>
+        </a:p>
+      </dgm:t>
+    </dgm:pt>
+    <dgm:pt modelId="{68CEED33-B5F3-4482-A1D0-23F7A1C64F05}">
+      <dgm:prSet phldrT="[Text]">
+        <dgm:style>
+          <a:lnRef idx="2">
+            <a:schemeClr val="dk1"/>
+          </a:lnRef>
+          <a:fillRef idx="1">
+            <a:schemeClr val="lt1"/>
+          </a:fillRef>
+          <a:effectRef idx="0">
+            <a:schemeClr val="dk1"/>
+          </a:effectRef>
+          <a:fontRef idx="minor">
+            <a:schemeClr val="dk1"/>
+          </a:fontRef>
+        </dgm:style>
+      </dgm:prSet>
+      <dgm:spPr/>
+      <dgm:t>
+        <a:bodyPr/>
+        <a:lstStyle/>
+        <a:p>
+          <a:endParaRPr lang="en-US" b="0" cap="none" spc="0" dirty="0" smtClean="0">
+            <a:ln w="0"/>
+            <a:solidFill>
+              <a:schemeClr val="tx1"/>
+            </a:solidFill>
+            <a:effectLst>
+              <a:outerShdw blurRad="38100" dist="19050" dir="2700000" algn="tl" rotWithShape="0">
+                <a:schemeClr val="dk1">
+                  <a:alpha val="40000"/>
+                </a:schemeClr>
+              </a:outerShdw>
+            </a:effectLst>
+            <a:latin typeface="+mn-lt"/>
+          </a:endParaRPr>
+        </a:p>
+        <a:p>
+          <a:endParaRPr lang="en-US" b="0" cap="none" spc="0" dirty="0" smtClean="0">
+            <a:ln w="0"/>
+            <a:solidFill>
+              <a:schemeClr val="tx1"/>
+            </a:solidFill>
+            <a:effectLst>
+              <a:outerShdw blurRad="38100" dist="19050" dir="2700000" algn="tl" rotWithShape="0">
+                <a:schemeClr val="dk1">
+                  <a:alpha val="40000"/>
+                </a:schemeClr>
+              </a:outerShdw>
+            </a:effectLst>
+            <a:latin typeface="+mn-lt"/>
+          </a:endParaRPr>
+        </a:p>
+        <a:p>
+          <a:endParaRPr lang="en-US" b="0" cap="none" spc="0" dirty="0" smtClean="0">
+            <a:ln w="0"/>
+            <a:solidFill>
+              <a:schemeClr val="tx1"/>
+            </a:solidFill>
+            <a:effectLst>
+              <a:outerShdw blurRad="38100" dist="19050" dir="2700000" algn="tl" rotWithShape="0">
+                <a:schemeClr val="dk1">
+                  <a:alpha val="40000"/>
+                </a:schemeClr>
+              </a:outerShdw>
+            </a:effectLst>
+            <a:latin typeface="+mn-lt"/>
+          </a:endParaRPr>
+        </a:p>
+        <a:p>
+          <a:r>
+            <a:rPr lang="en-US" b="0" cap="none" spc="0" dirty="0" smtClean="0">
+              <a:ln w="0"/>
+              <a:solidFill>
+                <a:schemeClr val="tx1"/>
+              </a:solidFill>
+              <a:effectLst>
+                <a:outerShdw blurRad="38100" dist="19050" dir="2700000" algn="tl" rotWithShape="0">
+                  <a:schemeClr val="dk1">
+                    <a:alpha val="40000"/>
+                  </a:schemeClr>
+                </a:outerShdw>
+              </a:effectLst>
+              <a:latin typeface="+mn-lt"/>
+            </a:rPr>
+            <a:t>Dataset</a:t>
+          </a:r>
+          <a:endParaRPr lang="en-US" b="0" cap="none" spc="0" dirty="0">
+            <a:ln w="0"/>
+            <a:solidFill>
+              <a:schemeClr val="tx1"/>
+            </a:solidFill>
+            <a:effectLst>
+              <a:outerShdw blurRad="38100" dist="19050" dir="2700000" algn="tl" rotWithShape="0">
+                <a:schemeClr val="dk1">
+                  <a:alpha val="40000"/>
+                </a:schemeClr>
+              </a:outerShdw>
+            </a:effectLst>
+            <a:latin typeface="+mn-lt"/>
+          </a:endParaRPr>
+        </a:p>
+      </dgm:t>
+    </dgm:pt>
+    <dgm:pt modelId="{C36BBC53-E0A8-4F67-B293-2000A2A9E75A}" type="parTrans" cxnId="{AFBCAF9B-28EA-4F39-9989-FACD92F57B3F}">
+      <dgm:prSet/>
+      <dgm:spPr/>
+      <dgm:t>
+        <a:bodyPr/>
+        <a:lstStyle/>
+        <a:p>
+          <a:endParaRPr lang="en-US"/>
+        </a:p>
+      </dgm:t>
+    </dgm:pt>
+    <dgm:pt modelId="{AE2A7DBD-5B0F-4F04-934A-71B2DA146F51}" type="sibTrans" cxnId="{AFBCAF9B-28EA-4F39-9989-FACD92F57B3F}">
+      <dgm:prSet>
+        <dgm:style>
+          <a:lnRef idx="2">
+            <a:schemeClr val="dk1"/>
+          </a:lnRef>
+          <a:fillRef idx="1">
+            <a:schemeClr val="lt1"/>
+          </a:fillRef>
+          <a:effectRef idx="0">
+            <a:schemeClr val="dk1"/>
+          </a:effectRef>
+          <a:fontRef idx="minor">
+            <a:schemeClr val="dk1"/>
+          </a:fontRef>
+        </dgm:style>
+      </dgm:prSet>
+      <dgm:spPr>
+        <a:ln w="76200"/>
+      </dgm:spPr>
+      <dgm:t>
+        <a:bodyPr/>
+        <a:lstStyle/>
+        <a:p>
+          <a:endParaRPr lang="en-US" b="0" cap="none" spc="0">
+            <a:ln w="0"/>
+            <a:solidFill>
+              <a:schemeClr val="tx1"/>
+            </a:solidFill>
+            <a:effectLst>
+              <a:outerShdw blurRad="38100" dist="19050" dir="2700000" algn="tl" rotWithShape="0">
+                <a:schemeClr val="dk1">
+                  <a:alpha val="40000"/>
+                </a:schemeClr>
+              </a:outerShdw>
+            </a:effectLst>
+          </a:endParaRPr>
+        </a:p>
+      </dgm:t>
+    </dgm:pt>
+    <dgm:pt modelId="{4A804691-1F29-4521-8669-F423560A471C}">
+      <dgm:prSet phldrT="[Text]">
+        <dgm:style>
+          <a:lnRef idx="2">
+            <a:schemeClr val="dk1"/>
+          </a:lnRef>
+          <a:fillRef idx="1">
+            <a:schemeClr val="lt1"/>
+          </a:fillRef>
+          <a:effectRef idx="0">
+            <a:schemeClr val="dk1"/>
+          </a:effectRef>
+          <a:fontRef idx="minor">
+            <a:schemeClr val="dk1"/>
+          </a:fontRef>
+        </dgm:style>
+      </dgm:prSet>
+      <dgm:spPr/>
+      <dgm:t>
+        <a:bodyPr/>
+        <a:lstStyle/>
+        <a:p>
+          <a:endParaRPr lang="en-US" b="0" cap="none" spc="0" dirty="0" smtClean="0">
+            <a:ln w="0"/>
+            <a:solidFill>
+              <a:schemeClr val="tx1"/>
+            </a:solidFill>
+            <a:effectLst>
+              <a:outerShdw blurRad="38100" dist="19050" dir="2700000" algn="tl" rotWithShape="0">
+                <a:schemeClr val="dk1">
+                  <a:alpha val="40000"/>
+                </a:schemeClr>
+              </a:outerShdw>
+            </a:effectLst>
+            <a:latin typeface="+mn-lt"/>
+          </a:endParaRPr>
+        </a:p>
+        <a:p>
+          <a:endParaRPr lang="en-US" b="0" cap="none" spc="0" dirty="0" smtClean="0">
+            <a:ln w="0"/>
+            <a:solidFill>
+              <a:schemeClr val="tx1"/>
+            </a:solidFill>
+            <a:effectLst>
+              <a:outerShdw blurRad="38100" dist="19050" dir="2700000" algn="tl" rotWithShape="0">
+                <a:schemeClr val="dk1">
+                  <a:alpha val="40000"/>
+                </a:schemeClr>
+              </a:outerShdw>
+            </a:effectLst>
+            <a:latin typeface="+mn-lt"/>
+          </a:endParaRPr>
+        </a:p>
+        <a:p>
+          <a:endParaRPr lang="en-US" b="0" cap="none" spc="0" dirty="0" smtClean="0">
+            <a:ln w="0"/>
+            <a:solidFill>
+              <a:schemeClr val="tx1"/>
+            </a:solidFill>
+            <a:effectLst>
+              <a:outerShdw blurRad="38100" dist="19050" dir="2700000" algn="tl" rotWithShape="0">
+                <a:schemeClr val="dk1">
+                  <a:alpha val="40000"/>
+                </a:schemeClr>
+              </a:outerShdw>
+            </a:effectLst>
+            <a:latin typeface="+mn-lt"/>
+          </a:endParaRPr>
+        </a:p>
+        <a:p>
+          <a:r>
+            <a:rPr lang="en-US" b="0" cap="none" spc="0" dirty="0" smtClean="0">
+              <a:ln w="0"/>
+              <a:solidFill>
+                <a:schemeClr val="tx1"/>
+              </a:solidFill>
+              <a:effectLst>
+                <a:outerShdw blurRad="38100" dist="19050" dir="2700000" algn="tl" rotWithShape="0">
+                  <a:schemeClr val="dk1">
+                    <a:alpha val="40000"/>
+                  </a:schemeClr>
+                </a:outerShdw>
+              </a:effectLst>
+              <a:latin typeface="+mn-lt"/>
+            </a:rPr>
+            <a:t>Feature Extraction</a:t>
+          </a:r>
+          <a:endParaRPr lang="en-US" b="0" cap="none" spc="0" dirty="0">
+            <a:ln w="0"/>
+            <a:solidFill>
+              <a:schemeClr val="tx1"/>
+            </a:solidFill>
+            <a:effectLst>
+              <a:outerShdw blurRad="38100" dist="19050" dir="2700000" algn="tl" rotWithShape="0">
+                <a:schemeClr val="dk1">
+                  <a:alpha val="40000"/>
+                </a:schemeClr>
+              </a:outerShdw>
+            </a:effectLst>
+            <a:latin typeface="+mn-lt"/>
+          </a:endParaRPr>
+        </a:p>
+      </dgm:t>
+    </dgm:pt>
+    <dgm:pt modelId="{78D4B3FD-7DE5-4964-8A78-2AB69D4EC5EB}" type="parTrans" cxnId="{8C3E2A7F-1251-4EB4-B5E2-0D9789A59714}">
+      <dgm:prSet/>
+      <dgm:spPr/>
+      <dgm:t>
+        <a:bodyPr/>
+        <a:lstStyle/>
+        <a:p>
+          <a:endParaRPr lang="en-US"/>
+        </a:p>
+      </dgm:t>
+    </dgm:pt>
+    <dgm:pt modelId="{25A2C3DC-814D-47AF-BA27-813C18CEEE0A}" type="sibTrans" cxnId="{8C3E2A7F-1251-4EB4-B5E2-0D9789A59714}">
+      <dgm:prSet>
+        <dgm:style>
+          <a:lnRef idx="2">
+            <a:schemeClr val="dk1"/>
+          </a:lnRef>
+          <a:fillRef idx="1">
+            <a:schemeClr val="lt1"/>
+          </a:fillRef>
+          <a:effectRef idx="0">
+            <a:schemeClr val="dk1"/>
+          </a:effectRef>
+          <a:fontRef idx="minor">
+            <a:schemeClr val="dk1"/>
+          </a:fontRef>
+        </dgm:style>
+      </dgm:prSet>
+      <dgm:spPr>
+        <a:ln w="76200"/>
+      </dgm:spPr>
+      <dgm:t>
+        <a:bodyPr/>
+        <a:lstStyle/>
+        <a:p>
+          <a:endParaRPr lang="en-US" b="0" cap="none" spc="0">
+            <a:ln w="0"/>
+            <a:solidFill>
+              <a:schemeClr val="tx1"/>
+            </a:solidFill>
+            <a:effectLst>
+              <a:outerShdw blurRad="38100" dist="19050" dir="2700000" algn="tl" rotWithShape="0">
+                <a:schemeClr val="dk1">
+                  <a:alpha val="40000"/>
+                </a:schemeClr>
+              </a:outerShdw>
+            </a:effectLst>
+          </a:endParaRPr>
+        </a:p>
+      </dgm:t>
+    </dgm:pt>
+    <dgm:pt modelId="{43134BC5-53A3-45AC-9DCD-88A9F485FA5E}">
+      <dgm:prSet phldrT="[Text]">
+        <dgm:style>
+          <a:lnRef idx="2">
+            <a:schemeClr val="dk1"/>
+          </a:lnRef>
+          <a:fillRef idx="1">
+            <a:schemeClr val="lt1"/>
+          </a:fillRef>
+          <a:effectRef idx="0">
+            <a:schemeClr val="dk1"/>
+          </a:effectRef>
+          <a:fontRef idx="minor">
+            <a:schemeClr val="dk1"/>
+          </a:fontRef>
+        </dgm:style>
+      </dgm:prSet>
+      <dgm:spPr/>
+      <dgm:t>
+        <a:bodyPr/>
+        <a:lstStyle/>
+        <a:p>
+          <a:endParaRPr lang="en-US" b="0" cap="none" spc="0" dirty="0" smtClean="0">
+            <a:ln w="0"/>
+            <a:solidFill>
+              <a:schemeClr val="tx1"/>
+            </a:solidFill>
+            <a:effectLst>
+              <a:outerShdw blurRad="38100" dist="19050" dir="2700000" algn="tl" rotWithShape="0">
+                <a:schemeClr val="dk1">
+                  <a:alpha val="40000"/>
+                </a:schemeClr>
+              </a:outerShdw>
+            </a:effectLst>
+            <a:latin typeface="+mn-lt"/>
+          </a:endParaRPr>
+        </a:p>
+        <a:p>
+          <a:endParaRPr lang="en-US" b="0" cap="none" spc="0" dirty="0" smtClean="0">
+            <a:ln w="0"/>
+            <a:solidFill>
+              <a:schemeClr val="tx1"/>
+            </a:solidFill>
+            <a:effectLst>
+              <a:outerShdw blurRad="38100" dist="19050" dir="2700000" algn="tl" rotWithShape="0">
+                <a:schemeClr val="dk1">
+                  <a:alpha val="40000"/>
+                </a:schemeClr>
+              </a:outerShdw>
+            </a:effectLst>
+            <a:latin typeface="+mn-lt"/>
+          </a:endParaRPr>
+        </a:p>
+        <a:p>
+          <a:endParaRPr lang="en-US" b="0" cap="none" spc="0" dirty="0" smtClean="0">
+            <a:ln w="0"/>
+            <a:solidFill>
+              <a:schemeClr val="tx1"/>
+            </a:solidFill>
+            <a:effectLst>
+              <a:outerShdw blurRad="38100" dist="19050" dir="2700000" algn="tl" rotWithShape="0">
+                <a:schemeClr val="dk1">
+                  <a:alpha val="40000"/>
+                </a:schemeClr>
+              </a:outerShdw>
+            </a:effectLst>
+            <a:latin typeface="+mn-lt"/>
+          </a:endParaRPr>
+        </a:p>
+        <a:p>
+          <a:r>
+            <a:rPr lang="en-US" b="0" cap="none" spc="0" dirty="0" smtClean="0">
+              <a:ln w="0"/>
+              <a:solidFill>
+                <a:schemeClr val="tx1"/>
+              </a:solidFill>
+              <a:effectLst>
+                <a:outerShdw blurRad="38100" dist="19050" dir="2700000" algn="tl" rotWithShape="0">
+                  <a:schemeClr val="dk1">
+                    <a:alpha val="40000"/>
+                  </a:schemeClr>
+                </a:outerShdw>
+              </a:effectLst>
+              <a:latin typeface="+mn-lt"/>
+            </a:rPr>
+            <a:t>Dictionary Building</a:t>
+          </a:r>
+          <a:endParaRPr lang="en-US" b="0" cap="none" spc="0" dirty="0">
+            <a:ln w="0"/>
+            <a:solidFill>
+              <a:schemeClr val="tx1"/>
+            </a:solidFill>
+            <a:effectLst>
+              <a:outerShdw blurRad="38100" dist="19050" dir="2700000" algn="tl" rotWithShape="0">
+                <a:schemeClr val="dk1">
+                  <a:alpha val="40000"/>
+                </a:schemeClr>
+              </a:outerShdw>
+            </a:effectLst>
+            <a:latin typeface="+mn-lt"/>
+          </a:endParaRPr>
+        </a:p>
+      </dgm:t>
+    </dgm:pt>
+    <dgm:pt modelId="{7E763DA7-9972-4643-90BC-FB27A7685CA6}" type="parTrans" cxnId="{32517367-4D41-42D1-BB1A-682D92B2D0AC}">
+      <dgm:prSet/>
+      <dgm:spPr/>
+      <dgm:t>
+        <a:bodyPr/>
+        <a:lstStyle/>
+        <a:p>
+          <a:endParaRPr lang="en-US"/>
+        </a:p>
+      </dgm:t>
+    </dgm:pt>
+    <dgm:pt modelId="{4AE0CCA3-82B0-47A4-B394-B9553AF76EBB}" type="sibTrans" cxnId="{32517367-4D41-42D1-BB1A-682D92B2D0AC}">
+      <dgm:prSet>
+        <dgm:style>
+          <a:lnRef idx="2">
+            <a:schemeClr val="dk1"/>
+          </a:lnRef>
+          <a:fillRef idx="1">
+            <a:schemeClr val="lt1"/>
+          </a:fillRef>
+          <a:effectRef idx="0">
+            <a:schemeClr val="dk1"/>
+          </a:effectRef>
+          <a:fontRef idx="minor">
+            <a:schemeClr val="dk1"/>
+          </a:fontRef>
+        </dgm:style>
+      </dgm:prSet>
+      <dgm:spPr>
+        <a:ln w="76200"/>
+      </dgm:spPr>
+      <dgm:t>
+        <a:bodyPr/>
+        <a:lstStyle/>
+        <a:p>
+          <a:endParaRPr lang="en-US" b="0" cap="none" spc="0">
+            <a:ln w="0"/>
+            <a:solidFill>
+              <a:schemeClr val="tx1"/>
+            </a:solidFill>
+            <a:effectLst>
+              <a:outerShdw blurRad="38100" dist="19050" dir="2700000" algn="tl" rotWithShape="0">
+                <a:schemeClr val="dk1">
+                  <a:alpha val="40000"/>
+                </a:schemeClr>
+              </a:outerShdw>
+            </a:effectLst>
+          </a:endParaRPr>
+        </a:p>
+      </dgm:t>
+    </dgm:pt>
+    <dgm:pt modelId="{4AA8B55B-EFFD-4F5B-8A9B-76DB79453472}">
+      <dgm:prSet phldrT="[Text]">
+        <dgm:style>
+          <a:lnRef idx="2">
+            <a:schemeClr val="dk1"/>
+          </a:lnRef>
+          <a:fillRef idx="1">
+            <a:schemeClr val="lt1"/>
+          </a:fillRef>
+          <a:effectRef idx="0">
+            <a:schemeClr val="dk1"/>
+          </a:effectRef>
+          <a:fontRef idx="minor">
+            <a:schemeClr val="dk1"/>
+          </a:fontRef>
+        </dgm:style>
+      </dgm:prSet>
+      <dgm:spPr/>
+      <dgm:t>
+        <a:bodyPr/>
+        <a:lstStyle/>
+        <a:p>
+          <a:endParaRPr lang="en-US" dirty="0" smtClean="0">
+            <a:solidFill>
+              <a:schemeClr val="tx1"/>
+            </a:solidFill>
+            <a:effectLst>
+              <a:outerShdw blurRad="38100" dist="38100" dir="2700000" algn="tl">
+                <a:srgbClr val="000000">
+                  <a:alpha val="43137"/>
+                </a:srgbClr>
+              </a:outerShdw>
+            </a:effectLst>
+            <a:latin typeface="+mn-lt"/>
+          </a:endParaRPr>
+        </a:p>
+        <a:p>
+          <a:endParaRPr lang="en-US" dirty="0" smtClean="0">
+            <a:solidFill>
+              <a:schemeClr val="tx1"/>
+            </a:solidFill>
+            <a:effectLst>
+              <a:outerShdw blurRad="38100" dist="38100" dir="2700000" algn="tl">
+                <a:srgbClr val="000000">
+                  <a:alpha val="43137"/>
+                </a:srgbClr>
+              </a:outerShdw>
+            </a:effectLst>
+            <a:latin typeface="+mn-lt"/>
+          </a:endParaRPr>
+        </a:p>
+        <a:p>
+          <a:endParaRPr lang="en-US" dirty="0" smtClean="0">
+            <a:solidFill>
+              <a:schemeClr val="tx1"/>
+            </a:solidFill>
+            <a:effectLst>
+              <a:outerShdw blurRad="38100" dist="38100" dir="2700000" algn="tl">
+                <a:srgbClr val="000000">
+                  <a:alpha val="43137"/>
+                </a:srgbClr>
+              </a:outerShdw>
+            </a:effectLst>
+            <a:latin typeface="+mn-lt"/>
+          </a:endParaRPr>
+        </a:p>
+        <a:p>
+          <a:r>
+            <a:rPr lang="en-US" dirty="0" smtClean="0">
+              <a:solidFill>
+                <a:schemeClr val="tx1"/>
+              </a:solidFill>
+              <a:effectLst>
+                <a:outerShdw blurRad="38100" dist="38100" dir="2700000" algn="tl">
+                  <a:srgbClr val="000000">
+                    <a:alpha val="43137"/>
+                  </a:srgbClr>
+                </a:outerShdw>
+              </a:effectLst>
+              <a:latin typeface="+mn-lt"/>
+            </a:rPr>
+            <a:t>Query Image</a:t>
+          </a:r>
+          <a:endParaRPr lang="en-US" b="0" cap="none" spc="0" dirty="0">
+            <a:ln w="0"/>
+            <a:solidFill>
+              <a:schemeClr val="tx1"/>
+            </a:solidFill>
+            <a:effectLst>
+              <a:outerShdw blurRad="38100" dist="38100" dir="2700000" algn="tl">
+                <a:srgbClr val="000000">
+                  <a:alpha val="43137"/>
+                </a:srgbClr>
+              </a:outerShdw>
+            </a:effectLst>
+            <a:latin typeface="+mn-lt"/>
+          </a:endParaRPr>
+        </a:p>
+      </dgm:t>
+    </dgm:pt>
+    <dgm:pt modelId="{DAB47DE4-A6C1-4D7A-AA17-DAABBCD4978F}" type="parTrans" cxnId="{48C5E03D-C658-4C93-9E82-F4B45870EF21}">
+      <dgm:prSet/>
+      <dgm:spPr/>
+      <dgm:t>
+        <a:bodyPr/>
+        <a:lstStyle/>
+        <a:p>
+          <a:endParaRPr lang="en-US"/>
+        </a:p>
+      </dgm:t>
+    </dgm:pt>
+    <dgm:pt modelId="{18060D5C-2735-4552-83B9-863787953A19}" type="sibTrans" cxnId="{48C5E03D-C658-4C93-9E82-F4B45870EF21}">
+      <dgm:prSet>
+        <dgm:style>
+          <a:lnRef idx="2">
+            <a:schemeClr val="dk1"/>
+          </a:lnRef>
+          <a:fillRef idx="1">
+            <a:schemeClr val="lt1"/>
+          </a:fillRef>
+          <a:effectRef idx="0">
+            <a:schemeClr val="dk1"/>
+          </a:effectRef>
+          <a:fontRef idx="minor">
+            <a:schemeClr val="dk1"/>
+          </a:fontRef>
+        </dgm:style>
+      </dgm:prSet>
+      <dgm:spPr>
+        <a:ln w="76200"/>
+      </dgm:spPr>
+      <dgm:t>
+        <a:bodyPr/>
+        <a:lstStyle/>
+        <a:p>
+          <a:endParaRPr lang="en-US" b="0" cap="none" spc="0">
+            <a:ln w="0"/>
+            <a:solidFill>
+              <a:schemeClr val="tx1"/>
+            </a:solidFill>
+            <a:effectLst>
+              <a:outerShdw blurRad="38100" dist="19050" dir="2700000" algn="tl" rotWithShape="0">
+                <a:schemeClr val="dk1">
+                  <a:alpha val="40000"/>
+                </a:schemeClr>
+              </a:outerShdw>
+            </a:effectLst>
+          </a:endParaRPr>
+        </a:p>
+      </dgm:t>
+    </dgm:pt>
+    <dgm:pt modelId="{6046E020-BC3F-4243-8F6E-4EE79F5EFCCD}">
+      <dgm:prSet phldrT="[Text]">
+        <dgm:style>
+          <a:lnRef idx="2">
+            <a:schemeClr val="dk1"/>
+          </a:lnRef>
+          <a:fillRef idx="1">
+            <a:schemeClr val="lt1"/>
+          </a:fillRef>
+          <a:effectRef idx="0">
+            <a:schemeClr val="dk1"/>
+          </a:effectRef>
+          <a:fontRef idx="minor">
+            <a:schemeClr val="dk1"/>
+          </a:fontRef>
+        </dgm:style>
+      </dgm:prSet>
+      <dgm:spPr/>
+      <dgm:t>
+        <a:bodyPr/>
+        <a:lstStyle/>
+        <a:p>
+          <a:endParaRPr lang="en-US" dirty="0" smtClean="0">
+            <a:solidFill>
+              <a:schemeClr val="tx1"/>
+            </a:solidFill>
+            <a:effectLst>
+              <a:outerShdw blurRad="38100" dist="38100" dir="2700000" algn="tl">
+                <a:srgbClr val="000000">
+                  <a:alpha val="43137"/>
+                </a:srgbClr>
+              </a:outerShdw>
+            </a:effectLst>
+            <a:latin typeface="+mn-lt"/>
+          </a:endParaRPr>
+        </a:p>
+        <a:p>
+          <a:endParaRPr lang="en-US" dirty="0" smtClean="0">
+            <a:solidFill>
+              <a:schemeClr val="tx1"/>
+            </a:solidFill>
+            <a:effectLst>
+              <a:outerShdw blurRad="38100" dist="38100" dir="2700000" algn="tl">
+                <a:srgbClr val="000000">
+                  <a:alpha val="43137"/>
+                </a:srgbClr>
+              </a:outerShdw>
+            </a:effectLst>
+            <a:latin typeface="+mn-lt"/>
+          </a:endParaRPr>
+        </a:p>
+        <a:p>
+          <a:endParaRPr lang="en-US" dirty="0" smtClean="0">
+            <a:solidFill>
+              <a:schemeClr val="tx1"/>
+            </a:solidFill>
+            <a:effectLst>
+              <a:outerShdw blurRad="38100" dist="38100" dir="2700000" algn="tl">
+                <a:srgbClr val="000000">
+                  <a:alpha val="43137"/>
+                </a:srgbClr>
+              </a:outerShdw>
+            </a:effectLst>
+            <a:latin typeface="+mn-lt"/>
+          </a:endParaRPr>
+        </a:p>
+        <a:p>
+          <a:r>
+            <a:rPr lang="en-US" b="0" cap="none" spc="0" dirty="0" err="1" smtClean="0">
+              <a:ln w="0"/>
+              <a:solidFill>
+                <a:schemeClr val="tx1"/>
+              </a:solidFill>
+              <a:effectLst>
+                <a:outerShdw blurRad="38100" dist="38100" dir="2700000" algn="tl">
+                  <a:srgbClr val="000000">
+                    <a:alpha val="43137"/>
+                  </a:srgbClr>
+                </a:outerShdw>
+              </a:effectLst>
+              <a:latin typeface="+mn-lt"/>
+            </a:rPr>
+            <a:t>tf-idf</a:t>
+          </a:r>
+          <a:r>
+            <a:rPr lang="en-US" b="0" cap="none" spc="0" dirty="0" smtClean="0">
+              <a:ln w="0"/>
+              <a:solidFill>
+                <a:schemeClr val="tx1"/>
+              </a:solidFill>
+              <a:effectLst>
+                <a:outerShdw blurRad="38100" dist="38100" dir="2700000" algn="tl">
+                  <a:srgbClr val="000000">
+                    <a:alpha val="43137"/>
+                  </a:srgbClr>
+                </a:outerShdw>
+              </a:effectLst>
+              <a:latin typeface="+mn-lt"/>
+            </a:rPr>
+            <a:t> Weighting</a:t>
+          </a:r>
+          <a:endParaRPr lang="en-US" b="0" cap="none" spc="0" dirty="0">
+            <a:ln w="0"/>
+            <a:solidFill>
+              <a:schemeClr val="tx1"/>
+            </a:solidFill>
+            <a:effectLst>
+              <a:outerShdw blurRad="38100" dist="38100" dir="2700000" algn="tl">
+                <a:srgbClr val="000000">
+                  <a:alpha val="43137"/>
+                </a:srgbClr>
+              </a:outerShdw>
+            </a:effectLst>
+            <a:latin typeface="+mn-lt"/>
+          </a:endParaRPr>
+        </a:p>
+      </dgm:t>
+    </dgm:pt>
+    <dgm:pt modelId="{C2B43823-491F-45A2-B085-3BBDB2BE04AF}" type="parTrans" cxnId="{1FC5CAB7-E841-44D5-B568-7CFCE994A19D}">
+      <dgm:prSet/>
+      <dgm:spPr/>
+      <dgm:t>
+        <a:bodyPr/>
+        <a:lstStyle/>
+        <a:p>
+          <a:endParaRPr lang="en-US"/>
+        </a:p>
+      </dgm:t>
+    </dgm:pt>
+    <dgm:pt modelId="{D8B33473-4B28-4EF0-A32F-13CAD35673D9}" type="sibTrans" cxnId="{1FC5CAB7-E841-44D5-B568-7CFCE994A19D}">
+      <dgm:prSet/>
+      <dgm:spPr>
+        <a:ln w="76200"/>
+      </dgm:spPr>
+      <dgm:t>
+        <a:bodyPr/>
+        <a:lstStyle/>
+        <a:p>
+          <a:endParaRPr lang="en-US"/>
+        </a:p>
+      </dgm:t>
+    </dgm:pt>
+    <dgm:pt modelId="{3BE70BCA-5AFC-4B5C-925D-1BF9700614C3}">
+      <dgm:prSet phldrT="[Text]">
+        <dgm:style>
+          <a:lnRef idx="2">
+            <a:schemeClr val="dk1"/>
+          </a:lnRef>
+          <a:fillRef idx="1">
+            <a:schemeClr val="lt1"/>
+          </a:fillRef>
+          <a:effectRef idx="0">
+            <a:schemeClr val="dk1"/>
+          </a:effectRef>
+          <a:fontRef idx="minor">
+            <a:schemeClr val="dk1"/>
+          </a:fontRef>
+        </dgm:style>
+      </dgm:prSet>
+      <dgm:spPr/>
+      <dgm:t>
+        <a:bodyPr/>
+        <a:lstStyle/>
+        <a:p>
+          <a:endParaRPr lang="en-US" dirty="0" smtClean="0">
+            <a:solidFill>
+              <a:schemeClr val="tx1"/>
+            </a:solidFill>
+            <a:effectLst>
+              <a:outerShdw blurRad="38100" dist="38100" dir="2700000" algn="tl">
+                <a:srgbClr val="000000">
+                  <a:alpha val="43137"/>
+                </a:srgbClr>
+              </a:outerShdw>
+            </a:effectLst>
+            <a:latin typeface="+mn-lt"/>
+          </a:endParaRPr>
+        </a:p>
+        <a:p>
+          <a:endParaRPr lang="en-US" dirty="0" smtClean="0">
+            <a:solidFill>
+              <a:schemeClr val="tx1"/>
+            </a:solidFill>
+            <a:effectLst>
+              <a:outerShdw blurRad="38100" dist="38100" dir="2700000" algn="tl">
+                <a:srgbClr val="000000">
+                  <a:alpha val="43137"/>
+                </a:srgbClr>
+              </a:outerShdw>
+            </a:effectLst>
+            <a:latin typeface="+mn-lt"/>
+          </a:endParaRPr>
+        </a:p>
+        <a:p>
+          <a:endParaRPr lang="en-US" dirty="0" smtClean="0">
+            <a:solidFill>
+              <a:schemeClr val="tx1"/>
+            </a:solidFill>
+            <a:effectLst>
+              <a:outerShdw blurRad="38100" dist="38100" dir="2700000" algn="tl">
+                <a:srgbClr val="000000">
+                  <a:alpha val="43137"/>
+                </a:srgbClr>
+              </a:outerShdw>
+            </a:effectLst>
+            <a:latin typeface="+mn-lt"/>
+          </a:endParaRPr>
+        </a:p>
+        <a:p>
+          <a:r>
+            <a:rPr lang="en-US" dirty="0" smtClean="0">
+              <a:solidFill>
+                <a:schemeClr val="tx1"/>
+              </a:solidFill>
+              <a:effectLst>
+                <a:outerShdw blurRad="38100" dist="38100" dir="2700000" algn="tl">
+                  <a:srgbClr val="000000">
+                    <a:alpha val="43137"/>
+                  </a:srgbClr>
+                </a:outerShdw>
+              </a:effectLst>
+              <a:latin typeface="+mn-lt"/>
+            </a:rPr>
+            <a:t>Retrieving </a:t>
+          </a:r>
+          <a:r>
+            <a:rPr lang="en-US" dirty="0" err="1" smtClean="0">
+              <a:solidFill>
+                <a:schemeClr val="tx1"/>
+              </a:solidFill>
+              <a:effectLst>
+                <a:outerShdw blurRad="38100" dist="38100" dir="2700000" algn="tl">
+                  <a:srgbClr val="000000">
+                    <a:alpha val="43137"/>
+                  </a:srgbClr>
+                </a:outerShdw>
+              </a:effectLst>
+              <a:latin typeface="+mn-lt"/>
+            </a:rPr>
+            <a:t>topK</a:t>
+          </a:r>
+          <a:r>
+            <a:rPr lang="en-US" dirty="0" smtClean="0">
+              <a:solidFill>
+                <a:schemeClr val="tx1"/>
+              </a:solidFill>
+              <a:effectLst>
+                <a:outerShdw blurRad="38100" dist="38100" dir="2700000" algn="tl">
+                  <a:srgbClr val="000000">
+                    <a:alpha val="43137"/>
+                  </a:srgbClr>
+                </a:outerShdw>
+              </a:effectLst>
+              <a:latin typeface="+mn-lt"/>
+            </a:rPr>
+            <a:t> results</a:t>
+          </a:r>
+          <a:endParaRPr lang="en-US" b="0" cap="none" spc="0" dirty="0">
+            <a:ln w="0"/>
+            <a:solidFill>
+              <a:schemeClr val="tx1"/>
+            </a:solidFill>
+            <a:effectLst>
+              <a:outerShdw blurRad="38100" dist="38100" dir="2700000" algn="tl">
+                <a:srgbClr val="000000">
+                  <a:alpha val="43137"/>
+                </a:srgbClr>
+              </a:outerShdw>
+            </a:effectLst>
+            <a:latin typeface="+mn-lt"/>
+          </a:endParaRPr>
+        </a:p>
+      </dgm:t>
+    </dgm:pt>
+    <dgm:pt modelId="{659354FA-1B54-45F2-B488-7D7F1F316451}" type="parTrans" cxnId="{43BF83B3-D5C0-4336-BC70-18F1BA3C9711}">
+      <dgm:prSet/>
+      <dgm:spPr/>
+      <dgm:t>
+        <a:bodyPr/>
+        <a:lstStyle/>
+        <a:p>
+          <a:endParaRPr lang="en-US"/>
+        </a:p>
+      </dgm:t>
+    </dgm:pt>
+    <dgm:pt modelId="{79FAFA41-DD12-411A-9648-5E2C6EC10E5F}" type="sibTrans" cxnId="{43BF83B3-D5C0-4336-BC70-18F1BA3C9711}">
+      <dgm:prSet/>
+      <dgm:spPr>
+        <a:ln w="76200"/>
+      </dgm:spPr>
+      <dgm:t>
+        <a:bodyPr/>
+        <a:lstStyle/>
+        <a:p>
+          <a:endParaRPr lang="en-US"/>
+        </a:p>
+      </dgm:t>
+    </dgm:pt>
+    <dgm:pt modelId="{0D625929-61F5-44CB-908D-A55A91F5F301}">
+      <dgm:prSet phldrT="[Text]">
+        <dgm:style>
+          <a:lnRef idx="2">
+            <a:schemeClr val="dk1"/>
+          </a:lnRef>
+          <a:fillRef idx="1">
+            <a:schemeClr val="lt1"/>
+          </a:fillRef>
+          <a:effectRef idx="0">
+            <a:schemeClr val="dk1"/>
+          </a:effectRef>
+          <a:fontRef idx="minor">
+            <a:schemeClr val="dk1"/>
+          </a:fontRef>
+        </dgm:style>
+      </dgm:prSet>
+      <dgm:spPr/>
+      <dgm:t>
+        <a:bodyPr/>
+        <a:lstStyle/>
+        <a:p>
+          <a:endParaRPr lang="en-US" dirty="0" smtClean="0">
+            <a:solidFill>
+              <a:schemeClr val="tx1"/>
+            </a:solidFill>
+            <a:effectLst>
+              <a:outerShdw blurRad="38100" dist="38100" dir="2700000" algn="tl">
+                <a:srgbClr val="000000">
+                  <a:alpha val="43137"/>
+                </a:srgbClr>
+              </a:outerShdw>
+            </a:effectLst>
+            <a:latin typeface="+mn-lt"/>
+          </a:endParaRPr>
+        </a:p>
+        <a:p>
+          <a:endParaRPr lang="en-US" dirty="0" smtClean="0">
+            <a:solidFill>
+              <a:schemeClr val="tx1"/>
+            </a:solidFill>
+            <a:effectLst>
+              <a:outerShdw blurRad="38100" dist="38100" dir="2700000" algn="tl">
+                <a:srgbClr val="000000">
+                  <a:alpha val="43137"/>
+                </a:srgbClr>
+              </a:outerShdw>
+            </a:effectLst>
+            <a:latin typeface="+mn-lt"/>
+          </a:endParaRPr>
+        </a:p>
+        <a:p>
+          <a:endParaRPr lang="en-US" dirty="0" smtClean="0">
+            <a:solidFill>
+              <a:schemeClr val="tx1"/>
+            </a:solidFill>
+            <a:effectLst>
+              <a:outerShdw blurRad="38100" dist="38100" dir="2700000" algn="tl">
+                <a:srgbClr val="000000">
+                  <a:alpha val="43137"/>
+                </a:srgbClr>
+              </a:outerShdw>
+            </a:effectLst>
+            <a:latin typeface="+mn-lt"/>
+          </a:endParaRPr>
+        </a:p>
+        <a:p>
+          <a:r>
+            <a:rPr lang="en-US" dirty="0" smtClean="0">
+              <a:solidFill>
+                <a:schemeClr val="tx1"/>
+              </a:solidFill>
+              <a:effectLst>
+                <a:outerShdw blurRad="38100" dist="38100" dir="2700000" algn="tl">
+                  <a:srgbClr val="000000">
+                    <a:alpha val="43137"/>
+                  </a:srgbClr>
+                </a:outerShdw>
+              </a:effectLst>
+              <a:latin typeface="+mn-lt"/>
+            </a:rPr>
+            <a:t>Spatial </a:t>
+          </a:r>
+          <a:r>
+            <a:rPr lang="en-US" dirty="0" err="1" smtClean="0">
+              <a:solidFill>
+                <a:schemeClr val="tx1"/>
+              </a:solidFill>
+              <a:effectLst>
+                <a:outerShdw blurRad="38100" dist="38100" dir="2700000" algn="tl">
+                  <a:srgbClr val="000000">
+                    <a:alpha val="43137"/>
+                  </a:srgbClr>
+                </a:outerShdw>
+              </a:effectLst>
+              <a:latin typeface="+mn-lt"/>
+            </a:rPr>
+            <a:t>Rerank</a:t>
+          </a:r>
+          <a:endParaRPr lang="en-US" b="0" cap="none" spc="0" dirty="0">
+            <a:ln w="0"/>
+            <a:solidFill>
+              <a:schemeClr val="tx1"/>
+            </a:solidFill>
+            <a:effectLst>
+              <a:outerShdw blurRad="38100" dist="38100" dir="2700000" algn="tl">
+                <a:srgbClr val="000000">
+                  <a:alpha val="43137"/>
+                </a:srgbClr>
+              </a:outerShdw>
+            </a:effectLst>
+            <a:latin typeface="+mn-lt"/>
+          </a:endParaRPr>
+        </a:p>
+      </dgm:t>
+    </dgm:pt>
+    <dgm:pt modelId="{B4EB511C-BEA2-4F9B-8FEB-203A5E1F5486}" type="parTrans" cxnId="{4E330EC5-7D90-49BB-99E4-F07C28536481}">
+      <dgm:prSet/>
+      <dgm:spPr/>
+      <dgm:t>
+        <a:bodyPr/>
+        <a:lstStyle/>
+        <a:p>
+          <a:endParaRPr lang="en-US"/>
+        </a:p>
+      </dgm:t>
+    </dgm:pt>
+    <dgm:pt modelId="{EF1E0EF2-0B8A-4B4C-A150-4E0B17DFF3A0}" type="sibTrans" cxnId="{4E330EC5-7D90-49BB-99E4-F07C28536481}">
+      <dgm:prSet>
+        <dgm:style>
+          <a:lnRef idx="3">
+            <a:schemeClr val="dk1"/>
+          </a:lnRef>
+          <a:fillRef idx="0">
+            <a:schemeClr val="dk1"/>
+          </a:fillRef>
+          <a:effectRef idx="2">
+            <a:schemeClr val="dk1"/>
+          </a:effectRef>
+          <a:fontRef idx="minor">
+            <a:schemeClr val="tx1"/>
+          </a:fontRef>
+        </dgm:style>
+      </dgm:prSet>
+      <dgm:spPr>
+        <a:solidFill>
+          <a:schemeClr val="tx1"/>
+        </a:solidFill>
+        <a:ln w="76200"/>
+      </dgm:spPr>
+      <dgm:t>
+        <a:bodyPr/>
+        <a:lstStyle/>
+        <a:p>
+          <a:endParaRPr lang="en-US"/>
+        </a:p>
+      </dgm:t>
+    </dgm:pt>
+    <dgm:pt modelId="{FE84E746-8208-42C4-BEC7-D4603B021241}">
+      <dgm:prSet>
+        <dgm:style>
+          <a:lnRef idx="2">
+            <a:schemeClr val="dk1"/>
+          </a:lnRef>
+          <a:fillRef idx="1">
+            <a:schemeClr val="lt1"/>
+          </a:fillRef>
+          <a:effectRef idx="0">
+            <a:schemeClr val="dk1"/>
+          </a:effectRef>
+          <a:fontRef idx="minor">
+            <a:schemeClr val="dk1"/>
+          </a:fontRef>
+        </dgm:style>
+      </dgm:prSet>
+      <dgm:spPr/>
+      <dgm:t>
+        <a:bodyPr/>
+        <a:lstStyle/>
+        <a:p>
+          <a:r>
+            <a:rPr lang="en-US" dirty="0" smtClean="0"/>
+            <a:t>Final </a:t>
+          </a:r>
+          <a:r>
+            <a:rPr lang="en-US" dirty="0" err="1" smtClean="0"/>
+            <a:t>Ranklist</a:t>
+          </a:r>
+          <a:endParaRPr lang="en-US" dirty="0" smtClean="0"/>
+        </a:p>
+      </dgm:t>
+    </dgm:pt>
+    <dgm:pt modelId="{D4F907A8-C5C1-452A-AFCE-64B49394806F}" type="parTrans" cxnId="{B91F7AFF-78C4-4B70-ACF2-A1931510068E}">
+      <dgm:prSet/>
+      <dgm:spPr/>
+      <dgm:t>
+        <a:bodyPr/>
+        <a:lstStyle/>
+        <a:p>
+          <a:endParaRPr lang="en-US"/>
+        </a:p>
+      </dgm:t>
+    </dgm:pt>
+    <dgm:pt modelId="{619AEF3E-E583-4902-B80A-43DBD8AC18A5}" type="sibTrans" cxnId="{B91F7AFF-78C4-4B70-ACF2-A1931510068E}">
+      <dgm:prSet/>
+      <dgm:spPr/>
+      <dgm:t>
+        <a:bodyPr/>
+        <a:lstStyle/>
+        <a:p>
+          <a:endParaRPr lang="en-US"/>
+        </a:p>
+      </dgm:t>
+    </dgm:pt>
+    <dgm:pt modelId="{20071207-7118-4724-A7F7-5F8072946ADD}" type="pres">
+      <dgm:prSet presAssocID="{EA8CBCA3-5597-47BF-83ED-C653F7C35EBD}" presName="Name0" presStyleCnt="0">
+        <dgm:presLayoutVars>
+          <dgm:dir/>
+          <dgm:resizeHandles val="exact"/>
+        </dgm:presLayoutVars>
+      </dgm:prSet>
+      <dgm:spPr/>
+      <dgm:t>
+        <a:bodyPr/>
+        <a:lstStyle/>
+        <a:p>
+          <a:endParaRPr lang="en-US"/>
+        </a:p>
+      </dgm:t>
+    </dgm:pt>
+    <dgm:pt modelId="{73917894-AFCE-4C3B-8A75-3CA8A6B1EC13}" type="pres">
+      <dgm:prSet presAssocID="{68CEED33-B5F3-4482-A1D0-23F7A1C64F05}" presName="node" presStyleLbl="node1" presStyleIdx="0" presStyleCnt="8">
+        <dgm:presLayoutVars>
+          <dgm:bulletEnabled val="1"/>
+        </dgm:presLayoutVars>
+      </dgm:prSet>
+      <dgm:spPr/>
+      <dgm:t>
+        <a:bodyPr/>
+        <a:lstStyle/>
+        <a:p>
+          <a:endParaRPr lang="en-US"/>
+        </a:p>
+      </dgm:t>
+    </dgm:pt>
+    <dgm:pt modelId="{72F58185-95CA-4C79-8878-9420F5291863}" type="pres">
+      <dgm:prSet presAssocID="{AE2A7DBD-5B0F-4F04-934A-71B2DA146F51}" presName="sibTrans" presStyleLbl="sibTrans1D1" presStyleIdx="0" presStyleCnt="7"/>
+      <dgm:spPr/>
+      <dgm:t>
+        <a:bodyPr/>
+        <a:lstStyle/>
+        <a:p>
+          <a:endParaRPr lang="en-US"/>
+        </a:p>
+      </dgm:t>
+    </dgm:pt>
+    <dgm:pt modelId="{74C1F43B-6C4F-4362-85F0-02F20AD73C82}" type="pres">
+      <dgm:prSet presAssocID="{AE2A7DBD-5B0F-4F04-934A-71B2DA146F51}" presName="connectorText" presStyleLbl="sibTrans1D1" presStyleIdx="0" presStyleCnt="7"/>
+      <dgm:spPr/>
+      <dgm:t>
+        <a:bodyPr/>
+        <a:lstStyle/>
+        <a:p>
+          <a:endParaRPr lang="en-US"/>
+        </a:p>
+      </dgm:t>
+    </dgm:pt>
+    <dgm:pt modelId="{5828CCC8-DF47-4552-9867-449EDC4EA6F6}" type="pres">
+      <dgm:prSet presAssocID="{4A804691-1F29-4521-8669-F423560A471C}" presName="node" presStyleLbl="node1" presStyleIdx="1" presStyleCnt="8">
+        <dgm:presLayoutVars>
+          <dgm:bulletEnabled val="1"/>
+        </dgm:presLayoutVars>
+      </dgm:prSet>
+      <dgm:spPr/>
+      <dgm:t>
+        <a:bodyPr/>
+        <a:lstStyle/>
+        <a:p>
+          <a:endParaRPr lang="en-US"/>
+        </a:p>
+      </dgm:t>
+    </dgm:pt>
+    <dgm:pt modelId="{D2DAEEF0-5C26-412A-B4D9-B9B1A958171C}" type="pres">
+      <dgm:prSet presAssocID="{25A2C3DC-814D-47AF-BA27-813C18CEEE0A}" presName="sibTrans" presStyleLbl="sibTrans1D1" presStyleIdx="1" presStyleCnt="7"/>
+      <dgm:spPr/>
+      <dgm:t>
+        <a:bodyPr/>
+        <a:lstStyle/>
+        <a:p>
+          <a:endParaRPr lang="en-US"/>
+        </a:p>
+      </dgm:t>
+    </dgm:pt>
+    <dgm:pt modelId="{73CE868A-6454-4AEE-871E-923A44A4BD52}" type="pres">
+      <dgm:prSet presAssocID="{25A2C3DC-814D-47AF-BA27-813C18CEEE0A}" presName="connectorText" presStyleLbl="sibTrans1D1" presStyleIdx="1" presStyleCnt="7"/>
+      <dgm:spPr/>
+      <dgm:t>
+        <a:bodyPr/>
+        <a:lstStyle/>
+        <a:p>
+          <a:endParaRPr lang="en-US"/>
+        </a:p>
+      </dgm:t>
+    </dgm:pt>
+    <dgm:pt modelId="{440BC4C5-DA08-4E82-AD56-67C155BB80CE}" type="pres">
+      <dgm:prSet presAssocID="{43134BC5-53A3-45AC-9DCD-88A9F485FA5E}" presName="node" presStyleLbl="node1" presStyleIdx="2" presStyleCnt="8">
+        <dgm:presLayoutVars>
+          <dgm:bulletEnabled val="1"/>
+        </dgm:presLayoutVars>
+      </dgm:prSet>
+      <dgm:spPr/>
+      <dgm:t>
+        <a:bodyPr/>
+        <a:lstStyle/>
+        <a:p>
+          <a:endParaRPr lang="en-US"/>
+        </a:p>
+      </dgm:t>
+    </dgm:pt>
+    <dgm:pt modelId="{0D2B63D5-9CCA-4AAD-A94D-212E055DE918}" type="pres">
+      <dgm:prSet presAssocID="{4AE0CCA3-82B0-47A4-B394-B9553AF76EBB}" presName="sibTrans" presStyleLbl="sibTrans1D1" presStyleIdx="2" presStyleCnt="7"/>
+      <dgm:spPr/>
+      <dgm:t>
+        <a:bodyPr/>
+        <a:lstStyle/>
+        <a:p>
+          <a:endParaRPr lang="en-US"/>
+        </a:p>
+      </dgm:t>
+    </dgm:pt>
+    <dgm:pt modelId="{70D69260-9AB1-4524-8DEF-1C83952E953A}" type="pres">
+      <dgm:prSet presAssocID="{4AE0CCA3-82B0-47A4-B394-B9553AF76EBB}" presName="connectorText" presStyleLbl="sibTrans1D1" presStyleIdx="2" presStyleCnt="7"/>
+      <dgm:spPr/>
+      <dgm:t>
+        <a:bodyPr/>
+        <a:lstStyle/>
+        <a:p>
+          <a:endParaRPr lang="en-US"/>
+        </a:p>
+      </dgm:t>
+    </dgm:pt>
+    <dgm:pt modelId="{191A7361-45BD-470E-BC59-0762B718CB76}" type="pres">
+      <dgm:prSet presAssocID="{4AA8B55B-EFFD-4F5B-8A9B-76DB79453472}" presName="node" presStyleLbl="node1" presStyleIdx="3" presStyleCnt="8">
+        <dgm:presLayoutVars>
+          <dgm:bulletEnabled val="1"/>
+        </dgm:presLayoutVars>
+      </dgm:prSet>
+      <dgm:spPr/>
+      <dgm:t>
+        <a:bodyPr/>
+        <a:lstStyle/>
+        <a:p>
+          <a:endParaRPr lang="en-US"/>
+        </a:p>
+      </dgm:t>
+    </dgm:pt>
+    <dgm:pt modelId="{7EEF8F6F-8637-44DD-AAFC-BFA6CA89D69A}" type="pres">
+      <dgm:prSet presAssocID="{18060D5C-2735-4552-83B9-863787953A19}" presName="sibTrans" presStyleLbl="sibTrans1D1" presStyleIdx="3" presStyleCnt="7"/>
+      <dgm:spPr/>
+      <dgm:t>
+        <a:bodyPr/>
+        <a:lstStyle/>
+        <a:p>
+          <a:endParaRPr lang="en-US"/>
+        </a:p>
+      </dgm:t>
+    </dgm:pt>
+    <dgm:pt modelId="{3FB6FA28-D231-42C9-8C00-64D01FA849D1}" type="pres">
+      <dgm:prSet presAssocID="{18060D5C-2735-4552-83B9-863787953A19}" presName="connectorText" presStyleLbl="sibTrans1D1" presStyleIdx="3" presStyleCnt="7"/>
+      <dgm:spPr/>
+      <dgm:t>
+        <a:bodyPr/>
+        <a:lstStyle/>
+        <a:p>
+          <a:endParaRPr lang="en-US"/>
+        </a:p>
+      </dgm:t>
+    </dgm:pt>
+    <dgm:pt modelId="{0153E721-6E39-4D7C-B7F6-43EDECC38F43}" type="pres">
+      <dgm:prSet presAssocID="{6046E020-BC3F-4243-8F6E-4EE79F5EFCCD}" presName="node" presStyleLbl="node1" presStyleIdx="4" presStyleCnt="8">
+        <dgm:presLayoutVars>
+          <dgm:bulletEnabled val="1"/>
+        </dgm:presLayoutVars>
+      </dgm:prSet>
+      <dgm:spPr/>
+      <dgm:t>
+        <a:bodyPr/>
+        <a:lstStyle/>
+        <a:p>
+          <a:endParaRPr lang="en-US"/>
+        </a:p>
+      </dgm:t>
+    </dgm:pt>
+    <dgm:pt modelId="{6EB66BA1-7825-43CF-90E6-B5FF2939C282}" type="pres">
+      <dgm:prSet presAssocID="{D8B33473-4B28-4EF0-A32F-13CAD35673D9}" presName="sibTrans" presStyleLbl="sibTrans1D1" presStyleIdx="4" presStyleCnt="7"/>
+      <dgm:spPr/>
+      <dgm:t>
+        <a:bodyPr/>
+        <a:lstStyle/>
+        <a:p>
+          <a:endParaRPr lang="en-US"/>
+        </a:p>
+      </dgm:t>
+    </dgm:pt>
+    <dgm:pt modelId="{1D7905BC-0F1B-40ED-8A80-5FB495A6E2CC}" type="pres">
+      <dgm:prSet presAssocID="{D8B33473-4B28-4EF0-A32F-13CAD35673D9}" presName="connectorText" presStyleLbl="sibTrans1D1" presStyleIdx="4" presStyleCnt="7"/>
+      <dgm:spPr/>
+      <dgm:t>
+        <a:bodyPr/>
+        <a:lstStyle/>
+        <a:p>
+          <a:endParaRPr lang="en-US"/>
+        </a:p>
+      </dgm:t>
+    </dgm:pt>
+    <dgm:pt modelId="{C0A521F3-B1E4-4B8B-AB80-929FA49187F3}" type="pres">
+      <dgm:prSet presAssocID="{3BE70BCA-5AFC-4B5C-925D-1BF9700614C3}" presName="node" presStyleLbl="node1" presStyleIdx="5" presStyleCnt="8">
+        <dgm:presLayoutVars>
+          <dgm:bulletEnabled val="1"/>
+        </dgm:presLayoutVars>
+      </dgm:prSet>
+      <dgm:spPr/>
+      <dgm:t>
+        <a:bodyPr/>
+        <a:lstStyle/>
+        <a:p>
+          <a:endParaRPr lang="en-US"/>
+        </a:p>
+      </dgm:t>
+    </dgm:pt>
+    <dgm:pt modelId="{CF4786EF-F6C8-499B-BB98-F93FC455DBBB}" type="pres">
+      <dgm:prSet presAssocID="{79FAFA41-DD12-411A-9648-5E2C6EC10E5F}" presName="sibTrans" presStyleLbl="sibTrans1D1" presStyleIdx="5" presStyleCnt="7"/>
+      <dgm:spPr/>
+      <dgm:t>
+        <a:bodyPr/>
+        <a:lstStyle/>
+        <a:p>
+          <a:endParaRPr lang="en-US"/>
+        </a:p>
+      </dgm:t>
+    </dgm:pt>
+    <dgm:pt modelId="{79DA7C83-5817-4766-B1CD-82A870241085}" type="pres">
+      <dgm:prSet presAssocID="{79FAFA41-DD12-411A-9648-5E2C6EC10E5F}" presName="connectorText" presStyleLbl="sibTrans1D1" presStyleIdx="5" presStyleCnt="7"/>
+      <dgm:spPr/>
+      <dgm:t>
+        <a:bodyPr/>
+        <a:lstStyle/>
+        <a:p>
+          <a:endParaRPr lang="en-US"/>
+        </a:p>
+      </dgm:t>
+    </dgm:pt>
+    <dgm:pt modelId="{02B46CEA-C7B3-4D51-9BCC-9554DD08340D}" type="pres">
+      <dgm:prSet presAssocID="{0D625929-61F5-44CB-908D-A55A91F5F301}" presName="node" presStyleLbl="node1" presStyleIdx="6" presStyleCnt="8" custScaleX="164400" custScaleY="114358" custLinFactNeighborX="376" custLinFactNeighborY="-6203">
+        <dgm:presLayoutVars>
+          <dgm:bulletEnabled val="1"/>
+        </dgm:presLayoutVars>
+      </dgm:prSet>
+      <dgm:spPr/>
+      <dgm:t>
+        <a:bodyPr/>
+        <a:lstStyle/>
+        <a:p>
+          <a:endParaRPr lang="en-US"/>
+        </a:p>
+      </dgm:t>
+    </dgm:pt>
+    <dgm:pt modelId="{EFBFDB96-F7EC-450A-8152-1BC7672C7111}" type="pres">
+      <dgm:prSet presAssocID="{EF1E0EF2-0B8A-4B4C-A150-4E0B17DFF3A0}" presName="sibTrans" presStyleLbl="sibTrans1D1" presStyleIdx="6" presStyleCnt="7"/>
+      <dgm:spPr/>
+      <dgm:t>
+        <a:bodyPr/>
+        <a:lstStyle/>
+        <a:p>
+          <a:endParaRPr lang="en-US"/>
+        </a:p>
+      </dgm:t>
+    </dgm:pt>
+    <dgm:pt modelId="{8973FA62-37E6-4B32-8CB7-C56D28F18D87}" type="pres">
+      <dgm:prSet presAssocID="{EF1E0EF2-0B8A-4B4C-A150-4E0B17DFF3A0}" presName="connectorText" presStyleLbl="sibTrans1D1" presStyleIdx="6" presStyleCnt="7"/>
+      <dgm:spPr/>
+      <dgm:t>
+        <a:bodyPr/>
+        <a:lstStyle/>
+        <a:p>
+          <a:endParaRPr lang="en-US"/>
+        </a:p>
+      </dgm:t>
+    </dgm:pt>
+    <dgm:pt modelId="{98314F5D-96D5-44B0-B7D7-6F74319DB0B9}" type="pres">
+      <dgm:prSet presAssocID="{FE84E746-8208-42C4-BEC7-D4603B021241}" presName="node" presStyleLbl="node1" presStyleIdx="7" presStyleCnt="8" custLinFactNeighborX="23123" custLinFactNeighborY="-6041">
+        <dgm:presLayoutVars>
+          <dgm:bulletEnabled val="1"/>
+        </dgm:presLayoutVars>
+      </dgm:prSet>
+      <dgm:spPr/>
+      <dgm:t>
+        <a:bodyPr/>
+        <a:lstStyle/>
+        <a:p>
+          <a:endParaRPr lang="en-US"/>
+        </a:p>
+      </dgm:t>
+    </dgm:pt>
+  </dgm:ptLst>
+  <dgm:cxnLst>
+    <dgm:cxn modelId="{EBD8A30D-902C-477A-AA98-D92D0A5C9F72}" type="presOf" srcId="{EF1E0EF2-0B8A-4B4C-A150-4E0B17DFF3A0}" destId="{EFBFDB96-F7EC-450A-8152-1BC7672C7111}" srcOrd="0" destOrd="0" presId="urn:microsoft.com/office/officeart/2005/8/layout/bProcess3"/>
+    <dgm:cxn modelId="{EE197FBC-59C3-4D0D-919C-BA07A7AB0855}" type="presOf" srcId="{6046E020-BC3F-4243-8F6E-4EE79F5EFCCD}" destId="{0153E721-6E39-4D7C-B7F6-43EDECC38F43}" srcOrd="0" destOrd="0" presId="urn:microsoft.com/office/officeart/2005/8/layout/bProcess3"/>
+    <dgm:cxn modelId="{AFBCAF9B-28EA-4F39-9989-FACD92F57B3F}" srcId="{EA8CBCA3-5597-47BF-83ED-C653F7C35EBD}" destId="{68CEED33-B5F3-4482-A1D0-23F7A1C64F05}" srcOrd="0" destOrd="0" parTransId="{C36BBC53-E0A8-4F67-B293-2000A2A9E75A}" sibTransId="{AE2A7DBD-5B0F-4F04-934A-71B2DA146F51}"/>
+    <dgm:cxn modelId="{4E330EC5-7D90-49BB-99E4-F07C28536481}" srcId="{EA8CBCA3-5597-47BF-83ED-C653F7C35EBD}" destId="{0D625929-61F5-44CB-908D-A55A91F5F301}" srcOrd="6" destOrd="0" parTransId="{B4EB511C-BEA2-4F9B-8FEB-203A5E1F5486}" sibTransId="{EF1E0EF2-0B8A-4B4C-A150-4E0B17DFF3A0}"/>
+    <dgm:cxn modelId="{91F47716-246E-4CEB-B612-3F30757C9875}" type="presOf" srcId="{18060D5C-2735-4552-83B9-863787953A19}" destId="{3FB6FA28-D231-42C9-8C00-64D01FA849D1}" srcOrd="1" destOrd="0" presId="urn:microsoft.com/office/officeart/2005/8/layout/bProcess3"/>
+    <dgm:cxn modelId="{160C24CE-0DE9-4194-806F-C29E11720E43}" type="presOf" srcId="{4A804691-1F29-4521-8669-F423560A471C}" destId="{5828CCC8-DF47-4552-9867-449EDC4EA6F6}" srcOrd="0" destOrd="0" presId="urn:microsoft.com/office/officeart/2005/8/layout/bProcess3"/>
+    <dgm:cxn modelId="{8C3E2A7F-1251-4EB4-B5E2-0D9789A59714}" srcId="{EA8CBCA3-5597-47BF-83ED-C653F7C35EBD}" destId="{4A804691-1F29-4521-8669-F423560A471C}" srcOrd="1" destOrd="0" parTransId="{78D4B3FD-7DE5-4964-8A78-2AB69D4EC5EB}" sibTransId="{25A2C3DC-814D-47AF-BA27-813C18CEEE0A}"/>
+    <dgm:cxn modelId="{906B448D-1F0D-484F-8C89-B70DD20D66EB}" type="presOf" srcId="{EA8CBCA3-5597-47BF-83ED-C653F7C35EBD}" destId="{20071207-7118-4724-A7F7-5F8072946ADD}" srcOrd="0" destOrd="0" presId="urn:microsoft.com/office/officeart/2005/8/layout/bProcess3"/>
+    <dgm:cxn modelId="{32517367-4D41-42D1-BB1A-682D92B2D0AC}" srcId="{EA8CBCA3-5597-47BF-83ED-C653F7C35EBD}" destId="{43134BC5-53A3-45AC-9DCD-88A9F485FA5E}" srcOrd="2" destOrd="0" parTransId="{7E763DA7-9972-4643-90BC-FB27A7685CA6}" sibTransId="{4AE0CCA3-82B0-47A4-B394-B9553AF76EBB}"/>
+    <dgm:cxn modelId="{04583299-C2CB-47EB-86DF-62D7EA2BB30D}" type="presOf" srcId="{AE2A7DBD-5B0F-4F04-934A-71B2DA146F51}" destId="{72F58185-95CA-4C79-8878-9420F5291863}" srcOrd="0" destOrd="0" presId="urn:microsoft.com/office/officeart/2005/8/layout/bProcess3"/>
+    <dgm:cxn modelId="{F0837BF1-24BF-4EFD-BA10-E5F33BDE67DE}" type="presOf" srcId="{79FAFA41-DD12-411A-9648-5E2C6EC10E5F}" destId="{79DA7C83-5817-4766-B1CD-82A870241085}" srcOrd="1" destOrd="0" presId="urn:microsoft.com/office/officeart/2005/8/layout/bProcess3"/>
+    <dgm:cxn modelId="{F37648F2-86F6-4A2B-9320-08A84E4B565A}" type="presOf" srcId="{43134BC5-53A3-45AC-9DCD-88A9F485FA5E}" destId="{440BC4C5-DA08-4E82-AD56-67C155BB80CE}" srcOrd="0" destOrd="0" presId="urn:microsoft.com/office/officeart/2005/8/layout/bProcess3"/>
+    <dgm:cxn modelId="{41EFE573-BA1F-4ADA-B31B-63403AC52174}" type="presOf" srcId="{FE84E746-8208-42C4-BEC7-D4603B021241}" destId="{98314F5D-96D5-44B0-B7D7-6F74319DB0B9}" srcOrd="0" destOrd="0" presId="urn:microsoft.com/office/officeart/2005/8/layout/bProcess3"/>
+    <dgm:cxn modelId="{1FC5CAB7-E841-44D5-B568-7CFCE994A19D}" srcId="{EA8CBCA3-5597-47BF-83ED-C653F7C35EBD}" destId="{6046E020-BC3F-4243-8F6E-4EE79F5EFCCD}" srcOrd="4" destOrd="0" parTransId="{C2B43823-491F-45A2-B085-3BBDB2BE04AF}" sibTransId="{D8B33473-4B28-4EF0-A32F-13CAD35673D9}"/>
+    <dgm:cxn modelId="{E12BC99E-CFDC-469F-B171-B9C6144AB6CE}" type="presOf" srcId="{3BE70BCA-5AFC-4B5C-925D-1BF9700614C3}" destId="{C0A521F3-B1E4-4B8B-AB80-929FA49187F3}" srcOrd="0" destOrd="0" presId="urn:microsoft.com/office/officeart/2005/8/layout/bProcess3"/>
+    <dgm:cxn modelId="{6E679170-FC2C-4A66-B9AE-420FF22ABD29}" type="presOf" srcId="{D8B33473-4B28-4EF0-A32F-13CAD35673D9}" destId="{1D7905BC-0F1B-40ED-8A80-5FB495A6E2CC}" srcOrd="1" destOrd="0" presId="urn:microsoft.com/office/officeart/2005/8/layout/bProcess3"/>
+    <dgm:cxn modelId="{B7BAE9E1-2AC1-4AE9-8C78-EA4ADE5C8916}" type="presOf" srcId="{25A2C3DC-814D-47AF-BA27-813C18CEEE0A}" destId="{73CE868A-6454-4AEE-871E-923A44A4BD52}" srcOrd="1" destOrd="0" presId="urn:microsoft.com/office/officeart/2005/8/layout/bProcess3"/>
+    <dgm:cxn modelId="{4ABBCBA8-5F37-41CF-A8D4-4863EDD8E847}" type="presOf" srcId="{D8B33473-4B28-4EF0-A32F-13CAD35673D9}" destId="{6EB66BA1-7825-43CF-90E6-B5FF2939C282}" srcOrd="0" destOrd="0" presId="urn:microsoft.com/office/officeart/2005/8/layout/bProcess3"/>
+    <dgm:cxn modelId="{48C5E03D-C658-4C93-9E82-F4B45870EF21}" srcId="{EA8CBCA3-5597-47BF-83ED-C653F7C35EBD}" destId="{4AA8B55B-EFFD-4F5B-8A9B-76DB79453472}" srcOrd="3" destOrd="0" parTransId="{DAB47DE4-A6C1-4D7A-AA17-DAABBCD4978F}" sibTransId="{18060D5C-2735-4552-83B9-863787953A19}"/>
+    <dgm:cxn modelId="{43BF83B3-D5C0-4336-BC70-18F1BA3C9711}" srcId="{EA8CBCA3-5597-47BF-83ED-C653F7C35EBD}" destId="{3BE70BCA-5AFC-4B5C-925D-1BF9700614C3}" srcOrd="5" destOrd="0" parTransId="{659354FA-1B54-45F2-B488-7D7F1F316451}" sibTransId="{79FAFA41-DD12-411A-9648-5E2C6EC10E5F}"/>
+    <dgm:cxn modelId="{E2D8F5B9-73E6-4F2D-8B4F-281910E8C676}" type="presOf" srcId="{4AE0CCA3-82B0-47A4-B394-B9553AF76EBB}" destId="{70D69260-9AB1-4524-8DEF-1C83952E953A}" srcOrd="1" destOrd="0" presId="urn:microsoft.com/office/officeart/2005/8/layout/bProcess3"/>
+    <dgm:cxn modelId="{7B75F166-F768-4F66-889B-A7F8329EDE2F}" type="presOf" srcId="{AE2A7DBD-5B0F-4F04-934A-71B2DA146F51}" destId="{74C1F43B-6C4F-4362-85F0-02F20AD73C82}" srcOrd="1" destOrd="0" presId="urn:microsoft.com/office/officeart/2005/8/layout/bProcess3"/>
+    <dgm:cxn modelId="{B44FA5B2-7FAC-441A-9313-D8E6CBC83674}" type="presOf" srcId="{EF1E0EF2-0B8A-4B4C-A150-4E0B17DFF3A0}" destId="{8973FA62-37E6-4B32-8CB7-C56D28F18D87}" srcOrd="1" destOrd="0" presId="urn:microsoft.com/office/officeart/2005/8/layout/bProcess3"/>
+    <dgm:cxn modelId="{986EE824-5D16-44A4-9247-9FC539B0FEB8}" type="presOf" srcId="{18060D5C-2735-4552-83B9-863787953A19}" destId="{7EEF8F6F-8637-44DD-AAFC-BFA6CA89D69A}" srcOrd="0" destOrd="0" presId="urn:microsoft.com/office/officeart/2005/8/layout/bProcess3"/>
+    <dgm:cxn modelId="{D9FE5E87-2431-47BE-969A-9860640FA4CA}" type="presOf" srcId="{4AE0CCA3-82B0-47A4-B394-B9553AF76EBB}" destId="{0D2B63D5-9CCA-4AAD-A94D-212E055DE918}" srcOrd="0" destOrd="0" presId="urn:microsoft.com/office/officeart/2005/8/layout/bProcess3"/>
+    <dgm:cxn modelId="{4BFCB326-3CA1-4CF6-A6D2-EF7B7FC33526}" type="presOf" srcId="{68CEED33-B5F3-4482-A1D0-23F7A1C64F05}" destId="{73917894-AFCE-4C3B-8A75-3CA8A6B1EC13}" srcOrd="0" destOrd="0" presId="urn:microsoft.com/office/officeart/2005/8/layout/bProcess3"/>
+    <dgm:cxn modelId="{3164D71D-73BE-4BAE-AAB9-7E4F9C0D216D}" type="presOf" srcId="{0D625929-61F5-44CB-908D-A55A91F5F301}" destId="{02B46CEA-C7B3-4D51-9BCC-9554DD08340D}" srcOrd="0" destOrd="0" presId="urn:microsoft.com/office/officeart/2005/8/layout/bProcess3"/>
+    <dgm:cxn modelId="{BC73F479-7F76-4A3D-BD2E-AB6E6A8068D2}" type="presOf" srcId="{79FAFA41-DD12-411A-9648-5E2C6EC10E5F}" destId="{CF4786EF-F6C8-499B-BB98-F93FC455DBBB}" srcOrd="0" destOrd="0" presId="urn:microsoft.com/office/officeart/2005/8/layout/bProcess3"/>
+    <dgm:cxn modelId="{B91F7AFF-78C4-4B70-ACF2-A1931510068E}" srcId="{EA8CBCA3-5597-47BF-83ED-C653F7C35EBD}" destId="{FE84E746-8208-42C4-BEC7-D4603B021241}" srcOrd="7" destOrd="0" parTransId="{D4F907A8-C5C1-452A-AFCE-64B49394806F}" sibTransId="{619AEF3E-E583-4902-B80A-43DBD8AC18A5}"/>
+    <dgm:cxn modelId="{79029A36-CEF9-4588-91F7-6589C00FF76D}" type="presOf" srcId="{4AA8B55B-EFFD-4F5B-8A9B-76DB79453472}" destId="{191A7361-45BD-470E-BC59-0762B718CB76}" srcOrd="0" destOrd="0" presId="urn:microsoft.com/office/officeart/2005/8/layout/bProcess3"/>
+    <dgm:cxn modelId="{416A9DA5-DCCE-4341-8B68-847DA80E4E13}" type="presOf" srcId="{25A2C3DC-814D-47AF-BA27-813C18CEEE0A}" destId="{D2DAEEF0-5C26-412A-B4D9-B9B1A958171C}" srcOrd="0" destOrd="0" presId="urn:microsoft.com/office/officeart/2005/8/layout/bProcess3"/>
+    <dgm:cxn modelId="{BE8A0D88-EE0F-4D6D-A5EA-010136C00F2C}" type="presParOf" srcId="{20071207-7118-4724-A7F7-5F8072946ADD}" destId="{73917894-AFCE-4C3B-8A75-3CA8A6B1EC13}" srcOrd="0" destOrd="0" presId="urn:microsoft.com/office/officeart/2005/8/layout/bProcess3"/>
+    <dgm:cxn modelId="{D456E993-6E27-43FC-AA0C-18B7DCCAFDDE}" type="presParOf" srcId="{20071207-7118-4724-A7F7-5F8072946ADD}" destId="{72F58185-95CA-4C79-8878-9420F5291863}" srcOrd="1" destOrd="0" presId="urn:microsoft.com/office/officeart/2005/8/layout/bProcess3"/>
+    <dgm:cxn modelId="{63017C78-29A3-4C27-AA6B-79B192D3441A}" type="presParOf" srcId="{72F58185-95CA-4C79-8878-9420F5291863}" destId="{74C1F43B-6C4F-4362-85F0-02F20AD73C82}" srcOrd="0" destOrd="0" presId="urn:microsoft.com/office/officeart/2005/8/layout/bProcess3"/>
+    <dgm:cxn modelId="{B060B9CA-0A5D-408C-A10D-848508C6760D}" type="presParOf" srcId="{20071207-7118-4724-A7F7-5F8072946ADD}" destId="{5828CCC8-DF47-4552-9867-449EDC4EA6F6}" srcOrd="2" destOrd="0" presId="urn:microsoft.com/office/officeart/2005/8/layout/bProcess3"/>
+    <dgm:cxn modelId="{1EED0DA4-7AFF-46FD-8A9F-3C231EE3AF90}" type="presParOf" srcId="{20071207-7118-4724-A7F7-5F8072946ADD}" destId="{D2DAEEF0-5C26-412A-B4D9-B9B1A958171C}" srcOrd="3" destOrd="0" presId="urn:microsoft.com/office/officeart/2005/8/layout/bProcess3"/>
+    <dgm:cxn modelId="{A0D3042E-2476-40B8-A15A-3E168951A7A8}" type="presParOf" srcId="{D2DAEEF0-5C26-412A-B4D9-B9B1A958171C}" destId="{73CE868A-6454-4AEE-871E-923A44A4BD52}" srcOrd="0" destOrd="0" presId="urn:microsoft.com/office/officeart/2005/8/layout/bProcess3"/>
+    <dgm:cxn modelId="{62651574-1C6A-4BE1-B303-1B7CDD63ECE4}" type="presParOf" srcId="{20071207-7118-4724-A7F7-5F8072946ADD}" destId="{440BC4C5-DA08-4E82-AD56-67C155BB80CE}" srcOrd="4" destOrd="0" presId="urn:microsoft.com/office/officeart/2005/8/layout/bProcess3"/>
+    <dgm:cxn modelId="{BC335E05-6098-41F3-A65D-A7649985F6B4}" type="presParOf" srcId="{20071207-7118-4724-A7F7-5F8072946ADD}" destId="{0D2B63D5-9CCA-4AAD-A94D-212E055DE918}" srcOrd="5" destOrd="0" presId="urn:microsoft.com/office/officeart/2005/8/layout/bProcess3"/>
+    <dgm:cxn modelId="{FADB5B50-B47C-4FFB-BAB5-9A4675DF9496}" type="presParOf" srcId="{0D2B63D5-9CCA-4AAD-A94D-212E055DE918}" destId="{70D69260-9AB1-4524-8DEF-1C83952E953A}" srcOrd="0" destOrd="0" presId="urn:microsoft.com/office/officeart/2005/8/layout/bProcess3"/>
+    <dgm:cxn modelId="{79D65313-5FFC-4620-AD8A-45DE1FA3FAB9}" type="presParOf" srcId="{20071207-7118-4724-A7F7-5F8072946ADD}" destId="{191A7361-45BD-470E-BC59-0762B718CB76}" srcOrd="6" destOrd="0" presId="urn:microsoft.com/office/officeart/2005/8/layout/bProcess3"/>
+    <dgm:cxn modelId="{F6EC800F-B72C-4D80-A2FA-6E44392EEF94}" type="presParOf" srcId="{20071207-7118-4724-A7F7-5F8072946ADD}" destId="{7EEF8F6F-8637-44DD-AAFC-BFA6CA89D69A}" srcOrd="7" destOrd="0" presId="urn:microsoft.com/office/officeart/2005/8/layout/bProcess3"/>
+    <dgm:cxn modelId="{745FE523-4009-4297-AE08-1DE12F3EFEBC}" type="presParOf" srcId="{7EEF8F6F-8637-44DD-AAFC-BFA6CA89D69A}" destId="{3FB6FA28-D231-42C9-8C00-64D01FA849D1}" srcOrd="0" destOrd="0" presId="urn:microsoft.com/office/officeart/2005/8/layout/bProcess3"/>
+    <dgm:cxn modelId="{D515EDCC-4407-43D8-98B6-C2356469FCB6}" type="presParOf" srcId="{20071207-7118-4724-A7F7-5F8072946ADD}" destId="{0153E721-6E39-4D7C-B7F6-43EDECC38F43}" srcOrd="8" destOrd="0" presId="urn:microsoft.com/office/officeart/2005/8/layout/bProcess3"/>
+    <dgm:cxn modelId="{80B9602F-F6F7-492D-B290-992A29D009D5}" type="presParOf" srcId="{20071207-7118-4724-A7F7-5F8072946ADD}" destId="{6EB66BA1-7825-43CF-90E6-B5FF2939C282}" srcOrd="9" destOrd="0" presId="urn:microsoft.com/office/officeart/2005/8/layout/bProcess3"/>
+    <dgm:cxn modelId="{3D2430BF-118D-47AA-B7A8-D56090446B04}" type="presParOf" srcId="{6EB66BA1-7825-43CF-90E6-B5FF2939C282}" destId="{1D7905BC-0F1B-40ED-8A80-5FB495A6E2CC}" srcOrd="0" destOrd="0" presId="urn:microsoft.com/office/officeart/2005/8/layout/bProcess3"/>
+    <dgm:cxn modelId="{57F9F875-4C40-4767-A3A2-7D0A92714AE7}" type="presParOf" srcId="{20071207-7118-4724-A7F7-5F8072946ADD}" destId="{C0A521F3-B1E4-4B8B-AB80-929FA49187F3}" srcOrd="10" destOrd="0" presId="urn:microsoft.com/office/officeart/2005/8/layout/bProcess3"/>
+    <dgm:cxn modelId="{1B34EC10-0492-4E16-81FE-6A4011583E0A}" type="presParOf" srcId="{20071207-7118-4724-A7F7-5F8072946ADD}" destId="{CF4786EF-F6C8-499B-BB98-F93FC455DBBB}" srcOrd="11" destOrd="0" presId="urn:microsoft.com/office/officeart/2005/8/layout/bProcess3"/>
+    <dgm:cxn modelId="{BAD74A92-801C-4DC0-9B43-837898376DDA}" type="presParOf" srcId="{CF4786EF-F6C8-499B-BB98-F93FC455DBBB}" destId="{79DA7C83-5817-4766-B1CD-82A870241085}" srcOrd="0" destOrd="0" presId="urn:microsoft.com/office/officeart/2005/8/layout/bProcess3"/>
+    <dgm:cxn modelId="{5FA77A91-2CEE-41DC-961D-18D2F3AC112B}" type="presParOf" srcId="{20071207-7118-4724-A7F7-5F8072946ADD}" destId="{02B46CEA-C7B3-4D51-9BCC-9554DD08340D}" srcOrd="12" destOrd="0" presId="urn:microsoft.com/office/officeart/2005/8/layout/bProcess3"/>
+    <dgm:cxn modelId="{CB0B7E5B-42BE-46B4-BA6D-7D3400CE7100}" type="presParOf" srcId="{20071207-7118-4724-A7F7-5F8072946ADD}" destId="{EFBFDB96-F7EC-450A-8152-1BC7672C7111}" srcOrd="13" destOrd="0" presId="urn:microsoft.com/office/officeart/2005/8/layout/bProcess3"/>
+    <dgm:cxn modelId="{8230F0C2-58D7-401D-9197-5899AD1C0D1C}" type="presParOf" srcId="{EFBFDB96-F7EC-450A-8152-1BC7672C7111}" destId="{8973FA62-37E6-4B32-8CB7-C56D28F18D87}" srcOrd="0" destOrd="0" presId="urn:microsoft.com/office/officeart/2005/8/layout/bProcess3"/>
+    <dgm:cxn modelId="{D74574EE-C672-4178-B18D-B03AB2220AC5}" type="presParOf" srcId="{20071207-7118-4724-A7F7-5F8072946ADD}" destId="{98314F5D-96D5-44B0-B7D7-6F74319DB0B9}" srcOrd="14" destOrd="0" presId="urn:microsoft.com/office/officeart/2005/8/layout/bProcess3"/>
+  </dgm:cxnLst>
+  <dgm:bg/>
+  <dgm:whole/>
+  <dgm:extLst>
+    <a:ext uri="http://schemas.microsoft.com/office/drawing/2008/diagram">
+      <dsp:dataModelExt xmlns:dsp="http://schemas.microsoft.com/office/drawing/2008/diagram" relId="rId6" minVer="http://schemas.openxmlformats.org/drawingml/2006/diagram"/>
+    </a:ext>
+  </dgm:extLst>
+</dgm:dataModel>
+</file>
+
+<file path=ppt/diagrams/drawing1.xml><?xml version="1.0" encoding="utf-8"?>
+<dsp:drawing xmlns:dgm="http://schemas.openxmlformats.org/drawingml/2006/diagram" xmlns:dsp="http://schemas.microsoft.com/office/drawing/2008/diagram" xmlns:a="http://schemas.openxmlformats.org/drawingml/2006/main">
+  <dsp:spTree>
+    <dsp:nvGrpSpPr>
+      <dsp:cNvPr id="0" name=""/>
+      <dsp:cNvGrpSpPr/>
+    </dsp:nvGrpSpPr>
+    <dsp:grpSpPr/>
+    <dsp:sp modelId="{72F58185-95CA-4C79-8878-9420F5291863}">
+      <dsp:nvSpPr>
+        <dsp:cNvPr id="0" name=""/>
+        <dsp:cNvSpPr/>
+      </dsp:nvSpPr>
+      <dsp:spPr>
+        <a:xfrm>
+          <a:off x="5240629" y="2264314"/>
+          <a:ext cx="1171964" cy="91440"/>
+        </a:xfrm>
+        <a:custGeom>
+          <a:avLst/>
+          <a:gdLst/>
+          <a:ahLst/>
+          <a:cxnLst/>
+          <a:rect l="0" t="0" r="0" b="0"/>
+          <a:pathLst>
+            <a:path>
+              <a:moveTo>
+                <a:pt x="0" y="45720"/>
+              </a:moveTo>
+              <a:lnTo>
+                <a:pt x="1171964" y="45720"/>
+              </a:lnTo>
+            </a:path>
+          </a:pathLst>
+        </a:custGeom>
+        <a:noFill/>
+        <a:ln w="76200" cap="flat" cmpd="sng" algn="ctr">
+          <a:solidFill>
+            <a:schemeClr val="dk1"/>
+          </a:solidFill>
+          <a:prstDash val="solid"/>
+          <a:miter lim="800000"/>
+          <a:tailEnd type="arrow"/>
+        </a:ln>
+        <a:effectLst/>
+      </dsp:spPr>
+      <dsp:style>
+        <a:lnRef idx="2">
+          <a:schemeClr val="dk1"/>
+        </a:lnRef>
+        <a:fillRef idx="1">
+          <a:schemeClr val="lt1"/>
+        </a:fillRef>
+        <a:effectRef idx="0">
+          <a:schemeClr val="dk1"/>
+        </a:effectRef>
+        <a:fontRef idx="minor">
+          <a:schemeClr val="dk1"/>
+        </a:fontRef>
+      </dsp:style>
+      <dsp:txBody>
+        <a:bodyPr spcFirstLastPara="0" vert="horz" wrap="square" lIns="12700" tIns="0" rIns="12700" bIns="0" numCol="1" spcCol="1270" anchor="ctr" anchorCtr="0">
+          <a:noAutofit/>
+        </a:bodyPr>
+        <a:lstStyle/>
+        <a:p>
+          <a:pPr lvl="0" algn="ctr" defTabSz="222250">
+            <a:lnSpc>
+              <a:spcPct val="90000"/>
+            </a:lnSpc>
+            <a:spcBef>
+              <a:spcPct val="0"/>
+            </a:spcBef>
+            <a:spcAft>
+              <a:spcPct val="35000"/>
+            </a:spcAft>
+          </a:pPr>
+          <a:endParaRPr lang="en-US" sz="500" b="0" kern="1200" cap="none" spc="0">
+            <a:ln w="0"/>
+            <a:solidFill>
+              <a:schemeClr val="tx1"/>
+            </a:solidFill>
+            <a:effectLst>
+              <a:outerShdw blurRad="38100" dist="19050" dir="2700000" algn="tl" rotWithShape="0">
+                <a:schemeClr val="dk1">
+                  <a:alpha val="40000"/>
+                </a:schemeClr>
+              </a:outerShdw>
+            </a:effectLst>
+          </a:endParaRPr>
+        </a:p>
+      </dsp:txBody>
+      <dsp:txXfrm>
+        <a:off x="5796547" y="2304021"/>
+        <a:ext cx="60128" cy="12025"/>
+      </dsp:txXfrm>
+    </dsp:sp>
+    <dsp:sp modelId="{73917894-AFCE-4C3B-8A75-3CA8A6B1EC13}">
+      <dsp:nvSpPr>
+        <dsp:cNvPr id="0" name=""/>
+        <dsp:cNvSpPr/>
+      </dsp:nvSpPr>
+      <dsp:spPr>
+        <a:xfrm>
+          <a:off x="13889" y="741472"/>
+          <a:ext cx="5228539" cy="3137123"/>
+        </a:xfrm>
+        <a:prstGeom prst="rect">
+          <a:avLst/>
+        </a:prstGeom>
+        <a:solidFill>
+          <a:schemeClr val="lt1"/>
+        </a:solidFill>
+        <a:ln w="12700" cap="flat" cmpd="sng" algn="ctr">
+          <a:solidFill>
+            <a:schemeClr val="dk1"/>
+          </a:solidFill>
+          <a:prstDash val="solid"/>
+          <a:miter lim="800000"/>
+        </a:ln>
+        <a:effectLst/>
+      </dsp:spPr>
+      <dsp:style>
+        <a:lnRef idx="2">
+          <a:schemeClr val="dk1"/>
+        </a:lnRef>
+        <a:fillRef idx="1">
+          <a:schemeClr val="lt1"/>
+        </a:fillRef>
+        <a:effectRef idx="0">
+          <a:schemeClr val="dk1"/>
+        </a:effectRef>
+        <a:fontRef idx="minor">
+          <a:schemeClr val="dk1"/>
+        </a:fontRef>
+      </dsp:style>
+      <dsp:txBody>
+        <a:bodyPr spcFirstLastPara="0" vert="horz" wrap="square" lIns="256032" tIns="256032" rIns="256032" bIns="256032" numCol="1" spcCol="1270" anchor="ctr" anchorCtr="0">
+          <a:noAutofit/>
+        </a:bodyPr>
+        <a:lstStyle/>
+        <a:p>
+          <a:pPr lvl="0" algn="ctr" defTabSz="1600200">
+            <a:lnSpc>
+              <a:spcPct val="90000"/>
+            </a:lnSpc>
+            <a:spcBef>
+              <a:spcPct val="0"/>
+            </a:spcBef>
+            <a:spcAft>
+              <a:spcPct val="35000"/>
+            </a:spcAft>
+          </a:pPr>
+          <a:endParaRPr lang="en-US" sz="3600" b="0" kern="1200" cap="none" spc="0" dirty="0" smtClean="0">
+            <a:ln w="0"/>
+            <a:solidFill>
+              <a:schemeClr val="tx1"/>
+            </a:solidFill>
+            <a:effectLst>
+              <a:outerShdw blurRad="38100" dist="19050" dir="2700000" algn="tl" rotWithShape="0">
+                <a:schemeClr val="dk1">
+                  <a:alpha val="40000"/>
+                </a:schemeClr>
+              </a:outerShdw>
+            </a:effectLst>
+            <a:latin typeface="+mn-lt"/>
+          </a:endParaRPr>
+        </a:p>
+        <a:p>
+          <a:pPr lvl="0" algn="ctr" defTabSz="1600200">
+            <a:lnSpc>
+              <a:spcPct val="90000"/>
+            </a:lnSpc>
+            <a:spcBef>
+              <a:spcPct val="0"/>
+            </a:spcBef>
+            <a:spcAft>
+              <a:spcPct val="35000"/>
+            </a:spcAft>
+          </a:pPr>
+          <a:endParaRPr lang="en-US" sz="3600" b="0" kern="1200" cap="none" spc="0" dirty="0" smtClean="0">
+            <a:ln w="0"/>
+            <a:solidFill>
+              <a:schemeClr val="tx1"/>
+            </a:solidFill>
+            <a:effectLst>
+              <a:outerShdw blurRad="38100" dist="19050" dir="2700000" algn="tl" rotWithShape="0">
+                <a:schemeClr val="dk1">
+                  <a:alpha val="40000"/>
+                </a:schemeClr>
+              </a:outerShdw>
+            </a:effectLst>
+            <a:latin typeface="+mn-lt"/>
+          </a:endParaRPr>
+        </a:p>
+        <a:p>
+          <a:pPr lvl="0" algn="ctr" defTabSz="1600200">
+            <a:lnSpc>
+              <a:spcPct val="90000"/>
+            </a:lnSpc>
+            <a:spcBef>
+              <a:spcPct val="0"/>
+            </a:spcBef>
+            <a:spcAft>
+              <a:spcPct val="35000"/>
+            </a:spcAft>
+          </a:pPr>
+          <a:endParaRPr lang="en-US" sz="3600" b="0" kern="1200" cap="none" spc="0" dirty="0" smtClean="0">
+            <a:ln w="0"/>
+            <a:solidFill>
+              <a:schemeClr val="tx1"/>
+            </a:solidFill>
+            <a:effectLst>
+              <a:outerShdw blurRad="38100" dist="19050" dir="2700000" algn="tl" rotWithShape="0">
+                <a:schemeClr val="dk1">
+                  <a:alpha val="40000"/>
+                </a:schemeClr>
+              </a:outerShdw>
+            </a:effectLst>
+            <a:latin typeface="+mn-lt"/>
+          </a:endParaRPr>
+        </a:p>
+        <a:p>
+          <a:pPr lvl="0" algn="ctr" defTabSz="1600200">
+            <a:lnSpc>
+              <a:spcPct val="90000"/>
+            </a:lnSpc>
+            <a:spcBef>
+              <a:spcPct val="0"/>
+            </a:spcBef>
+            <a:spcAft>
+              <a:spcPct val="35000"/>
+            </a:spcAft>
+          </a:pPr>
+          <a:r>
+            <a:rPr lang="en-US" sz="3600" b="0" kern="1200" cap="none" spc="0" dirty="0" smtClean="0">
+              <a:ln w="0"/>
+              <a:solidFill>
+                <a:schemeClr val="tx1"/>
+              </a:solidFill>
+              <a:effectLst>
+                <a:outerShdw blurRad="38100" dist="19050" dir="2700000" algn="tl" rotWithShape="0">
+                  <a:schemeClr val="dk1">
+                    <a:alpha val="40000"/>
+                  </a:schemeClr>
+                </a:outerShdw>
+              </a:effectLst>
+              <a:latin typeface="+mn-lt"/>
+            </a:rPr>
+            <a:t>Dataset</a:t>
+          </a:r>
+          <a:endParaRPr lang="en-US" sz="3600" b="0" kern="1200" cap="none" spc="0" dirty="0">
+            <a:ln w="0"/>
+            <a:solidFill>
+              <a:schemeClr val="tx1"/>
+            </a:solidFill>
+            <a:effectLst>
+              <a:outerShdw blurRad="38100" dist="19050" dir="2700000" algn="tl" rotWithShape="0">
+                <a:schemeClr val="dk1">
+                  <a:alpha val="40000"/>
+                </a:schemeClr>
+              </a:outerShdw>
+            </a:effectLst>
+            <a:latin typeface="+mn-lt"/>
+          </a:endParaRPr>
+        </a:p>
+      </dsp:txBody>
+      <dsp:txXfrm>
+        <a:off x="13889" y="741472"/>
+        <a:ext cx="5228539" cy="3137123"/>
+      </dsp:txXfrm>
+    </dsp:sp>
+    <dsp:sp modelId="{D2DAEEF0-5C26-412A-B4D9-B9B1A958171C}">
+      <dsp:nvSpPr>
+        <dsp:cNvPr id="0" name=""/>
+        <dsp:cNvSpPr/>
+      </dsp:nvSpPr>
+      <dsp:spPr>
+        <a:xfrm>
+          <a:off x="11671732" y="2264314"/>
+          <a:ext cx="1171964" cy="91440"/>
+        </a:xfrm>
+        <a:custGeom>
+          <a:avLst/>
+          <a:gdLst/>
+          <a:ahLst/>
+          <a:cxnLst/>
+          <a:rect l="0" t="0" r="0" b="0"/>
+          <a:pathLst>
+            <a:path>
+              <a:moveTo>
+                <a:pt x="0" y="45720"/>
+              </a:moveTo>
+              <a:lnTo>
+                <a:pt x="1171964" y="45720"/>
+              </a:lnTo>
+            </a:path>
+          </a:pathLst>
+        </a:custGeom>
+        <a:noFill/>
+        <a:ln w="76200" cap="flat" cmpd="sng" algn="ctr">
+          <a:solidFill>
+            <a:schemeClr val="dk1"/>
+          </a:solidFill>
+          <a:prstDash val="solid"/>
+          <a:miter lim="800000"/>
+          <a:tailEnd type="arrow"/>
+        </a:ln>
+        <a:effectLst/>
+      </dsp:spPr>
+      <dsp:style>
+        <a:lnRef idx="2">
+          <a:schemeClr val="dk1"/>
+        </a:lnRef>
+        <a:fillRef idx="1">
+          <a:schemeClr val="lt1"/>
+        </a:fillRef>
+        <a:effectRef idx="0">
+          <a:schemeClr val="dk1"/>
+        </a:effectRef>
+        <a:fontRef idx="minor">
+          <a:schemeClr val="dk1"/>
+        </a:fontRef>
+      </dsp:style>
+      <dsp:txBody>
+        <a:bodyPr spcFirstLastPara="0" vert="horz" wrap="square" lIns="12700" tIns="0" rIns="12700" bIns="0" numCol="1" spcCol="1270" anchor="ctr" anchorCtr="0">
+          <a:noAutofit/>
+        </a:bodyPr>
+        <a:lstStyle/>
+        <a:p>
+          <a:pPr lvl="0" algn="ctr" defTabSz="222250">
+            <a:lnSpc>
+              <a:spcPct val="90000"/>
+            </a:lnSpc>
+            <a:spcBef>
+              <a:spcPct val="0"/>
+            </a:spcBef>
+            <a:spcAft>
+              <a:spcPct val="35000"/>
+            </a:spcAft>
+          </a:pPr>
+          <a:endParaRPr lang="en-US" sz="500" b="0" kern="1200" cap="none" spc="0">
+            <a:ln w="0"/>
+            <a:solidFill>
+              <a:schemeClr val="tx1"/>
+            </a:solidFill>
+            <a:effectLst>
+              <a:outerShdw blurRad="38100" dist="19050" dir="2700000" algn="tl" rotWithShape="0">
+                <a:schemeClr val="dk1">
+                  <a:alpha val="40000"/>
+                </a:schemeClr>
+              </a:outerShdw>
+            </a:effectLst>
+          </a:endParaRPr>
+        </a:p>
+      </dsp:txBody>
+      <dsp:txXfrm>
+        <a:off x="12227650" y="2304021"/>
+        <a:ext cx="60128" cy="12025"/>
+      </dsp:txXfrm>
+    </dsp:sp>
+    <dsp:sp modelId="{5828CCC8-DF47-4552-9867-449EDC4EA6F6}">
+      <dsp:nvSpPr>
+        <dsp:cNvPr id="0" name=""/>
+        <dsp:cNvSpPr/>
+      </dsp:nvSpPr>
+      <dsp:spPr>
+        <a:xfrm>
+          <a:off x="6444993" y="741472"/>
+          <a:ext cx="5228539" cy="3137123"/>
+        </a:xfrm>
+        <a:prstGeom prst="rect">
+          <a:avLst/>
+        </a:prstGeom>
+        <a:solidFill>
+          <a:schemeClr val="lt1"/>
+        </a:solidFill>
+        <a:ln w="12700" cap="flat" cmpd="sng" algn="ctr">
+          <a:solidFill>
+            <a:schemeClr val="dk1"/>
+          </a:solidFill>
+          <a:prstDash val="solid"/>
+          <a:miter lim="800000"/>
+        </a:ln>
+        <a:effectLst/>
+      </dsp:spPr>
+      <dsp:style>
+        <a:lnRef idx="2">
+          <a:schemeClr val="dk1"/>
+        </a:lnRef>
+        <a:fillRef idx="1">
+          <a:schemeClr val="lt1"/>
+        </a:fillRef>
+        <a:effectRef idx="0">
+          <a:schemeClr val="dk1"/>
+        </a:effectRef>
+        <a:fontRef idx="minor">
+          <a:schemeClr val="dk1"/>
+        </a:fontRef>
+      </dsp:style>
+      <dsp:txBody>
+        <a:bodyPr spcFirstLastPara="0" vert="horz" wrap="square" lIns="256032" tIns="256032" rIns="256032" bIns="256032" numCol="1" spcCol="1270" anchor="ctr" anchorCtr="0">
+          <a:noAutofit/>
+        </a:bodyPr>
+        <a:lstStyle/>
+        <a:p>
+          <a:pPr lvl="0" algn="ctr" defTabSz="1600200">
+            <a:lnSpc>
+              <a:spcPct val="90000"/>
+            </a:lnSpc>
+            <a:spcBef>
+              <a:spcPct val="0"/>
+            </a:spcBef>
+            <a:spcAft>
+              <a:spcPct val="35000"/>
+            </a:spcAft>
+          </a:pPr>
+          <a:endParaRPr lang="en-US" sz="3600" b="0" kern="1200" cap="none" spc="0" dirty="0" smtClean="0">
+            <a:ln w="0"/>
+            <a:solidFill>
+              <a:schemeClr val="tx1"/>
+            </a:solidFill>
+            <a:effectLst>
+              <a:outerShdw blurRad="38100" dist="19050" dir="2700000" algn="tl" rotWithShape="0">
+                <a:schemeClr val="dk1">
+                  <a:alpha val="40000"/>
+                </a:schemeClr>
+              </a:outerShdw>
+            </a:effectLst>
+            <a:latin typeface="+mn-lt"/>
+          </a:endParaRPr>
+        </a:p>
+        <a:p>
+          <a:pPr lvl="0" algn="ctr" defTabSz="1600200">
+            <a:lnSpc>
+              <a:spcPct val="90000"/>
+            </a:lnSpc>
+            <a:spcBef>
+              <a:spcPct val="0"/>
+            </a:spcBef>
+            <a:spcAft>
+              <a:spcPct val="35000"/>
+            </a:spcAft>
+          </a:pPr>
+          <a:endParaRPr lang="en-US" sz="3600" b="0" kern="1200" cap="none" spc="0" dirty="0" smtClean="0">
+            <a:ln w="0"/>
+            <a:solidFill>
+              <a:schemeClr val="tx1"/>
+            </a:solidFill>
+            <a:effectLst>
+              <a:outerShdw blurRad="38100" dist="19050" dir="2700000" algn="tl" rotWithShape="0">
+                <a:schemeClr val="dk1">
+                  <a:alpha val="40000"/>
+                </a:schemeClr>
+              </a:outerShdw>
+            </a:effectLst>
+            <a:latin typeface="+mn-lt"/>
+          </a:endParaRPr>
+        </a:p>
+        <a:p>
+          <a:pPr lvl="0" algn="ctr" defTabSz="1600200">
+            <a:lnSpc>
+              <a:spcPct val="90000"/>
+            </a:lnSpc>
+            <a:spcBef>
+              <a:spcPct val="0"/>
+            </a:spcBef>
+            <a:spcAft>
+              <a:spcPct val="35000"/>
+            </a:spcAft>
+          </a:pPr>
+          <a:endParaRPr lang="en-US" sz="3600" b="0" kern="1200" cap="none" spc="0" dirty="0" smtClean="0">
+            <a:ln w="0"/>
+            <a:solidFill>
+              <a:schemeClr val="tx1"/>
+            </a:solidFill>
+            <a:effectLst>
+              <a:outerShdw blurRad="38100" dist="19050" dir="2700000" algn="tl" rotWithShape="0">
+                <a:schemeClr val="dk1">
+                  <a:alpha val="40000"/>
+                </a:schemeClr>
+              </a:outerShdw>
+            </a:effectLst>
+            <a:latin typeface="+mn-lt"/>
+          </a:endParaRPr>
+        </a:p>
+        <a:p>
+          <a:pPr lvl="0" algn="ctr" defTabSz="1600200">
+            <a:lnSpc>
+              <a:spcPct val="90000"/>
+            </a:lnSpc>
+            <a:spcBef>
+              <a:spcPct val="0"/>
+            </a:spcBef>
+            <a:spcAft>
+              <a:spcPct val="35000"/>
+            </a:spcAft>
+          </a:pPr>
+          <a:r>
+            <a:rPr lang="en-US" sz="3600" b="0" kern="1200" cap="none" spc="0" dirty="0" smtClean="0">
+              <a:ln w="0"/>
+              <a:solidFill>
+                <a:schemeClr val="tx1"/>
+              </a:solidFill>
+              <a:effectLst>
+                <a:outerShdw blurRad="38100" dist="19050" dir="2700000" algn="tl" rotWithShape="0">
+                  <a:schemeClr val="dk1">
+                    <a:alpha val="40000"/>
+                  </a:schemeClr>
+                </a:outerShdw>
+              </a:effectLst>
+              <a:latin typeface="+mn-lt"/>
+            </a:rPr>
+            <a:t>Feature Extraction</a:t>
+          </a:r>
+          <a:endParaRPr lang="en-US" sz="3600" b="0" kern="1200" cap="none" spc="0" dirty="0">
+            <a:ln w="0"/>
+            <a:solidFill>
+              <a:schemeClr val="tx1"/>
+            </a:solidFill>
+            <a:effectLst>
+              <a:outerShdw blurRad="38100" dist="19050" dir="2700000" algn="tl" rotWithShape="0">
+                <a:schemeClr val="dk1">
+                  <a:alpha val="40000"/>
+                </a:schemeClr>
+              </a:outerShdw>
+            </a:effectLst>
+            <a:latin typeface="+mn-lt"/>
+          </a:endParaRPr>
+        </a:p>
+      </dsp:txBody>
+      <dsp:txXfrm>
+        <a:off x="6444993" y="741472"/>
+        <a:ext cx="5228539" cy="3137123"/>
+      </dsp:txXfrm>
+    </dsp:sp>
+    <dsp:sp modelId="{0D2B63D5-9CCA-4AAD-A94D-212E055DE918}">
+      <dsp:nvSpPr>
+        <dsp:cNvPr id="0" name=""/>
+        <dsp:cNvSpPr/>
+      </dsp:nvSpPr>
+      <dsp:spPr>
+        <a:xfrm>
+          <a:off x="2628159" y="3876795"/>
+          <a:ext cx="12862207" cy="1171964"/>
+        </a:xfrm>
+        <a:custGeom>
+          <a:avLst/>
+          <a:gdLst/>
+          <a:ahLst/>
+          <a:cxnLst/>
+          <a:rect l="0" t="0" r="0" b="0"/>
+          <a:pathLst>
+            <a:path>
+              <a:moveTo>
+                <a:pt x="12862207" y="0"/>
+              </a:moveTo>
+              <a:lnTo>
+                <a:pt x="12862207" y="603082"/>
+              </a:lnTo>
+              <a:lnTo>
+                <a:pt x="0" y="603082"/>
+              </a:lnTo>
+              <a:lnTo>
+                <a:pt x="0" y="1171964"/>
+              </a:lnTo>
+            </a:path>
+          </a:pathLst>
+        </a:custGeom>
+        <a:noFill/>
+        <a:ln w="76200" cap="flat" cmpd="sng" algn="ctr">
+          <a:solidFill>
+            <a:schemeClr val="dk1"/>
+          </a:solidFill>
+          <a:prstDash val="solid"/>
+          <a:miter lim="800000"/>
+          <a:tailEnd type="arrow"/>
+        </a:ln>
+        <a:effectLst/>
+      </dsp:spPr>
+      <dsp:style>
+        <a:lnRef idx="2">
+          <a:schemeClr val="dk1"/>
+        </a:lnRef>
+        <a:fillRef idx="1">
+          <a:schemeClr val="lt1"/>
+        </a:fillRef>
+        <a:effectRef idx="0">
+          <a:schemeClr val="dk1"/>
+        </a:effectRef>
+        <a:fontRef idx="minor">
+          <a:schemeClr val="dk1"/>
+        </a:fontRef>
+      </dsp:style>
+      <dsp:txBody>
+        <a:bodyPr spcFirstLastPara="0" vert="horz" wrap="square" lIns="12700" tIns="0" rIns="12700" bIns="0" numCol="1" spcCol="1270" anchor="ctr" anchorCtr="0">
+          <a:noAutofit/>
+        </a:bodyPr>
+        <a:lstStyle/>
+        <a:p>
+          <a:pPr lvl="0" algn="ctr" defTabSz="222250">
+            <a:lnSpc>
+              <a:spcPct val="90000"/>
+            </a:lnSpc>
+            <a:spcBef>
+              <a:spcPct val="0"/>
+            </a:spcBef>
+            <a:spcAft>
+              <a:spcPct val="35000"/>
+            </a:spcAft>
+          </a:pPr>
+          <a:endParaRPr lang="en-US" sz="500" b="0" kern="1200" cap="none" spc="0">
+            <a:ln w="0"/>
+            <a:solidFill>
+              <a:schemeClr val="tx1"/>
+            </a:solidFill>
+            <a:effectLst>
+              <a:outerShdw blurRad="38100" dist="19050" dir="2700000" algn="tl" rotWithShape="0">
+                <a:schemeClr val="dk1">
+                  <a:alpha val="40000"/>
+                </a:schemeClr>
+              </a:outerShdw>
+            </a:effectLst>
+          </a:endParaRPr>
+        </a:p>
+      </dsp:txBody>
+      <dsp:txXfrm>
+        <a:off x="8736305" y="4456765"/>
+        <a:ext cx="645915" cy="12025"/>
+      </dsp:txXfrm>
+    </dsp:sp>
+    <dsp:sp modelId="{440BC4C5-DA08-4E82-AD56-67C155BB80CE}">
+      <dsp:nvSpPr>
+        <dsp:cNvPr id="0" name=""/>
+        <dsp:cNvSpPr/>
+      </dsp:nvSpPr>
+      <dsp:spPr>
+        <a:xfrm>
+          <a:off x="12876096" y="741472"/>
+          <a:ext cx="5228539" cy="3137123"/>
+        </a:xfrm>
+        <a:prstGeom prst="rect">
+          <a:avLst/>
+        </a:prstGeom>
+        <a:solidFill>
+          <a:schemeClr val="lt1"/>
+        </a:solidFill>
+        <a:ln w="12700" cap="flat" cmpd="sng" algn="ctr">
+          <a:solidFill>
+            <a:schemeClr val="dk1"/>
+          </a:solidFill>
+          <a:prstDash val="solid"/>
+          <a:miter lim="800000"/>
+        </a:ln>
+        <a:effectLst/>
+      </dsp:spPr>
+      <dsp:style>
+        <a:lnRef idx="2">
+          <a:schemeClr val="dk1"/>
+        </a:lnRef>
+        <a:fillRef idx="1">
+          <a:schemeClr val="lt1"/>
+        </a:fillRef>
+        <a:effectRef idx="0">
+          <a:schemeClr val="dk1"/>
+        </a:effectRef>
+        <a:fontRef idx="minor">
+          <a:schemeClr val="dk1"/>
+        </a:fontRef>
+      </dsp:style>
+      <dsp:txBody>
+        <a:bodyPr spcFirstLastPara="0" vert="horz" wrap="square" lIns="256032" tIns="256032" rIns="256032" bIns="256032" numCol="1" spcCol="1270" anchor="ctr" anchorCtr="0">
+          <a:noAutofit/>
+        </a:bodyPr>
+        <a:lstStyle/>
+        <a:p>
+          <a:pPr lvl="0" algn="ctr" defTabSz="1600200">
+            <a:lnSpc>
+              <a:spcPct val="90000"/>
+            </a:lnSpc>
+            <a:spcBef>
+              <a:spcPct val="0"/>
+            </a:spcBef>
+            <a:spcAft>
+              <a:spcPct val="35000"/>
+            </a:spcAft>
+          </a:pPr>
+          <a:endParaRPr lang="en-US" sz="3600" b="0" kern="1200" cap="none" spc="0" dirty="0" smtClean="0">
+            <a:ln w="0"/>
+            <a:solidFill>
+              <a:schemeClr val="tx1"/>
+            </a:solidFill>
+            <a:effectLst>
+              <a:outerShdw blurRad="38100" dist="19050" dir="2700000" algn="tl" rotWithShape="0">
+                <a:schemeClr val="dk1">
+                  <a:alpha val="40000"/>
+                </a:schemeClr>
+              </a:outerShdw>
+            </a:effectLst>
+            <a:latin typeface="+mn-lt"/>
+          </a:endParaRPr>
+        </a:p>
+        <a:p>
+          <a:pPr lvl="0" algn="ctr" defTabSz="1600200">
+            <a:lnSpc>
+              <a:spcPct val="90000"/>
+            </a:lnSpc>
+            <a:spcBef>
+              <a:spcPct val="0"/>
+            </a:spcBef>
+            <a:spcAft>
+              <a:spcPct val="35000"/>
+            </a:spcAft>
+          </a:pPr>
+          <a:endParaRPr lang="en-US" sz="3600" b="0" kern="1200" cap="none" spc="0" dirty="0" smtClean="0">
+            <a:ln w="0"/>
+            <a:solidFill>
+              <a:schemeClr val="tx1"/>
+            </a:solidFill>
+            <a:effectLst>
+              <a:outerShdw blurRad="38100" dist="19050" dir="2700000" algn="tl" rotWithShape="0">
+                <a:schemeClr val="dk1">
+                  <a:alpha val="40000"/>
+                </a:schemeClr>
+              </a:outerShdw>
+            </a:effectLst>
+            <a:latin typeface="+mn-lt"/>
+          </a:endParaRPr>
+        </a:p>
+        <a:p>
+          <a:pPr lvl="0" algn="ctr" defTabSz="1600200">
+            <a:lnSpc>
+              <a:spcPct val="90000"/>
+            </a:lnSpc>
+            <a:spcBef>
+              <a:spcPct val="0"/>
+            </a:spcBef>
+            <a:spcAft>
+              <a:spcPct val="35000"/>
+            </a:spcAft>
+          </a:pPr>
+          <a:endParaRPr lang="en-US" sz="3600" b="0" kern="1200" cap="none" spc="0" dirty="0" smtClean="0">
+            <a:ln w="0"/>
+            <a:solidFill>
+              <a:schemeClr val="tx1"/>
+            </a:solidFill>
+            <a:effectLst>
+              <a:outerShdw blurRad="38100" dist="19050" dir="2700000" algn="tl" rotWithShape="0">
+                <a:schemeClr val="dk1">
+                  <a:alpha val="40000"/>
+                </a:schemeClr>
+              </a:outerShdw>
+            </a:effectLst>
+            <a:latin typeface="+mn-lt"/>
+          </a:endParaRPr>
+        </a:p>
+        <a:p>
+          <a:pPr lvl="0" algn="ctr" defTabSz="1600200">
+            <a:lnSpc>
+              <a:spcPct val="90000"/>
+            </a:lnSpc>
+            <a:spcBef>
+              <a:spcPct val="0"/>
+            </a:spcBef>
+            <a:spcAft>
+              <a:spcPct val="35000"/>
+            </a:spcAft>
+          </a:pPr>
+          <a:r>
+            <a:rPr lang="en-US" sz="3600" b="0" kern="1200" cap="none" spc="0" dirty="0" smtClean="0">
+              <a:ln w="0"/>
+              <a:solidFill>
+                <a:schemeClr val="tx1"/>
+              </a:solidFill>
+              <a:effectLst>
+                <a:outerShdw blurRad="38100" dist="19050" dir="2700000" algn="tl" rotWithShape="0">
+                  <a:schemeClr val="dk1">
+                    <a:alpha val="40000"/>
+                  </a:schemeClr>
+                </a:outerShdw>
+              </a:effectLst>
+              <a:latin typeface="+mn-lt"/>
+            </a:rPr>
+            <a:t>Dictionary Building</a:t>
+          </a:r>
+          <a:endParaRPr lang="en-US" sz="3600" b="0" kern="1200" cap="none" spc="0" dirty="0">
+            <a:ln w="0"/>
+            <a:solidFill>
+              <a:schemeClr val="tx1"/>
+            </a:solidFill>
+            <a:effectLst>
+              <a:outerShdw blurRad="38100" dist="19050" dir="2700000" algn="tl" rotWithShape="0">
+                <a:schemeClr val="dk1">
+                  <a:alpha val="40000"/>
+                </a:schemeClr>
+              </a:outerShdw>
+            </a:effectLst>
+            <a:latin typeface="+mn-lt"/>
+          </a:endParaRPr>
+        </a:p>
+      </dsp:txBody>
+      <dsp:txXfrm>
+        <a:off x="12876096" y="741472"/>
+        <a:ext cx="5228539" cy="3137123"/>
+      </dsp:txXfrm>
+    </dsp:sp>
+    <dsp:sp modelId="{7EEF8F6F-8637-44DD-AAFC-BFA6CA89D69A}">
+      <dsp:nvSpPr>
+        <dsp:cNvPr id="0" name=""/>
+        <dsp:cNvSpPr/>
+      </dsp:nvSpPr>
+      <dsp:spPr>
+        <a:xfrm>
+          <a:off x="5240629" y="6604001"/>
+          <a:ext cx="1171964" cy="91440"/>
+        </a:xfrm>
+        <a:custGeom>
+          <a:avLst/>
+          <a:gdLst/>
+          <a:ahLst/>
+          <a:cxnLst/>
+          <a:rect l="0" t="0" r="0" b="0"/>
+          <a:pathLst>
+            <a:path>
+              <a:moveTo>
+                <a:pt x="0" y="45720"/>
+              </a:moveTo>
+              <a:lnTo>
+                <a:pt x="1171964" y="45720"/>
+              </a:lnTo>
+            </a:path>
+          </a:pathLst>
+        </a:custGeom>
+        <a:noFill/>
+        <a:ln w="76200" cap="flat" cmpd="sng" algn="ctr">
+          <a:solidFill>
+            <a:schemeClr val="dk1"/>
+          </a:solidFill>
+          <a:prstDash val="solid"/>
+          <a:miter lim="800000"/>
+          <a:tailEnd type="arrow"/>
+        </a:ln>
+        <a:effectLst/>
+      </dsp:spPr>
+      <dsp:style>
+        <a:lnRef idx="2">
+          <a:schemeClr val="dk1"/>
+        </a:lnRef>
+        <a:fillRef idx="1">
+          <a:schemeClr val="lt1"/>
+        </a:fillRef>
+        <a:effectRef idx="0">
+          <a:schemeClr val="dk1"/>
+        </a:effectRef>
+        <a:fontRef idx="minor">
+          <a:schemeClr val="dk1"/>
+        </a:fontRef>
+      </dsp:style>
+      <dsp:txBody>
+        <a:bodyPr spcFirstLastPara="0" vert="horz" wrap="square" lIns="12700" tIns="0" rIns="12700" bIns="0" numCol="1" spcCol="1270" anchor="ctr" anchorCtr="0">
+          <a:noAutofit/>
+        </a:bodyPr>
+        <a:lstStyle/>
+        <a:p>
+          <a:pPr lvl="0" algn="ctr" defTabSz="222250">
+            <a:lnSpc>
+              <a:spcPct val="90000"/>
+            </a:lnSpc>
+            <a:spcBef>
+              <a:spcPct val="0"/>
+            </a:spcBef>
+            <a:spcAft>
+              <a:spcPct val="35000"/>
+            </a:spcAft>
+          </a:pPr>
+          <a:endParaRPr lang="en-US" sz="500" b="0" kern="1200" cap="none" spc="0">
+            <a:ln w="0"/>
+            <a:solidFill>
+              <a:schemeClr val="tx1"/>
+            </a:solidFill>
+            <a:effectLst>
+              <a:outerShdw blurRad="38100" dist="19050" dir="2700000" algn="tl" rotWithShape="0">
+                <a:schemeClr val="dk1">
+                  <a:alpha val="40000"/>
+                </a:schemeClr>
+              </a:outerShdw>
+            </a:effectLst>
+          </a:endParaRPr>
+        </a:p>
+      </dsp:txBody>
+      <dsp:txXfrm>
+        <a:off x="5796547" y="6643709"/>
+        <a:ext cx="60128" cy="12025"/>
+      </dsp:txXfrm>
+    </dsp:sp>
+    <dsp:sp modelId="{191A7361-45BD-470E-BC59-0762B718CB76}">
+      <dsp:nvSpPr>
+        <dsp:cNvPr id="0" name=""/>
+        <dsp:cNvSpPr/>
+      </dsp:nvSpPr>
+      <dsp:spPr>
+        <a:xfrm>
+          <a:off x="13889" y="5081160"/>
+          <a:ext cx="5228539" cy="3137123"/>
+        </a:xfrm>
+        <a:prstGeom prst="rect">
+          <a:avLst/>
+        </a:prstGeom>
+        <a:solidFill>
+          <a:schemeClr val="lt1"/>
+        </a:solidFill>
+        <a:ln w="12700" cap="flat" cmpd="sng" algn="ctr">
+          <a:solidFill>
+            <a:schemeClr val="dk1"/>
+          </a:solidFill>
+          <a:prstDash val="solid"/>
+          <a:miter lim="800000"/>
+        </a:ln>
+        <a:effectLst/>
+      </dsp:spPr>
+      <dsp:style>
+        <a:lnRef idx="2">
+          <a:schemeClr val="dk1"/>
+        </a:lnRef>
+        <a:fillRef idx="1">
+          <a:schemeClr val="lt1"/>
+        </a:fillRef>
+        <a:effectRef idx="0">
+          <a:schemeClr val="dk1"/>
+        </a:effectRef>
+        <a:fontRef idx="minor">
+          <a:schemeClr val="dk1"/>
+        </a:fontRef>
+      </dsp:style>
+      <dsp:txBody>
+        <a:bodyPr spcFirstLastPara="0" vert="horz" wrap="square" lIns="256032" tIns="256032" rIns="256032" bIns="256032" numCol="1" spcCol="1270" anchor="ctr" anchorCtr="0">
+          <a:noAutofit/>
+        </a:bodyPr>
+        <a:lstStyle/>
+        <a:p>
+          <a:pPr lvl="0" algn="ctr" defTabSz="1600200">
+            <a:lnSpc>
+              <a:spcPct val="90000"/>
+            </a:lnSpc>
+            <a:spcBef>
+              <a:spcPct val="0"/>
+            </a:spcBef>
+            <a:spcAft>
+              <a:spcPct val="35000"/>
+            </a:spcAft>
+          </a:pPr>
+          <a:endParaRPr lang="en-US" sz="3600" kern="1200" dirty="0" smtClean="0">
+            <a:solidFill>
+              <a:schemeClr val="tx1"/>
+            </a:solidFill>
+            <a:effectLst>
+              <a:outerShdw blurRad="38100" dist="38100" dir="2700000" algn="tl">
+                <a:srgbClr val="000000">
+                  <a:alpha val="43137"/>
+                </a:srgbClr>
+              </a:outerShdw>
+            </a:effectLst>
+            <a:latin typeface="+mn-lt"/>
+          </a:endParaRPr>
+        </a:p>
+        <a:p>
+          <a:pPr lvl="0" algn="ctr" defTabSz="1600200">
+            <a:lnSpc>
+              <a:spcPct val="90000"/>
+            </a:lnSpc>
+            <a:spcBef>
+              <a:spcPct val="0"/>
+            </a:spcBef>
+            <a:spcAft>
+              <a:spcPct val="35000"/>
+            </a:spcAft>
+          </a:pPr>
+          <a:endParaRPr lang="en-US" sz="3600" kern="1200" dirty="0" smtClean="0">
+            <a:solidFill>
+              <a:schemeClr val="tx1"/>
+            </a:solidFill>
+            <a:effectLst>
+              <a:outerShdw blurRad="38100" dist="38100" dir="2700000" algn="tl">
+                <a:srgbClr val="000000">
+                  <a:alpha val="43137"/>
+                </a:srgbClr>
+              </a:outerShdw>
+            </a:effectLst>
+            <a:latin typeface="+mn-lt"/>
+          </a:endParaRPr>
+        </a:p>
+        <a:p>
+          <a:pPr lvl="0" algn="ctr" defTabSz="1600200">
+            <a:lnSpc>
+              <a:spcPct val="90000"/>
+            </a:lnSpc>
+            <a:spcBef>
+              <a:spcPct val="0"/>
+            </a:spcBef>
+            <a:spcAft>
+              <a:spcPct val="35000"/>
+            </a:spcAft>
+          </a:pPr>
+          <a:endParaRPr lang="en-US" sz="3600" kern="1200" dirty="0" smtClean="0">
+            <a:solidFill>
+              <a:schemeClr val="tx1"/>
+            </a:solidFill>
+            <a:effectLst>
+              <a:outerShdw blurRad="38100" dist="38100" dir="2700000" algn="tl">
+                <a:srgbClr val="000000">
+                  <a:alpha val="43137"/>
+                </a:srgbClr>
+              </a:outerShdw>
+            </a:effectLst>
+            <a:latin typeface="+mn-lt"/>
+          </a:endParaRPr>
+        </a:p>
+        <a:p>
+          <a:pPr lvl="0" algn="ctr" defTabSz="1600200">
+            <a:lnSpc>
+              <a:spcPct val="90000"/>
+            </a:lnSpc>
+            <a:spcBef>
+              <a:spcPct val="0"/>
+            </a:spcBef>
+            <a:spcAft>
+              <a:spcPct val="35000"/>
+            </a:spcAft>
+          </a:pPr>
+          <a:r>
+            <a:rPr lang="en-US" sz="3600" kern="1200" dirty="0" smtClean="0">
+              <a:solidFill>
+                <a:schemeClr val="tx1"/>
+              </a:solidFill>
+              <a:effectLst>
+                <a:outerShdw blurRad="38100" dist="38100" dir="2700000" algn="tl">
+                  <a:srgbClr val="000000">
+                    <a:alpha val="43137"/>
+                  </a:srgbClr>
+                </a:outerShdw>
+              </a:effectLst>
+              <a:latin typeface="+mn-lt"/>
+            </a:rPr>
+            <a:t>Query Image</a:t>
+          </a:r>
+          <a:endParaRPr lang="en-US" sz="3600" b="0" kern="1200" cap="none" spc="0" dirty="0">
+            <a:ln w="0"/>
+            <a:solidFill>
+              <a:schemeClr val="tx1"/>
+            </a:solidFill>
+            <a:effectLst>
+              <a:outerShdw blurRad="38100" dist="38100" dir="2700000" algn="tl">
+                <a:srgbClr val="000000">
+                  <a:alpha val="43137"/>
+                </a:srgbClr>
+              </a:outerShdw>
+            </a:effectLst>
+            <a:latin typeface="+mn-lt"/>
+          </a:endParaRPr>
+        </a:p>
+      </dsp:txBody>
+      <dsp:txXfrm>
+        <a:off x="13889" y="5081160"/>
+        <a:ext cx="5228539" cy="3137123"/>
+      </dsp:txXfrm>
+    </dsp:sp>
+    <dsp:sp modelId="{6EB66BA1-7825-43CF-90E6-B5FF2939C282}">
+      <dsp:nvSpPr>
+        <dsp:cNvPr id="0" name=""/>
+        <dsp:cNvSpPr/>
+      </dsp:nvSpPr>
+      <dsp:spPr>
+        <a:xfrm>
+          <a:off x="11671732" y="6604001"/>
+          <a:ext cx="1171964" cy="91440"/>
+        </a:xfrm>
+        <a:custGeom>
+          <a:avLst/>
+          <a:gdLst/>
+          <a:ahLst/>
+          <a:cxnLst/>
+          <a:rect l="0" t="0" r="0" b="0"/>
+          <a:pathLst>
+            <a:path>
+              <a:moveTo>
+                <a:pt x="0" y="45720"/>
+              </a:moveTo>
+              <a:lnTo>
+                <a:pt x="1171964" y="45720"/>
+              </a:lnTo>
+            </a:path>
+          </a:pathLst>
+        </a:custGeom>
+        <a:noFill/>
+        <a:ln w="76200" cap="flat" cmpd="sng" algn="ctr">
+          <a:solidFill>
+            <a:scrgbClr r="0" g="0" b="0"/>
+          </a:solidFill>
+          <a:prstDash val="solid"/>
+          <a:miter lim="800000"/>
+          <a:tailEnd type="arrow"/>
+        </a:ln>
+        <a:effectLst/>
+      </dsp:spPr>
+      <dsp:style>
+        <a:lnRef idx="1">
+          <a:scrgbClr r="0" g="0" b="0"/>
+        </a:lnRef>
+        <a:fillRef idx="0">
+          <a:scrgbClr r="0" g="0" b="0"/>
+        </a:fillRef>
+        <a:effectRef idx="0">
+          <a:scrgbClr r="0" g="0" b="0"/>
+        </a:effectRef>
+        <a:fontRef idx="minor"/>
+      </dsp:style>
+      <dsp:txBody>
+        <a:bodyPr spcFirstLastPara="0" vert="horz" wrap="square" lIns="12700" tIns="0" rIns="12700" bIns="0" numCol="1" spcCol="1270" anchor="ctr" anchorCtr="0">
+          <a:noAutofit/>
+        </a:bodyPr>
+        <a:lstStyle/>
+        <a:p>
+          <a:pPr lvl="0" algn="ctr" defTabSz="222250">
+            <a:lnSpc>
+              <a:spcPct val="90000"/>
+            </a:lnSpc>
+            <a:spcBef>
+              <a:spcPct val="0"/>
+            </a:spcBef>
+            <a:spcAft>
+              <a:spcPct val="35000"/>
+            </a:spcAft>
+          </a:pPr>
+          <a:endParaRPr lang="en-US" sz="500" kern="1200"/>
+        </a:p>
+      </dsp:txBody>
+      <dsp:txXfrm>
+        <a:off x="12227650" y="6643709"/>
+        <a:ext cx="60128" cy="12025"/>
+      </dsp:txXfrm>
+    </dsp:sp>
+    <dsp:sp modelId="{0153E721-6E39-4D7C-B7F6-43EDECC38F43}">
+      <dsp:nvSpPr>
+        <dsp:cNvPr id="0" name=""/>
+        <dsp:cNvSpPr/>
+      </dsp:nvSpPr>
+      <dsp:spPr>
+        <a:xfrm>
+          <a:off x="6444993" y="5081160"/>
+          <a:ext cx="5228539" cy="3137123"/>
+        </a:xfrm>
+        <a:prstGeom prst="rect">
+          <a:avLst/>
+        </a:prstGeom>
+        <a:solidFill>
+          <a:schemeClr val="lt1"/>
+        </a:solidFill>
+        <a:ln w="12700" cap="flat" cmpd="sng" algn="ctr">
+          <a:solidFill>
+            <a:schemeClr val="dk1"/>
+          </a:solidFill>
+          <a:prstDash val="solid"/>
+          <a:miter lim="800000"/>
+        </a:ln>
+        <a:effectLst/>
+      </dsp:spPr>
+      <dsp:style>
+        <a:lnRef idx="2">
+          <a:schemeClr val="dk1"/>
+        </a:lnRef>
+        <a:fillRef idx="1">
+          <a:schemeClr val="lt1"/>
+        </a:fillRef>
+        <a:effectRef idx="0">
+          <a:schemeClr val="dk1"/>
+        </a:effectRef>
+        <a:fontRef idx="minor">
+          <a:schemeClr val="dk1"/>
+        </a:fontRef>
+      </dsp:style>
+      <dsp:txBody>
+        <a:bodyPr spcFirstLastPara="0" vert="horz" wrap="square" lIns="256032" tIns="256032" rIns="256032" bIns="256032" numCol="1" spcCol="1270" anchor="ctr" anchorCtr="0">
+          <a:noAutofit/>
+        </a:bodyPr>
+        <a:lstStyle/>
+        <a:p>
+          <a:pPr lvl="0" algn="ctr" defTabSz="1600200">
+            <a:lnSpc>
+              <a:spcPct val="90000"/>
+            </a:lnSpc>
+            <a:spcBef>
+              <a:spcPct val="0"/>
+            </a:spcBef>
+            <a:spcAft>
+              <a:spcPct val="35000"/>
+            </a:spcAft>
+          </a:pPr>
+          <a:endParaRPr lang="en-US" sz="3600" kern="1200" dirty="0" smtClean="0">
+            <a:solidFill>
+              <a:schemeClr val="tx1"/>
+            </a:solidFill>
+            <a:effectLst>
+              <a:outerShdw blurRad="38100" dist="38100" dir="2700000" algn="tl">
+                <a:srgbClr val="000000">
+                  <a:alpha val="43137"/>
+                </a:srgbClr>
+              </a:outerShdw>
+            </a:effectLst>
+            <a:latin typeface="+mn-lt"/>
+          </a:endParaRPr>
+        </a:p>
+        <a:p>
+          <a:pPr lvl="0" algn="ctr" defTabSz="1600200">
+            <a:lnSpc>
+              <a:spcPct val="90000"/>
+            </a:lnSpc>
+            <a:spcBef>
+              <a:spcPct val="0"/>
+            </a:spcBef>
+            <a:spcAft>
+              <a:spcPct val="35000"/>
+            </a:spcAft>
+          </a:pPr>
+          <a:endParaRPr lang="en-US" sz="3600" kern="1200" dirty="0" smtClean="0">
+            <a:solidFill>
+              <a:schemeClr val="tx1"/>
+            </a:solidFill>
+            <a:effectLst>
+              <a:outerShdw blurRad="38100" dist="38100" dir="2700000" algn="tl">
+                <a:srgbClr val="000000">
+                  <a:alpha val="43137"/>
+                </a:srgbClr>
+              </a:outerShdw>
+            </a:effectLst>
+            <a:latin typeface="+mn-lt"/>
+          </a:endParaRPr>
+        </a:p>
+        <a:p>
+          <a:pPr lvl="0" algn="ctr" defTabSz="1600200">
+            <a:lnSpc>
+              <a:spcPct val="90000"/>
+            </a:lnSpc>
+            <a:spcBef>
+              <a:spcPct val="0"/>
+            </a:spcBef>
+            <a:spcAft>
+              <a:spcPct val="35000"/>
+            </a:spcAft>
+          </a:pPr>
+          <a:endParaRPr lang="en-US" sz="3600" kern="1200" dirty="0" smtClean="0">
+            <a:solidFill>
+              <a:schemeClr val="tx1"/>
+            </a:solidFill>
+            <a:effectLst>
+              <a:outerShdw blurRad="38100" dist="38100" dir="2700000" algn="tl">
+                <a:srgbClr val="000000">
+                  <a:alpha val="43137"/>
+                </a:srgbClr>
+              </a:outerShdw>
+            </a:effectLst>
+            <a:latin typeface="+mn-lt"/>
+          </a:endParaRPr>
+        </a:p>
+        <a:p>
+          <a:pPr lvl="0" algn="ctr" defTabSz="1600200">
+            <a:lnSpc>
+              <a:spcPct val="90000"/>
+            </a:lnSpc>
+            <a:spcBef>
+              <a:spcPct val="0"/>
+            </a:spcBef>
+            <a:spcAft>
+              <a:spcPct val="35000"/>
+            </a:spcAft>
+          </a:pPr>
+          <a:r>
+            <a:rPr lang="en-US" sz="3600" b="0" kern="1200" cap="none" spc="0" dirty="0" err="1" smtClean="0">
+              <a:ln w="0"/>
+              <a:solidFill>
+                <a:schemeClr val="tx1"/>
+              </a:solidFill>
+              <a:effectLst>
+                <a:outerShdw blurRad="38100" dist="38100" dir="2700000" algn="tl">
+                  <a:srgbClr val="000000">
+                    <a:alpha val="43137"/>
+                  </a:srgbClr>
+                </a:outerShdw>
+              </a:effectLst>
+              <a:latin typeface="+mn-lt"/>
+            </a:rPr>
+            <a:t>tf-idf</a:t>
+          </a:r>
+          <a:r>
+            <a:rPr lang="en-US" sz="3600" b="0" kern="1200" cap="none" spc="0" dirty="0" smtClean="0">
+              <a:ln w="0"/>
+              <a:solidFill>
+                <a:schemeClr val="tx1"/>
+              </a:solidFill>
+              <a:effectLst>
+                <a:outerShdw blurRad="38100" dist="38100" dir="2700000" algn="tl">
+                  <a:srgbClr val="000000">
+                    <a:alpha val="43137"/>
+                  </a:srgbClr>
+                </a:outerShdw>
+              </a:effectLst>
+              <a:latin typeface="+mn-lt"/>
+            </a:rPr>
+            <a:t> Weighting</a:t>
+          </a:r>
+          <a:endParaRPr lang="en-US" sz="3600" b="0" kern="1200" cap="none" spc="0" dirty="0">
+            <a:ln w="0"/>
+            <a:solidFill>
+              <a:schemeClr val="tx1"/>
+            </a:solidFill>
+            <a:effectLst>
+              <a:outerShdw blurRad="38100" dist="38100" dir="2700000" algn="tl">
+                <a:srgbClr val="000000">
+                  <a:alpha val="43137"/>
+                </a:srgbClr>
+              </a:outerShdw>
+            </a:effectLst>
+            <a:latin typeface="+mn-lt"/>
+          </a:endParaRPr>
+        </a:p>
+      </dsp:txBody>
+      <dsp:txXfrm>
+        <a:off x="6444993" y="5081160"/>
+        <a:ext cx="5228539" cy="3137123"/>
+      </dsp:txXfrm>
+    </dsp:sp>
+    <dsp:sp modelId="{CF4786EF-F6C8-499B-BB98-F93FC455DBBB}">
+      <dsp:nvSpPr>
+        <dsp:cNvPr id="0" name=""/>
+        <dsp:cNvSpPr/>
+      </dsp:nvSpPr>
+      <dsp:spPr>
+        <a:xfrm>
+          <a:off x="4331408" y="8216483"/>
+          <a:ext cx="11158958" cy="977368"/>
+        </a:xfrm>
+        <a:custGeom>
+          <a:avLst/>
+          <a:gdLst/>
+          <a:ahLst/>
+          <a:cxnLst/>
+          <a:rect l="0" t="0" r="0" b="0"/>
+          <a:pathLst>
+            <a:path>
+              <a:moveTo>
+                <a:pt x="11158958" y="0"/>
+              </a:moveTo>
+              <a:lnTo>
+                <a:pt x="11158958" y="505784"/>
+              </a:lnTo>
+              <a:lnTo>
+                <a:pt x="0" y="505784"/>
+              </a:lnTo>
+              <a:lnTo>
+                <a:pt x="0" y="977368"/>
+              </a:lnTo>
+            </a:path>
+          </a:pathLst>
+        </a:custGeom>
+        <a:noFill/>
+        <a:ln w="76200" cap="flat" cmpd="sng" algn="ctr">
+          <a:solidFill>
+            <a:scrgbClr r="0" g="0" b="0"/>
+          </a:solidFill>
+          <a:prstDash val="solid"/>
+          <a:miter lim="800000"/>
+          <a:tailEnd type="arrow"/>
+        </a:ln>
+        <a:effectLst/>
+      </dsp:spPr>
+      <dsp:style>
+        <a:lnRef idx="1">
+          <a:scrgbClr r="0" g="0" b="0"/>
+        </a:lnRef>
+        <a:fillRef idx="0">
+          <a:scrgbClr r="0" g="0" b="0"/>
+        </a:fillRef>
+        <a:effectRef idx="0">
+          <a:scrgbClr r="0" g="0" b="0"/>
+        </a:effectRef>
+        <a:fontRef idx="minor"/>
+      </dsp:style>
+      <dsp:txBody>
+        <a:bodyPr spcFirstLastPara="0" vert="horz" wrap="square" lIns="12700" tIns="0" rIns="12700" bIns="0" numCol="1" spcCol="1270" anchor="ctr" anchorCtr="0">
+          <a:noAutofit/>
+        </a:bodyPr>
+        <a:lstStyle/>
+        <a:p>
+          <a:pPr lvl="0" algn="ctr" defTabSz="222250">
+            <a:lnSpc>
+              <a:spcPct val="90000"/>
+            </a:lnSpc>
+            <a:spcBef>
+              <a:spcPct val="0"/>
+            </a:spcBef>
+            <a:spcAft>
+              <a:spcPct val="35000"/>
+            </a:spcAft>
+          </a:pPr>
+          <a:endParaRPr lang="en-US" sz="500" kern="1200"/>
+        </a:p>
+      </dsp:txBody>
+      <dsp:txXfrm>
+        <a:off x="9630777" y="8699155"/>
+        <a:ext cx="560219" cy="12025"/>
+      </dsp:txXfrm>
+    </dsp:sp>
+    <dsp:sp modelId="{C0A521F3-B1E4-4B8B-AB80-929FA49187F3}">
+      <dsp:nvSpPr>
+        <dsp:cNvPr id="0" name=""/>
+        <dsp:cNvSpPr/>
+      </dsp:nvSpPr>
+      <dsp:spPr>
+        <a:xfrm>
+          <a:off x="12876096" y="5081160"/>
+          <a:ext cx="5228539" cy="3137123"/>
+        </a:xfrm>
+        <a:prstGeom prst="rect">
+          <a:avLst/>
+        </a:prstGeom>
+        <a:solidFill>
+          <a:schemeClr val="lt1"/>
+        </a:solidFill>
+        <a:ln w="12700" cap="flat" cmpd="sng" algn="ctr">
+          <a:solidFill>
+            <a:schemeClr val="dk1"/>
+          </a:solidFill>
+          <a:prstDash val="solid"/>
+          <a:miter lim="800000"/>
+        </a:ln>
+        <a:effectLst/>
+      </dsp:spPr>
+      <dsp:style>
+        <a:lnRef idx="2">
+          <a:schemeClr val="dk1"/>
+        </a:lnRef>
+        <a:fillRef idx="1">
+          <a:schemeClr val="lt1"/>
+        </a:fillRef>
+        <a:effectRef idx="0">
+          <a:schemeClr val="dk1"/>
+        </a:effectRef>
+        <a:fontRef idx="minor">
+          <a:schemeClr val="dk1"/>
+        </a:fontRef>
+      </dsp:style>
+      <dsp:txBody>
+        <a:bodyPr spcFirstLastPara="0" vert="horz" wrap="square" lIns="256032" tIns="256032" rIns="256032" bIns="256032" numCol="1" spcCol="1270" anchor="ctr" anchorCtr="0">
+          <a:noAutofit/>
+        </a:bodyPr>
+        <a:lstStyle/>
+        <a:p>
+          <a:pPr lvl="0" algn="ctr" defTabSz="1600200">
+            <a:lnSpc>
+              <a:spcPct val="90000"/>
+            </a:lnSpc>
+            <a:spcBef>
+              <a:spcPct val="0"/>
+            </a:spcBef>
+            <a:spcAft>
+              <a:spcPct val="35000"/>
+            </a:spcAft>
+          </a:pPr>
+          <a:endParaRPr lang="en-US" sz="3600" kern="1200" dirty="0" smtClean="0">
+            <a:solidFill>
+              <a:schemeClr val="tx1"/>
+            </a:solidFill>
+            <a:effectLst>
+              <a:outerShdw blurRad="38100" dist="38100" dir="2700000" algn="tl">
+                <a:srgbClr val="000000">
+                  <a:alpha val="43137"/>
+                </a:srgbClr>
+              </a:outerShdw>
+            </a:effectLst>
+            <a:latin typeface="+mn-lt"/>
+          </a:endParaRPr>
+        </a:p>
+        <a:p>
+          <a:pPr lvl="0" algn="ctr" defTabSz="1600200">
+            <a:lnSpc>
+              <a:spcPct val="90000"/>
+            </a:lnSpc>
+            <a:spcBef>
+              <a:spcPct val="0"/>
+            </a:spcBef>
+            <a:spcAft>
+              <a:spcPct val="35000"/>
+            </a:spcAft>
+          </a:pPr>
+          <a:endParaRPr lang="en-US" sz="3600" kern="1200" dirty="0" smtClean="0">
+            <a:solidFill>
+              <a:schemeClr val="tx1"/>
+            </a:solidFill>
+            <a:effectLst>
+              <a:outerShdw blurRad="38100" dist="38100" dir="2700000" algn="tl">
+                <a:srgbClr val="000000">
+                  <a:alpha val="43137"/>
+                </a:srgbClr>
+              </a:outerShdw>
+            </a:effectLst>
+            <a:latin typeface="+mn-lt"/>
+          </a:endParaRPr>
+        </a:p>
+        <a:p>
+          <a:pPr lvl="0" algn="ctr" defTabSz="1600200">
+            <a:lnSpc>
+              <a:spcPct val="90000"/>
+            </a:lnSpc>
+            <a:spcBef>
+              <a:spcPct val="0"/>
+            </a:spcBef>
+            <a:spcAft>
+              <a:spcPct val="35000"/>
+            </a:spcAft>
+          </a:pPr>
+          <a:endParaRPr lang="en-US" sz="3600" kern="1200" dirty="0" smtClean="0">
+            <a:solidFill>
+              <a:schemeClr val="tx1"/>
+            </a:solidFill>
+            <a:effectLst>
+              <a:outerShdw blurRad="38100" dist="38100" dir="2700000" algn="tl">
+                <a:srgbClr val="000000">
+                  <a:alpha val="43137"/>
+                </a:srgbClr>
+              </a:outerShdw>
+            </a:effectLst>
+            <a:latin typeface="+mn-lt"/>
+          </a:endParaRPr>
+        </a:p>
+        <a:p>
+          <a:pPr lvl="0" algn="ctr" defTabSz="1600200">
+            <a:lnSpc>
+              <a:spcPct val="90000"/>
+            </a:lnSpc>
+            <a:spcBef>
+              <a:spcPct val="0"/>
+            </a:spcBef>
+            <a:spcAft>
+              <a:spcPct val="35000"/>
+            </a:spcAft>
+          </a:pPr>
+          <a:r>
+            <a:rPr lang="en-US" sz="3600" kern="1200" dirty="0" smtClean="0">
+              <a:solidFill>
+                <a:schemeClr val="tx1"/>
+              </a:solidFill>
+              <a:effectLst>
+                <a:outerShdw blurRad="38100" dist="38100" dir="2700000" algn="tl">
+                  <a:srgbClr val="000000">
+                    <a:alpha val="43137"/>
+                  </a:srgbClr>
+                </a:outerShdw>
+              </a:effectLst>
+              <a:latin typeface="+mn-lt"/>
+            </a:rPr>
+            <a:t>Retrieving </a:t>
+          </a:r>
+          <a:r>
+            <a:rPr lang="en-US" sz="3600" kern="1200" dirty="0" err="1" smtClean="0">
+              <a:solidFill>
+                <a:schemeClr val="tx1"/>
+              </a:solidFill>
+              <a:effectLst>
+                <a:outerShdw blurRad="38100" dist="38100" dir="2700000" algn="tl">
+                  <a:srgbClr val="000000">
+                    <a:alpha val="43137"/>
+                  </a:srgbClr>
+                </a:outerShdw>
+              </a:effectLst>
+              <a:latin typeface="+mn-lt"/>
+            </a:rPr>
+            <a:t>topK</a:t>
+          </a:r>
+          <a:r>
+            <a:rPr lang="en-US" sz="3600" kern="1200" dirty="0" smtClean="0">
+              <a:solidFill>
+                <a:schemeClr val="tx1"/>
+              </a:solidFill>
+              <a:effectLst>
+                <a:outerShdw blurRad="38100" dist="38100" dir="2700000" algn="tl">
+                  <a:srgbClr val="000000">
+                    <a:alpha val="43137"/>
+                  </a:srgbClr>
+                </a:outerShdw>
+              </a:effectLst>
+              <a:latin typeface="+mn-lt"/>
+            </a:rPr>
+            <a:t> results</a:t>
+          </a:r>
+          <a:endParaRPr lang="en-US" sz="3600" b="0" kern="1200" cap="none" spc="0" dirty="0">
+            <a:ln w="0"/>
+            <a:solidFill>
+              <a:schemeClr val="tx1"/>
+            </a:solidFill>
+            <a:effectLst>
+              <a:outerShdw blurRad="38100" dist="38100" dir="2700000" algn="tl">
+                <a:srgbClr val="000000">
+                  <a:alpha val="43137"/>
+                </a:srgbClr>
+              </a:outerShdw>
+            </a:effectLst>
+            <a:latin typeface="+mn-lt"/>
+          </a:endParaRPr>
+        </a:p>
+      </dsp:txBody>
+      <dsp:txXfrm>
+        <a:off x="12876096" y="5081160"/>
+        <a:ext cx="5228539" cy="3137123"/>
+      </dsp:txXfrm>
+    </dsp:sp>
+    <dsp:sp modelId="{EFBFDB96-F7EC-450A-8152-1BC7672C7111}">
+      <dsp:nvSpPr>
+        <dsp:cNvPr id="0" name=""/>
+        <dsp:cNvSpPr/>
+      </dsp:nvSpPr>
+      <dsp:spPr>
+        <a:xfrm>
+          <a:off x="8627467" y="10974307"/>
+          <a:ext cx="2361299" cy="91440"/>
+        </a:xfrm>
+        <a:custGeom>
+          <a:avLst/>
+          <a:gdLst/>
+          <a:ahLst/>
+          <a:cxnLst/>
+          <a:rect l="0" t="0" r="0" b="0"/>
+          <a:pathLst>
+            <a:path>
+              <a:moveTo>
+                <a:pt x="0" y="45720"/>
+              </a:moveTo>
+              <a:lnTo>
+                <a:pt x="1197749" y="45720"/>
+              </a:lnTo>
+              <a:lnTo>
+                <a:pt x="1197749" y="50802"/>
+              </a:lnTo>
+              <a:lnTo>
+                <a:pt x="2361299" y="50802"/>
+              </a:lnTo>
+            </a:path>
+          </a:pathLst>
+        </a:custGeom>
+        <a:noFill/>
+        <a:ln w="76200" cap="flat" cmpd="sng" algn="ctr">
+          <a:solidFill>
+            <a:schemeClr val="dk1"/>
+          </a:solidFill>
+          <a:prstDash val="solid"/>
+          <a:miter lim="800000"/>
+          <a:tailEnd type="arrow"/>
+        </a:ln>
+        <a:effectLst/>
+      </dsp:spPr>
+      <dsp:style>
+        <a:lnRef idx="3">
+          <a:schemeClr val="dk1"/>
+        </a:lnRef>
+        <a:fillRef idx="0">
+          <a:schemeClr val="dk1"/>
+        </a:fillRef>
+        <a:effectRef idx="2">
+          <a:schemeClr val="dk1"/>
+        </a:effectRef>
+        <a:fontRef idx="minor">
+          <a:schemeClr val="tx1"/>
+        </a:fontRef>
+      </dsp:style>
+      <dsp:txBody>
+        <a:bodyPr spcFirstLastPara="0" vert="horz" wrap="square" lIns="12700" tIns="0" rIns="12700" bIns="0" numCol="1" spcCol="1270" anchor="ctr" anchorCtr="0">
+          <a:noAutofit/>
+        </a:bodyPr>
+        <a:lstStyle/>
+        <a:p>
+          <a:pPr lvl="0" algn="ctr" defTabSz="222250">
+            <a:lnSpc>
+              <a:spcPct val="90000"/>
+            </a:lnSpc>
+            <a:spcBef>
+              <a:spcPct val="0"/>
+            </a:spcBef>
+            <a:spcAft>
+              <a:spcPct val="35000"/>
+            </a:spcAft>
+          </a:pPr>
+          <a:endParaRPr lang="en-US" sz="500" kern="1200"/>
+        </a:p>
+      </dsp:txBody>
+      <dsp:txXfrm>
+        <a:off x="9748320" y="11014015"/>
+        <a:ext cx="119595" cy="12025"/>
+      </dsp:txXfrm>
+    </dsp:sp>
+    <dsp:sp modelId="{02B46CEA-C7B3-4D51-9BCC-9554DD08340D}">
+      <dsp:nvSpPr>
+        <dsp:cNvPr id="0" name=""/>
+        <dsp:cNvSpPr/>
+      </dsp:nvSpPr>
+      <dsp:spPr>
+        <a:xfrm>
+          <a:off x="33548" y="9226252"/>
+          <a:ext cx="8595718" cy="3587551"/>
+        </a:xfrm>
+        <a:prstGeom prst="rect">
+          <a:avLst/>
+        </a:prstGeom>
+        <a:solidFill>
+          <a:schemeClr val="lt1"/>
+        </a:solidFill>
+        <a:ln w="12700" cap="flat" cmpd="sng" algn="ctr">
+          <a:solidFill>
+            <a:schemeClr val="dk1"/>
+          </a:solidFill>
+          <a:prstDash val="solid"/>
+          <a:miter lim="800000"/>
+        </a:ln>
+        <a:effectLst/>
+      </dsp:spPr>
+      <dsp:style>
+        <a:lnRef idx="2">
+          <a:schemeClr val="dk1"/>
+        </a:lnRef>
+        <a:fillRef idx="1">
+          <a:schemeClr val="lt1"/>
+        </a:fillRef>
+        <a:effectRef idx="0">
+          <a:schemeClr val="dk1"/>
+        </a:effectRef>
+        <a:fontRef idx="minor">
+          <a:schemeClr val="dk1"/>
+        </a:fontRef>
+      </dsp:style>
+      <dsp:txBody>
+        <a:bodyPr spcFirstLastPara="0" vert="horz" wrap="square" lIns="256032" tIns="256032" rIns="256032" bIns="256032" numCol="1" spcCol="1270" anchor="ctr" anchorCtr="0">
+          <a:noAutofit/>
+        </a:bodyPr>
+        <a:lstStyle/>
+        <a:p>
+          <a:pPr lvl="0" algn="ctr" defTabSz="1600200">
+            <a:lnSpc>
+              <a:spcPct val="90000"/>
+            </a:lnSpc>
+            <a:spcBef>
+              <a:spcPct val="0"/>
+            </a:spcBef>
+            <a:spcAft>
+              <a:spcPct val="35000"/>
+            </a:spcAft>
+          </a:pPr>
+          <a:endParaRPr lang="en-US" sz="3600" kern="1200" dirty="0" smtClean="0">
+            <a:solidFill>
+              <a:schemeClr val="tx1"/>
+            </a:solidFill>
+            <a:effectLst>
+              <a:outerShdw blurRad="38100" dist="38100" dir="2700000" algn="tl">
+                <a:srgbClr val="000000">
+                  <a:alpha val="43137"/>
+                </a:srgbClr>
+              </a:outerShdw>
+            </a:effectLst>
+            <a:latin typeface="+mn-lt"/>
+          </a:endParaRPr>
+        </a:p>
+        <a:p>
+          <a:pPr lvl="0" algn="ctr" defTabSz="1600200">
+            <a:lnSpc>
+              <a:spcPct val="90000"/>
+            </a:lnSpc>
+            <a:spcBef>
+              <a:spcPct val="0"/>
+            </a:spcBef>
+            <a:spcAft>
+              <a:spcPct val="35000"/>
+            </a:spcAft>
+          </a:pPr>
+          <a:endParaRPr lang="en-US" sz="3600" kern="1200" dirty="0" smtClean="0">
+            <a:solidFill>
+              <a:schemeClr val="tx1"/>
+            </a:solidFill>
+            <a:effectLst>
+              <a:outerShdw blurRad="38100" dist="38100" dir="2700000" algn="tl">
+                <a:srgbClr val="000000">
+                  <a:alpha val="43137"/>
+                </a:srgbClr>
+              </a:outerShdw>
+            </a:effectLst>
+            <a:latin typeface="+mn-lt"/>
+          </a:endParaRPr>
+        </a:p>
+        <a:p>
+          <a:pPr lvl="0" algn="ctr" defTabSz="1600200">
+            <a:lnSpc>
+              <a:spcPct val="90000"/>
+            </a:lnSpc>
+            <a:spcBef>
+              <a:spcPct val="0"/>
+            </a:spcBef>
+            <a:spcAft>
+              <a:spcPct val="35000"/>
+            </a:spcAft>
+          </a:pPr>
+          <a:endParaRPr lang="en-US" sz="3600" kern="1200" dirty="0" smtClean="0">
+            <a:solidFill>
+              <a:schemeClr val="tx1"/>
+            </a:solidFill>
+            <a:effectLst>
+              <a:outerShdw blurRad="38100" dist="38100" dir="2700000" algn="tl">
+                <a:srgbClr val="000000">
+                  <a:alpha val="43137"/>
+                </a:srgbClr>
+              </a:outerShdw>
+            </a:effectLst>
+            <a:latin typeface="+mn-lt"/>
+          </a:endParaRPr>
+        </a:p>
+        <a:p>
+          <a:pPr lvl="0" algn="ctr" defTabSz="1600200">
+            <a:lnSpc>
+              <a:spcPct val="90000"/>
+            </a:lnSpc>
+            <a:spcBef>
+              <a:spcPct val="0"/>
+            </a:spcBef>
+            <a:spcAft>
+              <a:spcPct val="35000"/>
+            </a:spcAft>
+          </a:pPr>
+          <a:r>
+            <a:rPr lang="en-US" sz="3600" kern="1200" dirty="0" smtClean="0">
+              <a:solidFill>
+                <a:schemeClr val="tx1"/>
+              </a:solidFill>
+              <a:effectLst>
+                <a:outerShdw blurRad="38100" dist="38100" dir="2700000" algn="tl">
+                  <a:srgbClr val="000000">
+                    <a:alpha val="43137"/>
+                  </a:srgbClr>
+                </a:outerShdw>
+              </a:effectLst>
+              <a:latin typeface="+mn-lt"/>
+            </a:rPr>
+            <a:t>Spatial </a:t>
+          </a:r>
+          <a:r>
+            <a:rPr lang="en-US" sz="3600" kern="1200" dirty="0" err="1" smtClean="0">
+              <a:solidFill>
+                <a:schemeClr val="tx1"/>
+              </a:solidFill>
+              <a:effectLst>
+                <a:outerShdw blurRad="38100" dist="38100" dir="2700000" algn="tl">
+                  <a:srgbClr val="000000">
+                    <a:alpha val="43137"/>
+                  </a:srgbClr>
+                </a:outerShdw>
+              </a:effectLst>
+              <a:latin typeface="+mn-lt"/>
+            </a:rPr>
+            <a:t>Rerank</a:t>
+          </a:r>
+          <a:endParaRPr lang="en-US" sz="3600" b="0" kern="1200" cap="none" spc="0" dirty="0">
+            <a:ln w="0"/>
+            <a:solidFill>
+              <a:schemeClr val="tx1"/>
+            </a:solidFill>
+            <a:effectLst>
+              <a:outerShdw blurRad="38100" dist="38100" dir="2700000" algn="tl">
+                <a:srgbClr val="000000">
+                  <a:alpha val="43137"/>
+                </a:srgbClr>
+              </a:outerShdw>
+            </a:effectLst>
+            <a:latin typeface="+mn-lt"/>
+          </a:endParaRPr>
+        </a:p>
+      </dsp:txBody>
+      <dsp:txXfrm>
+        <a:off x="33548" y="9226252"/>
+        <a:ext cx="8595718" cy="3587551"/>
+      </dsp:txXfrm>
+    </dsp:sp>
+    <dsp:sp modelId="{98314F5D-96D5-44B0-B7D7-6F74319DB0B9}">
+      <dsp:nvSpPr>
+        <dsp:cNvPr id="0" name=""/>
+        <dsp:cNvSpPr/>
+      </dsp:nvSpPr>
+      <dsp:spPr>
+        <a:xfrm>
+          <a:off x="11021167" y="9456548"/>
+          <a:ext cx="5228539" cy="3137123"/>
+        </a:xfrm>
+        <a:prstGeom prst="rect">
+          <a:avLst/>
+        </a:prstGeom>
+        <a:solidFill>
+          <a:schemeClr val="lt1"/>
+        </a:solidFill>
+        <a:ln w="12700" cap="flat" cmpd="sng" algn="ctr">
+          <a:solidFill>
+            <a:schemeClr val="dk1"/>
+          </a:solidFill>
+          <a:prstDash val="solid"/>
+          <a:miter lim="800000"/>
+        </a:ln>
+        <a:effectLst/>
+      </dsp:spPr>
+      <dsp:style>
+        <a:lnRef idx="2">
+          <a:schemeClr val="dk1"/>
+        </a:lnRef>
+        <a:fillRef idx="1">
+          <a:schemeClr val="lt1"/>
+        </a:fillRef>
+        <a:effectRef idx="0">
+          <a:schemeClr val="dk1"/>
+        </a:effectRef>
+        <a:fontRef idx="minor">
+          <a:schemeClr val="dk1"/>
+        </a:fontRef>
+      </dsp:style>
+      <dsp:txBody>
+        <a:bodyPr spcFirstLastPara="0" vert="horz" wrap="square" lIns="256032" tIns="256032" rIns="256032" bIns="256032" numCol="1" spcCol="1270" anchor="ctr" anchorCtr="0">
+          <a:noAutofit/>
+        </a:bodyPr>
+        <a:lstStyle/>
+        <a:p>
+          <a:pPr lvl="0" algn="ctr" defTabSz="1600200">
+            <a:lnSpc>
+              <a:spcPct val="90000"/>
+            </a:lnSpc>
+            <a:spcBef>
+              <a:spcPct val="0"/>
+            </a:spcBef>
+            <a:spcAft>
+              <a:spcPct val="35000"/>
+            </a:spcAft>
+          </a:pPr>
+          <a:r>
+            <a:rPr lang="en-US" sz="3600" kern="1200" dirty="0" smtClean="0"/>
+            <a:t>Final </a:t>
+          </a:r>
+          <a:r>
+            <a:rPr lang="en-US" sz="3600" kern="1200" dirty="0" err="1" smtClean="0"/>
+            <a:t>Ranklist</a:t>
+          </a:r>
+          <a:endParaRPr lang="en-US" sz="3600" kern="1200" dirty="0" smtClean="0"/>
+        </a:p>
+      </dsp:txBody>
+      <dsp:txXfrm>
+        <a:off x="11021167" y="9456548"/>
+        <a:ext cx="5228539" cy="3137123"/>
+      </dsp:txXfrm>
+    </dsp:sp>
+  </dsp:spTree>
+</dsp:drawing>
+</file>
+
+<file path=ppt/diagrams/layout1.xml><?xml version="1.0" encoding="utf-8"?>
+<dgm:layoutDef xmlns:dgm="http://schemas.openxmlformats.org/drawingml/2006/diagram" xmlns:a="http://schemas.openxmlformats.org/drawingml/2006/main" uniqueId="urn:microsoft.com/office/officeart/2005/8/layout/bProcess3">
+  <dgm:title val=""/>
+  <dgm:desc val=""/>
+  <dgm:catLst>
+    <dgm:cat type="process" pri="18000"/>
+  </dgm:catLst>
+  <dgm:sampData>
+    <dgm:dataModel>
+      <dgm:ptLst>
+        <dgm:pt modelId="0" type="doc"/>
+        <dgm:pt modelId="1">
+          <dgm:prSet phldr="1"/>
+        </dgm:pt>
+        <dgm:pt modelId="2">
+          <dgm:prSet phldr="1"/>
+        </dgm:pt>
+        <dgm:pt modelId="3">
+          <dgm:prSet phldr="1"/>
+        </dgm:pt>
+        <dgm:pt modelId="4">
+          <dgm:prSet phldr="1"/>
+        </dgm:pt>
+        <dgm:pt modelId="5">
+          <dgm:prSet phldr="1"/>
+        </dgm:pt>
+      </dgm:ptLst>
+      <dgm:cxnLst>
+        <dgm:cxn modelId="7" srcId="0" destId="1" srcOrd="0" destOrd="0"/>
+        <dgm:cxn modelId="8" srcId="0" destId="2" srcOrd="1" destOrd="0"/>
+        <dgm:cxn modelId="9" srcId="0" destId="3" srcOrd="2" destOrd="0"/>
+        <dgm:cxn modelId="10" srcId="0" destId="4" srcOrd="3" destOrd="0"/>
+        <dgm:cxn modelId="11" srcId="0" destId="5" srcOrd="4" destOrd="0"/>
+      </dgm:cxnLst>
+      <dgm:bg/>
+      <dgm:whole/>
+    </dgm:dataModel>
+  </dgm:sampData>
+  <dgm:styleData>
+    <dgm:dataModel>
+      <dgm:ptLst>
+        <dgm:pt modelId="0" type="doc"/>
+        <dgm:pt modelId="1"/>
+        <dgm:pt modelId="2"/>
+      </dgm:ptLst>
+      <dgm:cxnLst>
+        <dgm:cxn modelId="3" srcId="0" destId="1" srcOrd="0" destOrd="0"/>
+        <dgm:cxn modelId="4" srcId="0" destId="2" srcOrd="1" destOrd="0"/>
+      </dgm:cxnLst>
+      <dgm:bg/>
+      <dgm:whole/>
+    </dgm:dataModel>
+  </dgm:styleData>
+  <dgm:clrData>
+    <dgm:dataModel>
+      <dgm:ptLst>
+        <dgm:pt modelId="0" type="doc"/>
+        <dgm:pt modelId="1"/>
+        <dgm:pt modelId="2"/>
+        <dgm:pt modelId="3"/>
+        <dgm:pt modelId="4"/>
+      </dgm:ptLst>
+      <dgm:cxnLst>
+        <dgm:cxn modelId="5" srcId="0" destId="1" srcOrd="0" destOrd="0"/>
+        <dgm:cxn modelId="6" srcId="0" destId="2" srcOrd="1" destOrd="0"/>
+        <dgm:cxn modelId="7" srcId="0" destId="3" srcOrd="2" destOrd="0"/>
+        <dgm:cxn modelId="8" srcId="0" destId="4" srcOrd="3" destOrd="0"/>
+      </dgm:cxnLst>
+      <dgm:bg/>
+      <dgm:whole/>
+    </dgm:dataModel>
+  </dgm:clrData>
+  <dgm:layoutNode name="Name0">
+    <dgm:varLst>
+      <dgm:dir/>
+      <dgm:resizeHandles val="exact"/>
+    </dgm:varLst>
+    <dgm:choose name="Name1">
+      <dgm:if name="Name2" axis="self" func="var" arg="dir" op="equ" val="norm">
+        <dgm:alg type="snake">
+          <dgm:param type="grDir" val="tL"/>
+          <dgm:param type="flowDir" val="row"/>
+          <dgm:param type="contDir" val="sameDir"/>
+          <dgm:param type="bkpt" val="endCnv"/>
+        </dgm:alg>
+      </dgm:if>
+      <dgm:else name="Name3">
+        <dgm:alg type="snake">
+          <dgm:param type="grDir" val="tR"/>
+          <dgm:param type="flowDir" val="row"/>
+          <dgm:param type="contDir" val="sameDir"/>
+          <dgm:param type="bkpt" val="endCnv"/>
+        </dgm:alg>
+      </dgm:else>
+    </dgm:choose>
+    <dgm:shape xmlns:r="http://schemas.openxmlformats.org/officeDocument/2006/relationships" r:blip="">
+      <dgm:adjLst/>
+    </dgm:shape>
+    <dgm:presOf/>
+    <dgm:constrLst>
+      <dgm:constr type="w" for="ch" ptType="node" refType="w"/>
+      <dgm:constr type="w" for="ch" forName="sibTrans" refType="w" refFor="ch" refPtType="node" op="equ" fact="0.23"/>
+      <dgm:constr type="sp" refType="w" refFor="ch" refForName="sibTrans" op="equ"/>
+      <dgm:constr type="userB" for="des" forName="connectorText" refType="sp"/>
+      <dgm:constr type="primFontSz" for="ch" ptType="node" op="equ" val="65"/>
+      <dgm:constr type="h" for="ch" ptType="sibTrans" op="equ"/>
+      <dgm:constr type="primFontSz" for="des" forName="connectorText" op="equ" val="55"/>
+      <dgm:constr type="primFontSz" for="des" forName="connectorText" refType="primFontSz" refFor="ch" refPtType="node" op="lte" fact="0.8"/>
+    </dgm:constrLst>
+    <dgm:ruleLst/>
+    <dgm:forEach name="nodesForEach" axis="ch" ptType="node">
+      <dgm:layoutNode name="node">
+        <dgm:varLst>
+          <dgm:bulletEnabled val="1"/>
+        </dgm:varLst>
+        <dgm:alg type="tx"/>
+        <dgm:shape xmlns:r="http://schemas.openxmlformats.org/officeDocument/2006/relationships" type="rect" r:blip="">
+          <dgm:adjLst/>
+        </dgm:shape>
+        <dgm:presOf axis="desOrSelf" ptType="node"/>
+        <dgm:constrLst>
+          <dgm:constr type="h" refType="w" fact="0.6"/>
+        </dgm:constrLst>
+        <dgm:ruleLst>
+          <dgm:rule type="primFontSz" val="5" fact="NaN" max="NaN"/>
+        </dgm:ruleLst>
+      </dgm:layoutNode>
+      <dgm:forEach name="sibTransForEach" axis="followSib" ptType="sibTrans" cnt="1">
+        <dgm:layoutNode name="sibTrans">
+          <dgm:choose name="Name4">
+            <dgm:if name="Name5" axis="self" func="var" arg="dir" op="equ" val="norm">
+              <dgm:alg type="conn">
+                <dgm:param type="connRout" val="bend"/>
+                <dgm:param type="dim" val="1D"/>
+                <dgm:param type="begPts" val="midR bCtr"/>
+                <dgm:param type="endPts" val="midL tCtr"/>
+              </dgm:alg>
+            </dgm:if>
+            <dgm:else name="Name6">
+              <dgm:alg type="conn">
+                <dgm:param type="connRout" val="bend"/>
+                <dgm:param type="dim" val="1D"/>
+                <dgm:param type="begPts" val="midL bCtr"/>
+                <dgm:param type="endPts" val="midR tCtr"/>
+              </dgm:alg>
+            </dgm:else>
+          </dgm:choose>
+          <dgm:shape xmlns:r="http://schemas.openxmlformats.org/officeDocument/2006/relationships" type="conn" r:blip="" zOrderOff="-2">
+            <dgm:adjLst/>
+          </dgm:shape>
+          <dgm:presOf axis="self"/>
+          <dgm:constrLst>
+            <dgm:constr type="begPad" val="-0.05"/>
+            <dgm:constr type="endPad" val="0.9"/>
+            <dgm:constr type="userA" for="ch" refType="connDist"/>
+          </dgm:constrLst>
+          <dgm:ruleLst/>
+          <dgm:layoutNode name="connectorText">
+            <dgm:alg type="tx">
+              <dgm:param type="autoTxRot" val="upr"/>
+            </dgm:alg>
+            <dgm:shape xmlns:r="http://schemas.openxmlformats.org/officeDocument/2006/relationships" type="rect" r:blip="" hideGeom="1">
+              <dgm:adjLst/>
+            </dgm:shape>
+            <dgm:presOf axis="self"/>
+            <dgm:constrLst>
+              <dgm:constr type="userA"/>
+              <dgm:constr type="userB"/>
+              <dgm:constr type="w" refType="userA" fact="0.05"/>
+              <dgm:constr type="h" refType="userB" fact="0.01"/>
+              <dgm:constr type="lMarg" val="1"/>
+              <dgm:constr type="rMarg" val="1"/>
+              <dgm:constr type="tMarg"/>
+              <dgm:constr type="bMarg"/>
+            </dgm:constrLst>
+            <dgm:ruleLst>
+              <dgm:rule type="w" val="NaN" fact="0.6" max="NaN"/>
+              <dgm:rule type="h" val="NaN" fact="0.6" max="NaN"/>
+              <dgm:rule type="primFontSz" val="5" fact="NaN" max="NaN"/>
+            </dgm:ruleLst>
+          </dgm:layoutNode>
+        </dgm:layoutNode>
+      </dgm:forEach>
+    </dgm:forEach>
+  </dgm:layoutNode>
+</dgm:layoutDef>
+</file>
+
+<file path=ppt/diagrams/quickStyle1.xml><?xml version="1.0" encoding="utf-8"?>
+<dgm:styleDef xmlns:dgm="http://schemas.openxmlformats.org/drawingml/2006/diagram" xmlns:a="http://schemas.openxmlformats.org/drawingml/2006/main" uniqueId="urn:microsoft.com/office/officeart/2005/8/quickstyle/simple1">
+  <dgm:title val=""/>
+  <dgm:desc val=""/>
+  <dgm:catLst>
+    <dgm:cat type="simple" pri="10100"/>
+  </dgm:catLst>
+  <dgm:scene3d>
+    <a:camera prst="orthographicFront"/>
+    <a:lightRig rig="threePt" dir="t"/>
+  </dgm:scene3d>
+  <dgm:styleLbl name="node0">
+    <dgm:scene3d>
+      <a:camera prst="orthographicFront"/>
+      <a:lightRig rig="threePt" dir="t"/>
+    </dgm:scene3d>
+    <dgm:sp3d/>
+    <dgm:txPr/>
+    <dgm:style>
+      <a:lnRef idx="2">
+        <a:scrgbClr r="0" g="0" b="0"/>
+      </a:lnRef>
+      <a:fillRef idx="1">
+        <a:scrgbClr r="0" g="0" b="0"/>
+      </a:fillRef>
+      <a:effectRef idx="0">
+        <a:scrgbClr r="0" g="0" b="0"/>
+      </a:effectRef>
+      <a:fontRef idx="minor">
+        <a:schemeClr val="lt1"/>
+      </a:fontRef>
+    </dgm:style>
+  </dgm:styleLbl>
+  <dgm:styleLbl name="lnNode1">
+    <dgm:scene3d>
+      <a:camera prst="orthographicFront"/>
+      <a:lightRig rig="threePt" dir="t"/>
+    </dgm:scene3d>
+    <dgm:sp3d/>
+    <dgm:txPr/>
+    <dgm:style>
+      <a:lnRef idx="2">
+        <a:scrgbClr r="0" g="0" b="0"/>
+      </a:lnRef>
+      <a:fillRef idx="1">
+        <a:scrgbClr r="0" g="0" b="0"/>
+      </a:fillRef>
+      <a:effectRef idx="0">
+        <a:scrgbClr r="0" g="0" b="0"/>
+      </a:effectRef>
+      <a:fontRef idx="minor">
+        <a:schemeClr val="lt1"/>
+      </a:fontRef>
+    </dgm:style>
+  </dgm:styleLbl>
+  <dgm:styleLbl name="vennNode1">
+    <dgm:scene3d>
+      <a:camera prst="orthographicFront"/>
+      <a:lightRig rig="threePt" dir="t"/>
+    </dgm:scene3d>
+    <dgm:sp3d/>
+    <dgm:txPr/>
+    <dgm:style>
+      <a:lnRef idx="2">
+        <a:scrgbClr r="0" g="0" b="0"/>
+      </a:lnRef>
+      <a:fillRef idx="1">
+        <a:scrgbClr r="0" g="0" b="0"/>
+      </a:fillRef>
+      <a:effectRef idx="0">
+        <a:scrgbClr r="0" g="0" b="0"/>
+      </a:effectRef>
+      <a:fontRef idx="minor">
+        <a:schemeClr val="tx1"/>
+      </a:fontRef>
+    </dgm:style>
+  </dgm:styleLbl>
+  <dgm:styleLbl name="alignNode1">
+    <dgm:scene3d>
+      <a:camera prst="orthographicFront"/>
+      <a:lightRig rig="threePt" dir="t"/>
+    </dgm:scene3d>
+    <dgm:sp3d/>
+    <dgm:txPr/>
+    <dgm:style>
+      <a:lnRef idx="2">
+        <a:scrgbClr r="0" g="0" b="0"/>
+      </a:lnRef>
+      <a:fillRef idx="1">
+        <a:scrgbClr r="0" g="0" b="0"/>
+      </a:fillRef>
+      <a:effectRef idx="0">
+        <a:scrgbClr r="0" g="0" b="0"/>
+      </a:effectRef>
+      <a:fontRef idx="minor">
+        <a:schemeClr val="lt1"/>
+      </a:fontRef>
+    </dgm:style>
+  </dgm:styleLbl>
+  <dgm:styleLbl name="node1">
+    <dgm:scene3d>
+      <a:camera prst="orthographicFront"/>
+      <a:lightRig rig="threePt" dir="t"/>
+    </dgm:scene3d>
+    <dgm:sp3d/>
+    <dgm:txPr/>
+    <dgm:style>
+      <a:lnRef idx="2">
+        <a:scrgbClr r="0" g="0" b="0"/>
+      </a:lnRef>
+      <a:fillRef idx="1">
+        <a:scrgbClr r="0" g="0" b="0"/>
+      </a:fillRef>
+      <a:effectRef idx="0">
+        <a:scrgbClr r="0" g="0" b="0"/>
+      </a:effectRef>
+      <a:fontRef idx="minor">
+        <a:schemeClr val="lt1"/>
+      </a:fontRef>
+    </dgm:style>
+  </dgm:styleLbl>
+  <dgm:styleLbl name="node2">
+    <dgm:scene3d>
+      <a:camera prst="orthographicFront"/>
+      <a:lightRig rig="threePt" dir="t"/>
+    </dgm:scene3d>
+    <dgm:sp3d/>
+    <dgm:txPr/>
+    <dgm:style>
+      <a:lnRef idx="2">
+        <a:scrgbClr r="0" g="0" b="0"/>
+      </a:lnRef>
+      <a:fillRef idx="1">
+        <a:scrgbClr r="0" g="0" b="0"/>
+      </a:fillRef>
+      <a:effectRef idx="0">
+        <a:scrgbClr r="0" g="0" b="0"/>
+      </a:effectRef>
+      <a:fontRef idx="minor">
+        <a:schemeClr val="lt1"/>
+      </a:fontRef>
+    </dgm:style>
+  </dgm:styleLbl>
+  <dgm:styleLbl name="node3">
+    <dgm:scene3d>
+      <a:camera prst="orthographicFront"/>
+      <a:lightRig rig="threePt" dir="t"/>
+    </dgm:scene3d>
+    <dgm:sp3d/>
+    <dgm:txPr/>
+    <dgm:style>
+      <a:lnRef idx="2">
+        <a:scrgbClr r="0" g="0" b="0"/>
+      </a:lnRef>
+      <a:fillRef idx="1">
+        <a:scrgbClr r="0" g="0" b="0"/>
+      </a:fillRef>
+      <a:effectRef idx="0">
+        <a:scrgbClr r="0" g="0" b="0"/>
+      </a:effectRef>
+      <a:fontRef idx="minor">
+        <a:schemeClr val="lt1"/>
+      </a:fontRef>
+    </dgm:style>
+  </dgm:styleLbl>
+  <dgm:styleLbl name="node4">
+    <dgm:scene3d>
+      <a:camera prst="orthographicFront"/>
+      <a:lightRig rig="threePt" dir="t"/>
+    </dgm:scene3d>
+    <dgm:sp3d/>
+    <dgm:txPr/>
+    <dgm:style>
+      <a:lnRef idx="2">
+        <a:scrgbClr r="0" g="0" b="0"/>
+      </a:lnRef>
+      <a:fillRef idx="1">
+        <a:scrgbClr r="0" g="0" b="0"/>
+      </a:fillRef>
+      <a:effectRef idx="0">
+        <a:scrgbClr r="0" g="0" b="0"/>
+      </a:effectRef>
+      <a:fontRef idx="minor">
+        <a:schemeClr val="lt1"/>
+      </a:fontRef>
+    </dgm:style>
+  </dgm:styleLbl>
+  <dgm:styleLbl name="fgImgPlace1">
+    <dgm:scene3d>
+      <a:camera prst="orthographicFront"/>
+      <a:lightRig rig="threePt" dir="t"/>
+    </dgm:scene3d>
+    <dgm:sp3d/>
+    <dgm:txPr/>
+    <dgm:style>
+      <a:lnRef idx="2">
+        <a:scrgbClr r="0" g="0" b="0"/>
+      </a:lnRef>
+      <a:fillRef idx="1">
+        <a:scrgbClr r="0" g="0" b="0"/>
+      </a:fillRef>
+      <a:effectRef idx="0">
+        <a:scrgbClr r="0" g="0" b="0"/>
+      </a:effectRef>
+      <a:fontRef idx="minor"/>
+    </dgm:style>
+  </dgm:styleLbl>
+  <dgm:styleLbl name="alignImgPlace1">
+    <dgm:scene3d>
+      <a:camera prst="orthographicFront"/>
+      <a:lightRig rig="threePt" dir="t"/>
+    </dgm:scene3d>
+    <dgm:sp3d/>
+    <dgm:txPr/>
+    <dgm:style>
+      <a:lnRef idx="2">
+        <a:scrgbClr r="0" g="0" b="0"/>
+      </a:lnRef>
+      <a:fillRef idx="1">
+        <a:scrgbClr r="0" g="0" b="0"/>
+      </a:fillRef>
+      <a:effectRef idx="0">
+        <a:scrgbClr r="0" g="0" b="0"/>
+      </a:effectRef>
+      <a:fontRef idx="minor"/>
+    </dgm:style>
+  </dgm:styleLbl>
+  <dgm:styleLbl name="bgImgPlace1">
+    <dgm:scene3d>
+      <a:camera prst="orthographicFront"/>
+      <a:lightRig rig="threePt" dir="t"/>
+    </dgm:scene3d>
+    <dgm:sp3d/>
+    <dgm:txPr/>
+    <dgm:style>
+      <a:lnRef idx="2">
+        <a:scrgbClr r="0" g="0" b="0"/>
+      </a:lnRef>
+      <a:fillRef idx="1">
+        <a:scrgbClr r="0" g="0" b="0"/>
+      </a:fillRef>
+      <a:effectRef idx="0">
+        <a:scrgbClr r="0" g="0" b="0"/>
+      </a:effectRef>
+      <a:fontRef idx="minor"/>
+    </dgm:style>
+  </dgm:styleLbl>
+  <dgm:styleLbl name="sibTrans2D1">
+    <dgm:scene3d>
+      <a:camera prst="orthographicFront"/>
+      <a:lightRig rig="threePt" dir="t"/>
+    </dgm:scene3d>
+    <dgm:sp3d/>
+    <dgm:txPr/>
+    <dgm:style>
+      <a:lnRef idx="0">
+        <a:scrgbClr r="0" g="0" b="0"/>
+      </a:lnRef>
+      <a:fillRef idx="1">
+        <a:scrgbClr r="0" g="0" b="0"/>
+      </a:fillRef>
+      <a:effectRef idx="0">
+        <a:scrgbClr r="0" g="0" b="0"/>
+      </a:effectRef>
+      <a:fontRef idx="minor">
+        <a:schemeClr val="lt1"/>
+      </a:fontRef>
+    </dgm:style>
+  </dgm:styleLbl>
+  <dgm:styleLbl name="fgSibTrans2D1">
+    <dgm:scene3d>
+      <a:camera prst="orthographicFront"/>
+      <a:lightRig rig="threePt" dir="t"/>
+    </dgm:scene3d>
+    <dgm:sp3d/>
+    <dgm:txPr/>
+    <dgm:style>
+      <a:lnRef idx="0">
+        <a:scrgbClr r="0" g="0" b="0"/>
+      </a:lnRef>
+      <a:fillRef idx="1">
+        <a:scrgbClr r="0" g="0" b="0"/>
+      </a:fillRef>
+      <a:effectRef idx="0">
+        <a:scrgbClr r="0" g="0" b="0"/>
+      </a:effectRef>
+      <a:fontRef idx="minor">
+        <a:schemeClr val="lt1"/>
+      </a:fontRef>
+    </dgm:style>
+  </dgm:styleLbl>
+  <dgm:styleLbl name="bgSibTrans2D1">
+    <dgm:scene3d>
+      <a:camera prst="orthographicFront"/>
+      <a:lightRig rig="threePt" dir="t"/>
+    </dgm:scene3d>
+    <dgm:sp3d/>
+    <dgm:txPr/>
+    <dgm:style>
+      <a:lnRef idx="0">
+        <a:scrgbClr r="0" g="0" b="0"/>
+      </a:lnRef>
+      <a:fillRef idx="1">
+        <a:scrgbClr r="0" g="0" b="0"/>
+      </a:fillRef>
+      <a:effectRef idx="0">
+        <a:scrgbClr r="0" g="0" b="0"/>
+      </a:effectRef>
+      <a:fontRef idx="minor">
+        <a:schemeClr val="lt1"/>
+      </a:fontRef>
+    </dgm:style>
+  </dgm:styleLbl>
+  <dgm:styleLbl name="sibTrans1D1">
+    <dgm:scene3d>
+      <a:camera prst="orthographicFront"/>
+      <a:lightRig rig="threePt" dir="t"/>
+    </dgm:scene3d>
+    <dgm:sp3d/>
+    <dgm:txPr/>
+    <dgm:style>
+      <a:lnRef idx="1">
+        <a:scrgbClr r="0" g="0" b="0"/>
+      </a:lnRef>
+      <a:fillRef idx="0">
+        <a:scrgbClr r="0" g="0" b="0"/>
+      </a:fillRef>
+      <a:effectRef idx="0">
+        <a:scrgbClr r="0" g="0" b="0"/>
+      </a:effectRef>
+      <a:fontRef idx="minor"/>
+    </dgm:style>
+  </dgm:styleLbl>
+  <dgm:styleLbl name="callout">
+    <dgm:scene3d>
+      <a:camera prst="orthographicFront"/>
+      <a:lightRig rig="threePt" dir="t"/>
+    </dgm:scene3d>
+    <dgm:sp3d/>
+    <dgm:txPr/>
+    <dgm:style>
+      <a:lnRef idx="2">
+        <a:scrgbClr r="0" g="0" b="0"/>
+      </a:lnRef>
+      <a:fillRef idx="1">
+        <a:scrgbClr r="0" g="0" b="0"/>
+      </a:fillRef>
+      <a:effectRef idx="0">
+        <a:scrgbClr r="0" g="0" b="0"/>
+      </a:effectRef>
+      <a:fontRef idx="minor"/>
+    </dgm:style>
+  </dgm:styleLbl>
+  <dgm:styleLbl name="asst0">
+    <dgm:scene3d>
+      <a:camera prst="orthographicFront"/>
+      <a:lightRig rig="threePt" dir="t"/>
+    </dgm:scene3d>
+    <dgm:sp3d/>
+    <dgm:txPr/>
+    <dgm:style>
+      <a:lnRef idx="2">
+        <a:scrgbClr r="0" g="0" b="0"/>
+      </a:lnRef>
+      <a:fillRef idx="1">
+        <a:scrgbClr r="0" g="0" b="0"/>
+      </a:fillRef>
+      <a:effectRef idx="0">
+        <a:scrgbClr r="0" g="0" b="0"/>
+      </a:effectRef>
+      <a:fontRef idx="minor">
+        <a:schemeClr val="lt1"/>
+      </a:fontRef>
+    </dgm:style>
+  </dgm:styleLbl>
+  <dgm:styleLbl name="asst1">
+    <dgm:scene3d>
+      <a:camera prst="orthographicFront"/>
+      <a:lightRig rig="threePt" dir="t"/>
+    </dgm:scene3d>
+    <dgm:sp3d/>
+    <dgm:txPr/>
+    <dgm:style>
+      <a:lnRef idx="2">
+        <a:scrgbClr r="0" g="0" b="0"/>
+      </a:lnRef>
+      <a:fillRef idx="1">
+        <a:scrgbClr r="0" g="0" b="0"/>
+      </a:fillRef>
+      <a:effectRef idx="0">
+        <a:scrgbClr r="0" g="0" b="0"/>
+      </a:effectRef>
+      <a:fontRef idx="minor">
+        <a:schemeClr val="lt1"/>
+      </a:fontRef>
+    </dgm:style>
+  </dgm:styleLbl>
+  <dgm:styleLbl name="asst2">
+    <dgm:scene3d>
+      <a:camera prst="orthographicFront"/>
+      <a:lightRig rig="threePt" dir="t"/>
+    </dgm:scene3d>
+    <dgm:sp3d/>
+    <dgm:txPr/>
+    <dgm:style>
+      <a:lnRef idx="2">
+        <a:scrgbClr r="0" g="0" b="0"/>
+      </a:lnRef>
+      <a:fillRef idx="1">
+        <a:scrgbClr r="0" g="0" b="0"/>
+      </a:fillRef>
+      <a:effectRef idx="0">
+        <a:scrgbClr r="0" g="0" b="0"/>
+      </a:effectRef>
+      <a:fontRef idx="minor">
+        <a:schemeClr val="lt1"/>
+      </a:fontRef>
+    </dgm:style>
+  </dgm:styleLbl>
+  <dgm:styleLbl name="asst3">
+    <dgm:scene3d>
+      <a:camera prst="orthographicFront"/>
+      <a:lightRig rig="threePt" dir="t"/>
+    </dgm:scene3d>
+    <dgm:sp3d/>
+    <dgm:txPr/>
+    <dgm:style>
+      <a:lnRef idx="2">
+        <a:scrgbClr r="0" g="0" b="0"/>
+      </a:lnRef>
+      <a:fillRef idx="1">
+        <a:scrgbClr r="0" g="0" b="0"/>
+      </a:fillRef>
+      <a:effectRef idx="0">
+        <a:scrgbClr r="0" g="0" b="0"/>
+      </a:effectRef>
+      <a:fontRef idx="minor">
+        <a:schemeClr val="lt1"/>
+      </a:fontRef>
+    </dgm:style>
+  </dgm:styleLbl>
+  <dgm:styleLbl name="asst4">
+    <dgm:scene3d>
+      <a:camera prst="orthographicFront"/>
+      <a:lightRig rig="threePt" dir="t"/>
+    </dgm:scene3d>
+    <dgm:sp3d/>
+    <dgm:txPr/>
+    <dgm:style>
+      <a:lnRef idx="2">
+        <a:scrgbClr r="0" g="0" b="0"/>
+      </a:lnRef>
+      <a:fillRef idx="1">
+        <a:scrgbClr r="0" g="0" b="0"/>
+      </a:fillRef>
+      <a:effectRef idx="0">
+        <a:scrgbClr r="0" g="0" b="0"/>
+      </a:effectRef>
+      <a:fontRef idx="minor">
+        <a:schemeClr val="lt1"/>
+      </a:fontRef>
+    </dgm:style>
+  </dgm:styleLbl>
+  <dgm:styleLbl name="parChTrans2D1">
+    <dgm:scene3d>
+      <a:camera prst="orthographicFront"/>
+      <a:lightRig rig="threePt" dir="t"/>
+    </dgm:scene3d>
+    <dgm:sp3d/>
+    <dgm:txPr/>
+    <dgm:style>
+      <a:lnRef idx="2">
+        <a:scrgbClr r="0" g="0" b="0"/>
+      </a:lnRef>
+      <a:fillRef idx="1">
+        <a:scrgbClr r="0" g="0" b="0"/>
+      </a:fillRef>
+      <a:effectRef idx="0">
+        <a:scrgbClr r="0" g="0" b="0"/>
+      </a:effectRef>
+      <a:fontRef idx="minor">
+        <a:schemeClr val="lt1"/>
+      </a:fontRef>
+    </dgm:style>
+  </dgm:styleLbl>
+  <dgm:styleLbl name="parChTrans2D2">
+    <dgm:scene3d>
+      <a:camera prst="orthographicFront"/>
+      <a:lightRig rig="threePt" dir="t"/>
+    </dgm:scene3d>
+    <dgm:sp3d/>
+    <dgm:txPr/>
+    <dgm:style>
+      <a:lnRef idx="2">
+        <a:scrgbClr r="0" g="0" b="0"/>
+      </a:lnRef>
+      <a:fillRef idx="1">
+        <a:scrgbClr r="0" g="0" b="0"/>
+      </a:fillRef>
+      <a:effectRef idx="0">
+        <a:scrgbClr r="0" g="0" b="0"/>
+      </a:effectRef>
+      <a:fontRef idx="minor">
+        <a:schemeClr val="lt1"/>
+      </a:fontRef>
+    </dgm:style>
+  </dgm:styleLbl>
+  <dgm:styleLbl name="parChTrans2D3">
+    <dgm:scene3d>
+      <a:camera prst="orthographicFront"/>
+      <a:lightRig rig="threePt" dir="t"/>
+    </dgm:scene3d>
+    <dgm:sp3d/>
+    <dgm:txPr/>
+    <dgm:style>
+      <a:lnRef idx="2">
+        <a:scrgbClr r="0" g="0" b="0"/>
+      </a:lnRef>
+      <a:fillRef idx="1">
+        <a:scrgbClr r="0" g="0" b="0"/>
+      </a:fillRef>
+      <a:effectRef idx="0">
+        <a:scrgbClr r="0" g="0" b="0"/>
+      </a:effectRef>
+      <a:fontRef idx="minor">
+        <a:schemeClr val="lt1"/>
+      </a:fontRef>
+    </dgm:style>
+  </dgm:styleLbl>
+  <dgm:styleLbl name="parChTrans2D4">
+    <dgm:scene3d>
+      <a:camera prst="orthographicFront"/>
+      <a:lightRig rig="threePt" dir="t"/>
+    </dgm:scene3d>
+    <dgm:sp3d/>
+    <dgm:txPr/>
+    <dgm:style>
+      <a:lnRef idx="2">
+        <a:scrgbClr r="0" g="0" b="0"/>
+      </a:lnRef>
+      <a:fillRef idx="1">
+        <a:scrgbClr r="0" g="0" b="0"/>
+      </a:fillRef>
+      <a:effectRef idx="0">
+        <a:scrgbClr r="0" g="0" b="0"/>
+      </a:effectRef>
+      <a:fontRef idx="minor">
+        <a:schemeClr val="lt1"/>
+      </a:fontRef>
+    </dgm:style>
+  </dgm:styleLbl>
+  <dgm:styleLbl name="parChTrans1D1">
+    <dgm:scene3d>
+      <a:camera prst="orthographicFront"/>
+      <a:lightRig rig="threePt" dir="t"/>
+    </dgm:scene3d>
+    <dgm:sp3d/>
+    <dgm:txPr/>
+    <dgm:style>
+      <a:lnRef idx="2">
+        <a:scrgbClr r="0" g="0" b="0"/>
+      </a:lnRef>
+      <a:fillRef idx="0">
+        <a:scrgbClr r="0" g="0" b="0"/>
+      </a:fillRef>
+      <a:effectRef idx="0">
+        <a:scrgbClr r="0" g="0" b="0"/>
+      </a:effectRef>
+      <a:fontRef idx="minor"/>
+    </dgm:style>
+  </dgm:styleLbl>
+  <dgm:styleLbl name="parChTrans1D2">
+    <dgm:scene3d>
+      <a:camera prst="orthographicFront"/>
+      <a:lightRig rig="threePt" dir="t"/>
+    </dgm:scene3d>
+    <dgm:sp3d/>
+    <dgm:txPr/>
+    <dgm:style>
+      <a:lnRef idx="2">
+        <a:scrgbClr r="0" g="0" b="0"/>
+      </a:lnRef>
+      <a:fillRef idx="0">
+        <a:scrgbClr r="0" g="0" b="0"/>
+      </a:fillRef>
+      <a:effectRef idx="0">
+        <a:scrgbClr r="0" g="0" b="0"/>
+      </a:effectRef>
+      <a:fontRef idx="minor"/>
+    </dgm:style>
+  </dgm:styleLbl>
+  <dgm:styleLbl name="parChTrans1D3">
+    <dgm:scene3d>
+      <a:camera prst="orthographicFront"/>
+      <a:lightRig rig="threePt" dir="t"/>
+    </dgm:scene3d>
+    <dgm:sp3d/>
+    <dgm:txPr/>
+    <dgm:style>
+      <a:lnRef idx="2">
+        <a:scrgbClr r="0" g="0" b="0"/>
+      </a:lnRef>
+      <a:fillRef idx="0">
+        <a:scrgbClr r="0" g="0" b="0"/>
+      </a:fillRef>
+      <a:effectRef idx="0">
+        <a:scrgbClr r="0" g="0" b="0"/>
+      </a:effectRef>
+      <a:fontRef idx="minor"/>
+    </dgm:style>
+  </dgm:styleLbl>
+  <dgm:styleLbl name="parChTrans1D4">
+    <dgm:scene3d>
+      <a:camera prst="orthographicFront"/>
+      <a:lightRig rig="threePt" dir="t"/>
+    </dgm:scene3d>
+    <dgm:sp3d/>
+    <dgm:txPr/>
+    <dgm:style>
+      <a:lnRef idx="2">
+        <a:scrgbClr r="0" g="0" b="0"/>
+      </a:lnRef>
+      <a:fillRef idx="0">
+        <a:scrgbClr r="0" g="0" b="0"/>
+      </a:fillRef>
+      <a:effectRef idx="0">
+        <a:scrgbClr r="0" g="0" b="0"/>
+      </a:effectRef>
+      <a:fontRef idx="minor"/>
+    </dgm:style>
+  </dgm:styleLbl>
+  <dgm:styleLbl name="fgAcc1">
+    <dgm:scene3d>
+      <a:camera prst="orthographicFront"/>
+      <a:lightRig rig="threePt" dir="t"/>
+    </dgm:scene3d>
+    <dgm:sp3d/>
+    <dgm:txPr/>
+    <dgm:style>
+      <a:lnRef idx="2">
+        <a:scrgbClr r="0" g="0" b="0"/>
+      </a:lnRef>
+      <a:fillRef idx="1">
+        <a:scrgbClr r="0" g="0" b="0"/>
+      </a:fillRef>
+      <a:effectRef idx="0">
+        <a:scrgbClr r="0" g="0" b="0"/>
+      </a:effectRef>
+      <a:fontRef idx="minor"/>
+    </dgm:style>
+  </dgm:styleLbl>
+  <dgm:styleLbl name="conFgAcc1">
+    <dgm:scene3d>
+      <a:camera prst="orthographicFront"/>
+      <a:lightRig rig="threePt" dir="t"/>
+    </dgm:scene3d>
+    <dgm:sp3d/>
+    <dgm:txPr/>
+    <dgm:style>
+      <a:lnRef idx="2">
+        <a:scrgbClr r="0" g="0" b="0"/>
+      </a:lnRef>
+      <a:fillRef idx="1">
+        <a:scrgbClr r="0" g="0" b="0"/>
+      </a:fillRef>
+      <a:effectRef idx="0">
+        <a:scrgbClr r="0" g="0" b="0"/>
+      </a:effectRef>
+      <a:fontRef idx="minor"/>
+    </dgm:style>
+  </dgm:styleLbl>
+  <dgm:styleLbl name="alignAcc1">
+    <dgm:scene3d>
+      <a:camera prst="orthographicFront"/>
+      <a:lightRig rig="threePt" dir="t"/>
+    </dgm:scene3d>
+    <dgm:sp3d/>
+    <dgm:txPr/>
+    <dgm:style>
+      <a:lnRef idx="2">
+        <a:scrgbClr r="0" g="0" b="0"/>
+      </a:lnRef>
+      <a:fillRef idx="1">
+        <a:scrgbClr r="0" g="0" b="0"/>
+      </a:fillRef>
+      <a:effectRef idx="0">
+        <a:scrgbClr r="0" g="0" b="0"/>
+      </a:effectRef>
+      <a:fontRef idx="minor"/>
+    </dgm:style>
+  </dgm:styleLbl>
+  <dgm:styleLbl name="trAlignAcc1">
+    <dgm:scene3d>
+      <a:camera prst="orthographicFront"/>
+      <a:lightRig rig="threePt" dir="t"/>
+    </dgm:scene3d>
+    <dgm:sp3d/>
+    <dgm:txPr/>
+    <dgm:style>
+      <a:lnRef idx="1">
+        <a:scrgbClr r="0" g="0" b="0"/>
+      </a:lnRef>
+      <a:fillRef idx="1">
+        <a:scrgbClr r="0" g="0" b="0"/>
+      </a:fillRef>
+      <a:effectRef idx="0">
+        <a:scrgbClr r="0" g="0" b="0"/>
+      </a:effectRef>
+      <a:fontRef idx="minor"/>
+    </dgm:style>
+  </dgm:styleLbl>
+  <dgm:styleLbl name="bgAcc1">
+    <dgm:scene3d>
+      <a:camera prst="orthographicFront"/>
+      <a:lightRig rig="threePt" dir="t"/>
+    </dgm:scene3d>
+    <dgm:sp3d/>
+    <dgm:txPr/>
+    <dgm:style>
+      <a:lnRef idx="2">
+        <a:scrgbClr r="0" g="0" b="0"/>
+      </a:lnRef>
+      <a:fillRef idx="1">
+        <a:scrgbClr r="0" g="0" b="0"/>
+      </a:fillRef>
+      <a:effectRef idx="0">
+        <a:scrgbClr r="0" g="0" b="0"/>
+      </a:effectRef>
+      <a:fontRef idx="minor"/>
+    </dgm:style>
+  </dgm:styleLbl>
+  <dgm:styleLbl name="solidFgAcc1">
+    <dgm:scene3d>
+      <a:camera prst="orthographicFront"/>
+      <a:lightRig rig="threePt" dir="t"/>
+    </dgm:scene3d>
+    <dgm:sp3d/>
+    <dgm:txPr/>
+    <dgm:style>
+      <a:lnRef idx="2">
+        <a:scrgbClr r="0" g="0" b="0"/>
+      </a:lnRef>
+      <a:fillRef idx="1">
+        <a:scrgbClr r="0" g="0" b="0"/>
+      </a:fillRef>
+      <a:effectRef idx="0">
+        <a:scrgbClr r="0" g="0" b="0"/>
+      </a:effectRef>
+      <a:fontRef idx="minor"/>
+    </dgm:style>
+  </dgm:styleLbl>
+  <dgm:styleLbl name="solidAlignAcc1">
+    <dgm:scene3d>
+      <a:camera prst="orthographicFront"/>
+      <a:lightRig rig="threePt" dir="t"/>
+    </dgm:scene3d>
+    <dgm:sp3d/>
+    <dgm:txPr/>
+    <dgm:style>
+      <a:lnRef idx="2">
+        <a:scrgbClr r="0" g="0" b="0"/>
+      </a:lnRef>
+      <a:fillRef idx="1">
+        <a:scrgbClr r="0" g="0" b="0"/>
+      </a:fillRef>
+      <a:effectRef idx="0">
+        <a:scrgbClr r="0" g="0" b="0"/>
+      </a:effectRef>
+      <a:fontRef idx="minor"/>
+    </dgm:style>
+  </dgm:styleLbl>
+  <dgm:styleLbl name="solidBgAcc1">
+    <dgm:scene3d>
+      <a:camera prst="orthographicFront"/>
+      <a:lightRig rig="threePt" dir="t"/>
+    </dgm:scene3d>
+    <dgm:sp3d/>
+    <dgm:txPr/>
+    <dgm:style>
+      <a:lnRef idx="2">
+        <a:scrgbClr r="0" g="0" b="0"/>
+      </a:lnRef>
+      <a:fillRef idx="1">
+        <a:scrgbClr r="0" g="0" b="0"/>
+      </a:fillRef>
+      <a:effectRef idx="0">
+        <a:scrgbClr r="0" g="0" b="0"/>
+      </a:effectRef>
+      <a:fontRef idx="minor"/>
+    </dgm:style>
+  </dgm:styleLbl>
+  <dgm:styleLbl name="fgAccFollowNode1">
+    <dgm:scene3d>
+      <a:camera prst="orthographicFront"/>
+      <a:lightRig rig="threePt" dir="t"/>
+    </dgm:scene3d>
+    <dgm:sp3d/>
+    <dgm:txPr/>
+    <dgm:style>
+      <a:lnRef idx="2">
+        <a:scrgbClr r="0" g="0" b="0"/>
+      </a:lnRef>
+      <a:fillRef idx="1">
+        <a:scrgbClr r="0" g="0" b="0"/>
+      </a:fillRef>
+      <a:effectRef idx="0">
+        <a:scrgbClr r="0" g="0" b="0"/>
+      </a:effectRef>
+      <a:fontRef idx="minor"/>
+    </dgm:style>
+  </dgm:styleLbl>
+  <dgm:styleLbl name="alignAccFollowNode1">
+    <dgm:scene3d>
+      <a:camera prst="orthographicFront"/>
+      <a:lightRig rig="threePt" dir="t"/>
+    </dgm:scene3d>
+    <dgm:sp3d/>
+    <dgm:txPr/>
+    <dgm:style>
+      <a:lnRef idx="2">
+        <a:scrgbClr r="0" g="0" b="0"/>
+      </a:lnRef>
+      <a:fillRef idx="1">
+        <a:scrgbClr r="0" g="0" b="0"/>
+      </a:fillRef>
+      <a:effectRef idx="0">
+        <a:scrgbClr r="0" g="0" b="0"/>
+      </a:effectRef>
+      <a:fontRef idx="minor"/>
+    </dgm:style>
+  </dgm:styleLbl>
+  <dgm:styleLbl name="bgAccFollowNode1">
+    <dgm:scene3d>
+      <a:camera prst="orthographicFront"/>
+      <a:lightRig rig="threePt" dir="t"/>
+    </dgm:scene3d>
+    <dgm:sp3d/>
+    <dgm:txPr/>
+    <dgm:style>
+      <a:lnRef idx="2">
+        <a:scrgbClr r="0" g="0" b="0"/>
+      </a:lnRef>
+      <a:fillRef idx="1">
+        <a:scrgbClr r="0" g="0" b="0"/>
+      </a:fillRef>
+      <a:effectRef idx="0">
+        <a:scrgbClr r="0" g="0" b="0"/>
+      </a:effectRef>
+      <a:fontRef idx="minor"/>
+    </dgm:style>
+  </dgm:styleLbl>
+  <dgm:styleLbl name="fgAcc0">
+    <dgm:scene3d>
+      <a:camera prst="orthographicFront"/>
+      <a:lightRig rig="threePt" dir="t"/>
+    </dgm:scene3d>
+    <dgm:sp3d/>
+    <dgm:txPr/>
+    <dgm:style>
+      <a:lnRef idx="2">
+        <a:scrgbClr r="0" g="0" b="0"/>
+      </a:lnRef>
+      <a:fillRef idx="1">
+        <a:scrgbClr r="0" g="0" b="0"/>
+      </a:fillRef>
+      <a:effectRef idx="0">
+        <a:scrgbClr r="0" g="0" b="0"/>
+      </a:effectRef>
+      <a:fontRef idx="minor"/>
+    </dgm:style>
+  </dgm:styleLbl>
+  <dgm:styleLbl name="fgAcc2">
+    <dgm:scene3d>
+      <a:camera prst="orthographicFront"/>
+      <a:lightRig rig="threePt" dir="t"/>
+    </dgm:scene3d>
+    <dgm:sp3d/>
+    <dgm:txPr/>
+    <dgm:style>
+      <a:lnRef idx="2">
+        <a:scrgbClr r="0" g="0" b="0"/>
+      </a:lnRef>
+      <a:fillRef idx="1">
+        <a:scrgbClr r="0" g="0" b="0"/>
+      </a:fillRef>
+      <a:effectRef idx="0">
+        <a:scrgbClr r="0" g="0" b="0"/>
+      </a:effectRef>
+      <a:fontRef idx="minor"/>
+    </dgm:style>
+  </dgm:styleLbl>
+  <dgm:styleLbl name="fgAcc3">
+    <dgm:scene3d>
+      <a:camera prst="orthographicFront"/>
+      <a:lightRig rig="threePt" dir="t"/>
+    </dgm:scene3d>
+    <dgm:sp3d/>
+    <dgm:txPr/>
+    <dgm:style>
+      <a:lnRef idx="2">
+        <a:scrgbClr r="0" g="0" b="0"/>
+      </a:lnRef>
+      <a:fillRef idx="1">
+        <a:scrgbClr r="0" g="0" b="0"/>
+      </a:fillRef>
+      <a:effectRef idx="0">
+        <a:scrgbClr r="0" g="0" b="0"/>
+      </a:effectRef>
+      <a:fontRef idx="minor"/>
+    </dgm:style>
+  </dgm:styleLbl>
+  <dgm:styleLbl name="fgAcc4">
+    <dgm:scene3d>
+      <a:camera prst="orthographicFront"/>
+      <a:lightRig rig="threePt" dir="t"/>
+    </dgm:scene3d>
+    <dgm:sp3d/>
+    <dgm:txPr/>
+    <dgm:style>
+      <a:lnRef idx="2">
+        <a:scrgbClr r="0" g="0" b="0"/>
+      </a:lnRef>
+      <a:fillRef idx="1">
+        <a:scrgbClr r="0" g="0" b="0"/>
+      </a:fillRef>
+      <a:effectRef idx="0">
+        <a:scrgbClr r="0" g="0" b="0"/>
+      </a:effectRef>
+      <a:fontRef idx="minor"/>
+    </dgm:style>
+  </dgm:styleLbl>
+  <dgm:styleLbl name="bgShp">
+    <dgm:scene3d>
+      <a:camera prst="orthographicFront"/>
+      <a:lightRig rig="threePt" dir="t"/>
+    </dgm:scene3d>
+    <dgm:sp3d/>
+    <dgm:txPr/>
+    <dgm:style>
+      <a:lnRef idx="0">
+        <a:scrgbClr r="0" g="0" b="0"/>
+      </a:lnRef>
+      <a:fillRef idx="1">
+        <a:scrgbClr r="0" g="0" b="0"/>
+      </a:fillRef>
+      <a:effectRef idx="0">
+        <a:scrgbClr r="0" g="0" b="0"/>
+      </a:effectRef>
+      <a:fontRef idx="minor"/>
+    </dgm:style>
+  </dgm:styleLbl>
+  <dgm:styleLbl name="dkBgShp">
+    <dgm:scene3d>
+      <a:camera prst="orthographicFront"/>
+      <a:lightRig rig="threePt" dir="t"/>
+    </dgm:scene3d>
+    <dgm:sp3d/>
+    <dgm:txPr/>
+    <dgm:style>
+      <a:lnRef idx="0">
+        <a:scrgbClr r="0" g="0" b="0"/>
+      </a:lnRef>
+      <a:fillRef idx="1">
+        <a:scrgbClr r="0" g="0" b="0"/>
+      </a:fillRef>
+      <a:effectRef idx="0">
+        <a:scrgbClr r="0" g="0" b="0"/>
+      </a:effectRef>
+      <a:fontRef idx="minor"/>
+    </dgm:style>
+  </dgm:styleLbl>
+  <dgm:styleLbl name="trBgShp">
+    <dgm:scene3d>
+      <a:camera prst="orthographicFront"/>
+      <a:lightRig rig="threePt" dir="t"/>
+    </dgm:scene3d>
+    <dgm:sp3d/>
+    <dgm:txPr/>
+    <dgm:style>
+      <a:lnRef idx="0">
+        <a:scrgbClr r="0" g="0" b="0"/>
+      </a:lnRef>
+      <a:fillRef idx="1">
+        <a:scrgbClr r="0" g="0" b="0"/>
+      </a:fillRef>
+      <a:effectRef idx="0">
+        <a:scrgbClr r="0" g="0" b="0"/>
+      </a:effectRef>
+      <a:fontRef idx="minor"/>
+    </dgm:style>
+  </dgm:styleLbl>
+  <dgm:styleLbl name="fgShp">
+    <dgm:scene3d>
+      <a:camera prst="orthographicFront"/>
+      <a:lightRig rig="threePt" dir="t"/>
+    </dgm:scene3d>
+    <dgm:sp3d/>
+    <dgm:txPr/>
+    <dgm:style>
+      <a:lnRef idx="2">
+        <a:scrgbClr r="0" g="0" b="0"/>
+      </a:lnRef>
+      <a:fillRef idx="1">
+        <a:scrgbClr r="0" g="0" b="0"/>
+      </a:fillRef>
+      <a:effectRef idx="0">
+        <a:scrgbClr r="0" g="0" b="0"/>
+      </a:effectRef>
+      <a:fontRef idx="minor"/>
+    </dgm:style>
+  </dgm:styleLbl>
+  <dgm:styleLbl name="revTx">
+    <dgm:scene3d>
+      <a:camera prst="orthographicFront"/>
+      <a:lightRig rig="threePt" dir="t"/>
+    </dgm:scene3d>
+    <dgm:sp3d/>
+    <dgm:txPr/>
+    <dgm:style>
+      <a:lnRef idx="0">
+        <a:scrgbClr r="0" g="0" b="0"/>
+      </a:lnRef>
+      <a:fillRef idx="0">
+        <a:scrgbClr r="0" g="0" b="0"/>
+      </a:fillRef>
+      <a:effectRef idx="0">
+        <a:scrgbClr r="0" g="0" b="0"/>
+      </a:effectRef>
+      <a:fontRef idx="minor"/>
+    </dgm:style>
+  </dgm:styleLbl>
+</dgm:styleDef>
+</file>
+
 <file path=ppt/slideLayouts/slideLayout1.xml><?xml version="1.0" encoding="utf-8"?>
 <p:sldLayout xmlns:a="http://schemas.openxmlformats.org/drawingml/2006/main" xmlns:r="http://schemas.openxmlformats.org/officeDocument/2006/relationships" xmlns:p="http://schemas.openxmlformats.org/presentationml/2006/main" type="title" preserve="1">
   <p:cSld name="Title Slide">
@@ -1457,7 +6893,7 @@
           <a:p>
             <a:fld id="{E802D8DB-B055-4223-90B5-C37AE9F46125}" type="datetimeFigureOut">
               <a:rPr lang="en-US" smtClean="0"/>
-              <a:t>4/1/2015</a:t>
+              <a:t>5/13/2015</a:t>
             </a:fld>
             <a:endParaRPr lang="en-US"/>
           </a:p>
@@ -1627,7 +7063,7 @@
           <a:p>
             <a:fld id="{E802D8DB-B055-4223-90B5-C37AE9F46125}" type="datetimeFigureOut">
               <a:rPr lang="en-US" smtClean="0"/>
-              <a:t>4/1/2015</a:t>
+              <a:t>5/13/2015</a:t>
             </a:fld>
             <a:endParaRPr lang="en-US"/>
           </a:p>
@@ -1807,7 +7243,7 @@
           <a:p>
             <a:fld id="{E802D8DB-B055-4223-90B5-C37AE9F46125}" type="datetimeFigureOut">
               <a:rPr lang="en-US" smtClean="0"/>
-              <a:t>4/1/2015</a:t>
+              <a:t>5/13/2015</a:t>
             </a:fld>
             <a:endParaRPr lang="en-US"/>
           </a:p>
@@ -1977,7 +7413,7 @@
           <a:p>
             <a:fld id="{E802D8DB-B055-4223-90B5-C37AE9F46125}" type="datetimeFigureOut">
               <a:rPr lang="en-US" smtClean="0"/>
-              <a:t>4/1/2015</a:t>
+              <a:t>5/13/2015</a:t>
             </a:fld>
             <a:endParaRPr lang="en-US"/>
           </a:p>
@@ -2221,7 +7657,7 @@
           <a:p>
             <a:fld id="{E802D8DB-B055-4223-90B5-C37AE9F46125}" type="datetimeFigureOut">
               <a:rPr lang="en-US" smtClean="0"/>
-              <a:t>4/1/2015</a:t>
+              <a:t>5/13/2015</a:t>
             </a:fld>
             <a:endParaRPr lang="en-US"/>
           </a:p>
@@ -2453,7 +7889,7 @@
           <a:p>
             <a:fld id="{E802D8DB-B055-4223-90B5-C37AE9F46125}" type="datetimeFigureOut">
               <a:rPr lang="en-US" smtClean="0"/>
-              <a:t>4/1/2015</a:t>
+              <a:t>5/13/2015</a:t>
             </a:fld>
             <a:endParaRPr lang="en-US"/>
           </a:p>
@@ -2820,7 +8256,7 @@
           <a:p>
             <a:fld id="{E802D8DB-B055-4223-90B5-C37AE9F46125}" type="datetimeFigureOut">
               <a:rPr lang="en-US" smtClean="0"/>
-              <a:t>4/1/2015</a:t>
+              <a:t>5/13/2015</a:t>
             </a:fld>
             <a:endParaRPr lang="en-US"/>
           </a:p>
@@ -2938,7 +8374,7 @@
           <a:p>
             <a:fld id="{E802D8DB-B055-4223-90B5-C37AE9F46125}" type="datetimeFigureOut">
               <a:rPr lang="en-US" smtClean="0"/>
-              <a:t>4/1/2015</a:t>
+              <a:t>5/13/2015</a:t>
             </a:fld>
             <a:endParaRPr lang="en-US"/>
           </a:p>
@@ -3033,7 +8469,7 @@
           <a:p>
             <a:fld id="{E802D8DB-B055-4223-90B5-C37AE9F46125}" type="datetimeFigureOut">
               <a:rPr lang="en-US" smtClean="0"/>
-              <a:t>4/1/2015</a:t>
+              <a:t>5/13/2015</a:t>
             </a:fld>
             <a:endParaRPr lang="en-US"/>
           </a:p>
@@ -3310,7 +8746,7 @@
           <a:p>
             <a:fld id="{E802D8DB-B055-4223-90B5-C37AE9F46125}" type="datetimeFigureOut">
               <a:rPr lang="en-US" smtClean="0"/>
-              <a:t>4/1/2015</a:t>
+              <a:t>5/13/2015</a:t>
             </a:fld>
             <a:endParaRPr lang="en-US"/>
           </a:p>
@@ -3567,7 +9003,7 @@
           <a:p>
             <a:fld id="{E802D8DB-B055-4223-90B5-C37AE9F46125}" type="datetimeFigureOut">
               <a:rPr lang="en-US" smtClean="0"/>
-              <a:t>4/1/2015</a:t>
+              <a:t>5/13/2015</a:t>
             </a:fld>
             <a:endParaRPr lang="en-US"/>
           </a:p>
@@ -3780,7 +9216,7 @@
           <a:p>
             <a:fld id="{E802D8DB-B055-4223-90B5-C37AE9F46125}" type="datetimeFigureOut">
               <a:rPr lang="en-US" smtClean="0"/>
-              <a:t>4/1/2015</a:t>
+              <a:t>5/13/2015</a:t>
             </a:fld>
             <a:endParaRPr lang="en-US"/>
           </a:p>
@@ -4187,118 +9623,125 @@
       </p:grpSpPr>
       <p:graphicFrame>
         <p:nvGraphicFramePr>
-          <p:cNvPr id="25" name="Chart 24"/>
+          <p:cNvPr id="4" name="Diagram 3"/>
           <p:cNvGraphicFramePr/>
           <p:nvPr>
             <p:extLst>
               <p:ext uri="{D42A27DB-BD31-4B8C-83A1-F6EECF244321}">
-                <p14:modId xmlns:p14="http://schemas.microsoft.com/office/powerpoint/2010/main" val="2701633026"/>
+                <p14:modId xmlns:p14="http://schemas.microsoft.com/office/powerpoint/2010/main" val="624279411"/>
               </p:ext>
             </p:extLst>
           </p:nvPr>
         </p:nvGraphicFramePr>
         <p:xfrm>
-          <a:off x="6060423" y="6600721"/>
-          <a:ext cx="3591577" cy="4093028"/>
+          <a:off x="80683" y="457200"/>
+          <a:ext cx="18118526" cy="13749872"/>
         </p:xfrm>
         <a:graphic>
-          <a:graphicData uri="http://schemas.openxmlformats.org/drawingml/2006/chart">
-            <c:chart xmlns:c="http://schemas.openxmlformats.org/drawingml/2006/chart" xmlns:r="http://schemas.openxmlformats.org/officeDocument/2006/relationships" r:id="rId2"/>
+          <a:graphicData uri="http://schemas.openxmlformats.org/drawingml/2006/diagram">
+            <dgm:relIds xmlns:dgm="http://schemas.openxmlformats.org/drawingml/2006/diagram" xmlns:r="http://schemas.openxmlformats.org/officeDocument/2006/relationships" r:dm="rId2" r:lo="rId3" r:qs="rId4" r:cs="rId5"/>
           </a:graphicData>
         </a:graphic>
       </p:graphicFrame>
-      <p:sp>
-        <p:nvSpPr>
-          <p:cNvPr id="30" name="Right Arrow 29"/>
-          <p:cNvSpPr/>
-          <p:nvPr/>
-        </p:nvSpPr>
-        <p:spPr>
-          <a:xfrm>
-            <a:off x="4170974" y="2314234"/>
-            <a:ext cx="1593618" cy="253525"/>
-          </a:xfrm>
-          <a:prstGeom prst="rightArrow">
-            <a:avLst/>
-          </a:prstGeom>
-        </p:spPr>
-        <p:style>
-          <a:lnRef idx="2">
-            <a:schemeClr val="accent1">
-              <a:shade val="50000"/>
-            </a:schemeClr>
-          </a:lnRef>
-          <a:fillRef idx="1">
-            <a:schemeClr val="accent1"/>
-          </a:fillRef>
-          <a:effectRef idx="0">
-            <a:schemeClr val="accent1"/>
-          </a:effectRef>
-          <a:fontRef idx="minor">
-            <a:schemeClr val="lt1"/>
-          </a:fontRef>
-        </p:style>
-        <p:txBody>
-          <a:bodyPr rtlCol="0" anchor="ctr"/>
-          <a:lstStyle/>
-          <a:p>
-            <a:pPr algn="ctr"/>
-            <a:endParaRPr lang="en-US"/>
-          </a:p>
-        </p:txBody>
-      </p:sp>
       <p:pic>
         <p:nvPicPr>
-          <p:cNvPr id="35" name="Picture 34"/>
+          <p:cNvPr id="5" name="Picture 4"/>
           <p:cNvPicPr>
             <a:picLocks noChangeAspect="1"/>
           </p:cNvPicPr>
           <p:nvPr/>
         </p:nvPicPr>
-        <p:blipFill rotWithShape="1">
-          <a:blip r:embed="rId3">
+        <p:blipFill>
+          <a:blip r:embed="rId7" cstate="print">
             <a:extLst>
               <a:ext uri="{28A0092B-C50C-407E-A947-70E740481C1C}">
                 <a14:useLocalDpi xmlns:a14="http://schemas.microsoft.com/office/drawing/2010/main" val="0"/>
               </a:ext>
             </a:extLst>
           </a:blip>
-          <a:srcRect l="14764" b="13595"/>
-          <a:stretch/>
+          <a:stretch>
+            <a:fillRect/>
+          </a:stretch>
         </p:blipFill>
         <p:spPr>
           <a:xfrm>
-            <a:off x="12105994" y="458353"/>
-            <a:ext cx="3734733" cy="3678823"/>
+            <a:off x="912353" y="1253311"/>
+            <a:ext cx="2353325" cy="1764994"/>
           </a:xfrm>
           <a:prstGeom prst="rect">
             <a:avLst/>
           </a:prstGeom>
-          <a:ln w="38100" cap="sq">
-            <a:solidFill>
-              <a:srgbClr val="000000"/>
-            </a:solidFill>
-            <a:prstDash val="solid"/>
-            <a:miter lim="800000"/>
-          </a:ln>
-          <a:effectLst>
-            <a:outerShdw blurRad="50800" dist="38100" dir="2700000" algn="tl" rotWithShape="0">
-              <a:srgbClr val="000000">
-                <a:alpha val="43000"/>
-              </a:srgbClr>
-            </a:outerShdw>
-          </a:effectLst>
+        </p:spPr>
+      </p:pic>
+      <p:pic>
+        <p:nvPicPr>
+          <p:cNvPr id="6" name="Picture 5"/>
+          <p:cNvPicPr>
+            <a:picLocks noChangeAspect="1"/>
+          </p:cNvPicPr>
+          <p:nvPr/>
+        </p:nvPicPr>
+        <p:blipFill>
+          <a:blip r:embed="rId8" cstate="print">
+            <a:extLst>
+              <a:ext uri="{28A0092B-C50C-407E-A947-70E740481C1C}">
+                <a14:useLocalDpi xmlns:a14="http://schemas.microsoft.com/office/drawing/2010/main" val="0"/>
+              </a:ext>
+            </a:extLst>
+          </a:blip>
+          <a:stretch>
+            <a:fillRect/>
+          </a:stretch>
+        </p:blipFill>
+        <p:spPr>
+          <a:xfrm>
+            <a:off x="2312444" y="1473057"/>
+            <a:ext cx="1906468" cy="1752854"/>
+          </a:xfrm>
+          <a:prstGeom prst="rect">
+            <a:avLst/>
+          </a:prstGeom>
+        </p:spPr>
+      </p:pic>
+      <p:pic>
+        <p:nvPicPr>
+          <p:cNvPr id="7" name="Picture 6"/>
+          <p:cNvPicPr>
+            <a:picLocks noChangeAspect="1"/>
+          </p:cNvPicPr>
+          <p:nvPr/>
+        </p:nvPicPr>
+        <p:blipFill>
+          <a:blip r:embed="rId9" cstate="print">
+            <a:extLst>
+              <a:ext uri="{28A0092B-C50C-407E-A947-70E740481C1C}">
+                <a14:useLocalDpi xmlns:a14="http://schemas.microsoft.com/office/drawing/2010/main" val="0"/>
+              </a:ext>
+            </a:extLst>
+          </a:blip>
+          <a:stretch>
+            <a:fillRect/>
+          </a:stretch>
+        </p:blipFill>
+        <p:spPr>
+          <a:xfrm>
+            <a:off x="3813120" y="1971151"/>
+            <a:ext cx="1100492" cy="1371800"/>
+          </a:xfrm>
+          <a:prstGeom prst="rect">
+            <a:avLst/>
+          </a:prstGeom>
         </p:spPr>
       </p:pic>
       <p:grpSp>
         <p:nvGrpSpPr>
-          <p:cNvPr id="43" name="Group 42"/>
+          <p:cNvPr id="8" name="Group 7"/>
           <p:cNvGrpSpPr/>
           <p:nvPr/>
         </p:nvGrpSpPr>
         <p:grpSpPr>
           <a:xfrm>
-            <a:off x="6066853" y="1740310"/>
+            <a:off x="7560373" y="1618706"/>
             <a:ext cx="1012374" cy="1474416"/>
             <a:chOff x="10874826" y="7895772"/>
             <a:chExt cx="1534889" cy="2764968"/>
@@ -4306,7 +9749,7 @@
         </p:grpSpPr>
         <p:sp>
           <p:nvSpPr>
-            <p:cNvPr id="36" name="Double Bracket 35"/>
+            <p:cNvPr id="9" name="Double Bracket 8"/>
             <p:cNvSpPr/>
             <p:nvPr/>
           </p:nvSpPr>
@@ -4345,7 +9788,7 @@
         </p:sp>
         <p:sp>
           <p:nvSpPr>
-            <p:cNvPr id="38" name="Minus 37"/>
+            <p:cNvPr id="10" name="Minus 9"/>
             <p:cNvSpPr/>
             <p:nvPr/>
           </p:nvSpPr>
@@ -4385,7 +9828,7 @@
         </p:sp>
         <p:sp>
           <p:nvSpPr>
-            <p:cNvPr id="39" name="Minus 38"/>
+            <p:cNvPr id="11" name="Minus 10"/>
             <p:cNvSpPr/>
             <p:nvPr/>
           </p:nvSpPr>
@@ -4425,7 +9868,7 @@
         </p:sp>
         <p:sp>
           <p:nvSpPr>
-            <p:cNvPr id="40" name="Minus 39"/>
+            <p:cNvPr id="12" name="Minus 11"/>
             <p:cNvSpPr/>
             <p:nvPr/>
           </p:nvSpPr>
@@ -4465,7 +9908,7 @@
         </p:sp>
         <p:sp>
           <p:nvSpPr>
-            <p:cNvPr id="41" name="Minus 40"/>
+            <p:cNvPr id="13" name="Minus 12"/>
             <p:cNvSpPr/>
             <p:nvPr/>
           </p:nvSpPr>
@@ -4505,7 +9948,7 @@
         </p:sp>
         <p:sp>
           <p:nvSpPr>
-            <p:cNvPr id="42" name="Minus 41"/>
+            <p:cNvPr id="14" name="Minus 13"/>
             <p:cNvSpPr/>
             <p:nvPr/>
           </p:nvSpPr>
@@ -4546,13 +9989,13 @@
       </p:grpSp>
       <p:grpSp>
         <p:nvGrpSpPr>
-          <p:cNvPr id="44" name="Group 43"/>
+          <p:cNvPr id="15" name="Group 14"/>
           <p:cNvGrpSpPr/>
           <p:nvPr/>
         </p:nvGrpSpPr>
         <p:grpSpPr>
           <a:xfrm>
-            <a:off x="7583889" y="1740310"/>
+            <a:off x="9077409" y="1618706"/>
             <a:ext cx="1012374" cy="1474416"/>
             <a:chOff x="10874826" y="7895772"/>
             <a:chExt cx="1534889" cy="2764968"/>
@@ -4560,7 +10003,7 @@
         </p:grpSpPr>
         <p:sp>
           <p:nvSpPr>
-            <p:cNvPr id="45" name="Double Bracket 44"/>
+            <p:cNvPr id="16" name="Double Bracket 15"/>
             <p:cNvSpPr/>
             <p:nvPr/>
           </p:nvSpPr>
@@ -4605,7 +10048,7 @@
         </p:sp>
         <p:sp>
           <p:nvSpPr>
-            <p:cNvPr id="46" name="Minus 45"/>
+            <p:cNvPr id="17" name="Minus 16"/>
             <p:cNvSpPr/>
             <p:nvPr/>
           </p:nvSpPr>
@@ -4657,7 +10100,7 @@
         </p:sp>
         <p:sp>
           <p:nvSpPr>
-            <p:cNvPr id="47" name="Minus 46"/>
+            <p:cNvPr id="18" name="Minus 17"/>
             <p:cNvSpPr/>
             <p:nvPr/>
           </p:nvSpPr>
@@ -4709,7 +10152,7 @@
         </p:sp>
         <p:sp>
           <p:nvSpPr>
-            <p:cNvPr id="48" name="Minus 47"/>
+            <p:cNvPr id="19" name="Minus 18"/>
             <p:cNvSpPr/>
             <p:nvPr/>
           </p:nvSpPr>
@@ -4761,7 +10204,7 @@
         </p:sp>
         <p:sp>
           <p:nvSpPr>
-            <p:cNvPr id="49" name="Minus 48"/>
+            <p:cNvPr id="20" name="Minus 19"/>
             <p:cNvSpPr/>
             <p:nvPr/>
           </p:nvSpPr>
@@ -4813,7 +10256,7 @@
         </p:sp>
         <p:sp>
           <p:nvSpPr>
-            <p:cNvPr id="50" name="Minus 49"/>
+            <p:cNvPr id="21" name="Minus 20"/>
             <p:cNvSpPr/>
             <p:nvPr/>
           </p:nvSpPr>
@@ -4866,13 +10309,13 @@
       </p:grpSp>
       <p:grpSp>
         <p:nvGrpSpPr>
-          <p:cNvPr id="65" name="Group 64"/>
+          <p:cNvPr id="22" name="Group 21"/>
           <p:cNvGrpSpPr/>
           <p:nvPr/>
         </p:nvGrpSpPr>
         <p:grpSpPr>
           <a:xfrm>
-            <a:off x="9073240" y="1740310"/>
+            <a:off x="10566760" y="1618706"/>
             <a:ext cx="1012374" cy="1474416"/>
             <a:chOff x="10874826" y="7895772"/>
             <a:chExt cx="1534889" cy="2764968"/>
@@ -4880,7 +10323,7 @@
         </p:grpSpPr>
         <p:sp>
           <p:nvSpPr>
-            <p:cNvPr id="66" name="Double Bracket 65"/>
+            <p:cNvPr id="23" name="Double Bracket 22"/>
             <p:cNvSpPr/>
             <p:nvPr/>
           </p:nvSpPr>
@@ -4923,7 +10366,7 @@
         </p:sp>
         <p:sp>
           <p:nvSpPr>
-            <p:cNvPr id="67" name="Minus 66"/>
+            <p:cNvPr id="24" name="Minus 23"/>
             <p:cNvSpPr/>
             <p:nvPr/>
           </p:nvSpPr>
@@ -4971,7 +10414,7 @@
         </p:sp>
         <p:sp>
           <p:nvSpPr>
-            <p:cNvPr id="68" name="Minus 67"/>
+            <p:cNvPr id="25" name="Minus 24"/>
             <p:cNvSpPr/>
             <p:nvPr/>
           </p:nvSpPr>
@@ -5019,7 +10462,7 @@
         </p:sp>
         <p:sp>
           <p:nvSpPr>
-            <p:cNvPr id="69" name="Minus 68"/>
+            <p:cNvPr id="26" name="Minus 25"/>
             <p:cNvSpPr/>
             <p:nvPr/>
           </p:nvSpPr>
@@ -5067,7 +10510,7 @@
         </p:sp>
         <p:sp>
           <p:nvSpPr>
-            <p:cNvPr id="70" name="Minus 69"/>
+            <p:cNvPr id="27" name="Minus 26"/>
             <p:cNvSpPr/>
             <p:nvPr/>
           </p:nvSpPr>
@@ -5115,7 +10558,7 @@
         </p:sp>
         <p:sp>
           <p:nvSpPr>
-            <p:cNvPr id="71" name="Minus 70"/>
+            <p:cNvPr id="28" name="Minus 27"/>
             <p:cNvSpPr/>
             <p:nvPr/>
           </p:nvSpPr>
@@ -5162,16 +10605,59 @@
           </p:txBody>
         </p:sp>
       </p:grpSp>
+      <p:pic>
+        <p:nvPicPr>
+          <p:cNvPr id="29" name="Picture 28"/>
+          <p:cNvPicPr>
+            <a:picLocks noChangeAspect="1"/>
+          </p:cNvPicPr>
+          <p:nvPr/>
+        </p:nvPicPr>
+        <p:blipFill rotWithShape="1">
+          <a:blip r:embed="rId10">
+            <a:extLst>
+              <a:ext uri="{28A0092B-C50C-407E-A947-70E740481C1C}">
+                <a14:useLocalDpi xmlns:a14="http://schemas.microsoft.com/office/drawing/2010/main" val="0"/>
+              </a:ext>
+            </a:extLst>
+          </a:blip>
+          <a:srcRect l="14764" b="13595"/>
+          <a:stretch/>
+        </p:blipFill>
+        <p:spPr>
+          <a:xfrm>
+            <a:off x="14976686" y="1285002"/>
+            <a:ext cx="2189334" cy="2156559"/>
+          </a:xfrm>
+          <a:prstGeom prst="rect">
+            <a:avLst/>
+          </a:prstGeom>
+          <a:ln w="38100" cap="sq">
+            <a:solidFill>
+              <a:srgbClr val="000000"/>
+            </a:solidFill>
+            <a:prstDash val="solid"/>
+            <a:miter lim="800000"/>
+          </a:ln>
+          <a:effectLst>
+            <a:outerShdw blurRad="50800" dist="38100" dir="2700000" algn="tl" rotWithShape="0">
+              <a:srgbClr val="000000">
+                <a:alpha val="43000"/>
+              </a:srgbClr>
+            </a:outerShdw>
+          </a:effectLst>
+        </p:spPr>
+      </p:pic>
       <p:sp>
         <p:nvSpPr>
-          <p:cNvPr id="74" name="Freeform 73"/>
+          <p:cNvPr id="30" name="Freeform 29"/>
           <p:cNvSpPr/>
           <p:nvPr/>
         </p:nvSpPr>
         <p:spPr>
-          <a:xfrm>
-            <a:off x="6548284" y="735541"/>
-            <a:ext cx="6400800" cy="975272"/>
+          <a:xfrm rot="196927">
+            <a:off x="8150964" y="525854"/>
+            <a:ext cx="7257180" cy="1317077"/>
           </a:xfrm>
           <a:custGeom>
             <a:avLst/>
@@ -5268,14 +10754,14 @@
       </p:sp>
       <p:sp>
         <p:nvSpPr>
-          <p:cNvPr id="78" name="Freeform 77"/>
+          <p:cNvPr id="31" name="Freeform 30"/>
           <p:cNvSpPr/>
           <p:nvPr/>
         </p:nvSpPr>
         <p:spPr>
           <a:xfrm>
-            <a:off x="8160654" y="2939753"/>
-            <a:ext cx="5675086" cy="1001485"/>
+            <a:off x="9695692" y="2809805"/>
+            <a:ext cx="6352028" cy="1001485"/>
           </a:xfrm>
           <a:custGeom>
             <a:avLst/>
@@ -5318,7 +10804,11 @@
               </a:path>
             </a:pathLst>
           </a:custGeom>
-          <a:noFill/>
+          <a:solidFill>
+            <a:srgbClr val="F8F8F8">
+              <a:alpha val="50196"/>
+            </a:srgbClr>
+          </a:solidFill>
           <a:ln w="28575">
             <a:solidFill>
               <a:schemeClr val="accent4">
@@ -5354,14 +10844,14 @@
       </p:sp>
       <p:sp>
         <p:nvSpPr>
-          <p:cNvPr id="79" name="Freeform 78"/>
+          <p:cNvPr id="32" name="Freeform 31"/>
           <p:cNvSpPr/>
           <p:nvPr/>
         </p:nvSpPr>
         <p:spPr>
-          <a:xfrm>
-            <a:off x="9652000" y="332902"/>
-            <a:ext cx="5181600" cy="1249155"/>
+          <a:xfrm rot="225219">
+            <a:off x="11173442" y="621117"/>
+            <a:ext cx="5384801" cy="1249155"/>
           </a:xfrm>
           <a:custGeom>
             <a:avLst/>
@@ -5436,261 +10926,16 @@
           </a:p>
         </p:txBody>
       </p:sp>
-      <p:sp>
-        <p:nvSpPr>
-          <p:cNvPr id="80" name="Down Arrow 79"/>
-          <p:cNvSpPr/>
-          <p:nvPr/>
-        </p:nvSpPr>
-        <p:spPr>
-          <a:xfrm>
-            <a:off x="13973360" y="5380247"/>
-            <a:ext cx="381000" cy="1371600"/>
-          </a:xfrm>
-          <a:prstGeom prst="downArrow">
-            <a:avLst/>
-          </a:prstGeom>
-        </p:spPr>
-        <p:style>
-          <a:lnRef idx="2">
-            <a:schemeClr val="accent1">
-              <a:shade val="50000"/>
-            </a:schemeClr>
-          </a:lnRef>
-          <a:fillRef idx="1">
-            <a:schemeClr val="accent1"/>
-          </a:fillRef>
-          <a:effectRef idx="0">
-            <a:schemeClr val="accent1"/>
-          </a:effectRef>
-          <a:fontRef idx="minor">
-            <a:schemeClr val="lt1"/>
-          </a:fontRef>
-        </p:style>
-        <p:txBody>
-          <a:bodyPr rtlCol="0" anchor="ctr"/>
-          <a:lstStyle/>
-          <a:p>
-            <a:pPr algn="ctr"/>
-            <a:endParaRPr lang="en-US"/>
-          </a:p>
-        </p:txBody>
-      </p:sp>
-      <p:sp>
-        <p:nvSpPr>
-          <p:cNvPr id="83" name="Rounded Rectangle 82"/>
-          <p:cNvSpPr/>
-          <p:nvPr/>
-        </p:nvSpPr>
-        <p:spPr>
-          <a:xfrm>
-            <a:off x="6232975" y="4380510"/>
-            <a:ext cx="3346450" cy="677945"/>
-          </a:xfrm>
-          <a:prstGeom prst="roundRect">
-            <a:avLst/>
-          </a:prstGeom>
-          <a:noFill/>
-        </p:spPr>
-        <p:style>
-          <a:lnRef idx="2">
-            <a:schemeClr val="accent1">
-              <a:shade val="50000"/>
-            </a:schemeClr>
-          </a:lnRef>
-          <a:fillRef idx="1">
-            <a:schemeClr val="accent1"/>
-          </a:fillRef>
-          <a:effectRef idx="0">
-            <a:schemeClr val="accent1"/>
-          </a:effectRef>
-          <a:fontRef idx="minor">
-            <a:schemeClr val="lt1"/>
-          </a:fontRef>
-        </p:style>
-        <p:txBody>
-          <a:bodyPr rtlCol="0" anchor="ctr"/>
-          <a:lstStyle/>
-          <a:p>
-            <a:pPr algn="ctr"/>
-            <a:r>
-              <a:rPr lang="en-US" sz="2800" dirty="0" smtClean="0">
-                <a:solidFill>
-                  <a:schemeClr val="tx1"/>
-                </a:solidFill>
-                <a:latin typeface="Cambria" panose="02040503050406030204" pitchFamily="18" charset="0"/>
-              </a:rPr>
-              <a:t>SIFT descriptor</a:t>
-            </a:r>
-            <a:endParaRPr lang="en-US" sz="2800" dirty="0">
-              <a:solidFill>
-                <a:schemeClr val="tx1"/>
-              </a:solidFill>
-              <a:latin typeface="Cambria" panose="02040503050406030204" pitchFamily="18" charset="0"/>
-            </a:endParaRPr>
-          </a:p>
-        </p:txBody>
-      </p:sp>
-      <p:sp>
-        <p:nvSpPr>
-          <p:cNvPr id="84" name="Rounded Rectangle 83"/>
-          <p:cNvSpPr/>
-          <p:nvPr/>
-        </p:nvSpPr>
-        <p:spPr>
-          <a:xfrm>
-            <a:off x="12105993" y="4380509"/>
-            <a:ext cx="3734734" cy="677945"/>
-          </a:xfrm>
-          <a:prstGeom prst="roundRect">
-            <a:avLst/>
-          </a:prstGeom>
-          <a:noFill/>
-        </p:spPr>
-        <p:style>
-          <a:lnRef idx="2">
-            <a:schemeClr val="accent1">
-              <a:shade val="50000"/>
-            </a:schemeClr>
-          </a:lnRef>
-          <a:fillRef idx="1">
-            <a:schemeClr val="accent1"/>
-          </a:fillRef>
-          <a:effectRef idx="0">
-            <a:schemeClr val="accent1"/>
-          </a:effectRef>
-          <a:fontRef idx="minor">
-            <a:schemeClr val="lt1"/>
-          </a:fontRef>
-        </p:style>
-        <p:txBody>
-          <a:bodyPr rtlCol="0" anchor="ctr"/>
-          <a:lstStyle/>
-          <a:p>
-            <a:pPr algn="ctr"/>
-            <a:r>
-              <a:rPr lang="en-US" sz="2800" dirty="0" smtClean="0">
-                <a:solidFill>
-                  <a:schemeClr val="tx1"/>
-                </a:solidFill>
-                <a:latin typeface="Cambria" panose="02040503050406030204" pitchFamily="18" charset="0"/>
-              </a:rPr>
-              <a:t>Visual Vocabulary</a:t>
-            </a:r>
-            <a:endParaRPr lang="en-US" sz="2800" dirty="0">
-              <a:solidFill>
-                <a:schemeClr val="tx1"/>
-              </a:solidFill>
-              <a:latin typeface="Cambria" panose="02040503050406030204" pitchFamily="18" charset="0"/>
-            </a:endParaRPr>
-          </a:p>
-        </p:txBody>
-      </p:sp>
-      <p:sp>
-        <p:nvSpPr>
-          <p:cNvPr id="85" name="Left Arrow 84"/>
-          <p:cNvSpPr/>
-          <p:nvPr/>
-        </p:nvSpPr>
-        <p:spPr>
-          <a:xfrm>
-            <a:off x="10333261" y="8986376"/>
-            <a:ext cx="1638303" cy="438150"/>
-          </a:xfrm>
-          <a:prstGeom prst="leftArrow">
-            <a:avLst/>
-          </a:prstGeom>
-        </p:spPr>
-        <p:style>
-          <a:lnRef idx="2">
-            <a:schemeClr val="accent1">
-              <a:shade val="50000"/>
-            </a:schemeClr>
-          </a:lnRef>
-          <a:fillRef idx="1">
-            <a:schemeClr val="accent1"/>
-          </a:fillRef>
-          <a:effectRef idx="0">
-            <a:schemeClr val="accent1"/>
-          </a:effectRef>
-          <a:fontRef idx="minor">
-            <a:schemeClr val="lt1"/>
-          </a:fontRef>
-        </p:style>
-        <p:txBody>
-          <a:bodyPr rtlCol="0" anchor="ctr"/>
-          <a:lstStyle/>
-          <a:p>
-            <a:pPr algn="ctr"/>
-            <a:endParaRPr lang="en-US"/>
-          </a:p>
-        </p:txBody>
-      </p:sp>
-      <p:sp>
-        <p:nvSpPr>
-          <p:cNvPr id="86" name="Rounded Rectangle 85"/>
-          <p:cNvSpPr/>
-          <p:nvPr/>
-        </p:nvSpPr>
-        <p:spPr>
-          <a:xfrm>
-            <a:off x="12105993" y="12702068"/>
-            <a:ext cx="3734734" cy="677945"/>
-          </a:xfrm>
-          <a:prstGeom prst="roundRect">
-            <a:avLst/>
-          </a:prstGeom>
-          <a:noFill/>
-        </p:spPr>
-        <p:style>
-          <a:lnRef idx="2">
-            <a:schemeClr val="accent1">
-              <a:shade val="50000"/>
-            </a:schemeClr>
-          </a:lnRef>
-          <a:fillRef idx="1">
-            <a:schemeClr val="accent1"/>
-          </a:fillRef>
-          <a:effectRef idx="0">
-            <a:schemeClr val="accent1"/>
-          </a:effectRef>
-          <a:fontRef idx="minor">
-            <a:schemeClr val="lt1"/>
-          </a:fontRef>
-        </p:style>
-        <p:txBody>
-          <a:bodyPr rtlCol="0" anchor="ctr"/>
-          <a:lstStyle/>
-          <a:p>
-            <a:pPr algn="ctr"/>
-            <a:r>
-              <a:rPr lang="en-US" sz="2800" dirty="0" smtClean="0">
-                <a:solidFill>
-                  <a:schemeClr val="tx1"/>
-                </a:solidFill>
-                <a:latin typeface="Cambria" panose="02040503050406030204" pitchFamily="18" charset="0"/>
-              </a:rPr>
-              <a:t>Query Image</a:t>
-            </a:r>
-            <a:endParaRPr lang="en-US" sz="2800" dirty="0">
-              <a:solidFill>
-                <a:schemeClr val="tx1"/>
-              </a:solidFill>
-              <a:latin typeface="Cambria" panose="02040503050406030204" pitchFamily="18" charset="0"/>
-            </a:endParaRPr>
-          </a:p>
-        </p:txBody>
-      </p:sp>
       <p:pic>
         <p:nvPicPr>
-          <p:cNvPr id="90" name="Picture 89"/>
+          <p:cNvPr id="33" name="Picture 32"/>
           <p:cNvPicPr>
             <a:picLocks noChangeAspect="1"/>
           </p:cNvPicPr>
           <p:nvPr/>
         </p:nvPicPr>
         <p:blipFill>
-          <a:blip r:embed="rId4" cstate="print">
+          <a:blip r:embed="rId11" cstate="print">
             <a:extLst>
               <a:ext uri="{28A0092B-C50C-407E-A947-70E740481C1C}">
                 <a14:useLocalDpi xmlns:a14="http://schemas.microsoft.com/office/drawing/2010/main" val="0"/>
@@ -5703,24 +10948,46 @@
         </p:blipFill>
         <p:spPr>
           <a:xfrm>
-            <a:off x="169902" y="224083"/>
-            <a:ext cx="3496408" cy="2622306"/>
+            <a:off x="1168401" y="5718976"/>
+            <a:ext cx="3894667" cy="2104226"/>
           </a:xfrm>
           <a:prstGeom prst="rect">
             <a:avLst/>
           </a:prstGeom>
         </p:spPr>
       </p:pic>
+      <p:graphicFrame>
+        <p:nvGraphicFramePr>
+          <p:cNvPr id="34" name="Chart 33"/>
+          <p:cNvGraphicFramePr/>
+          <p:nvPr>
+            <p:extLst>
+              <p:ext uri="{D42A27DB-BD31-4B8C-83A1-F6EECF244321}">
+                <p14:modId xmlns:p14="http://schemas.microsoft.com/office/powerpoint/2010/main" val="7910342"/>
+              </p:ext>
+            </p:extLst>
+          </p:nvPr>
+        </p:nvGraphicFramePr>
+        <p:xfrm>
+          <a:off x="7247468" y="5012269"/>
+          <a:ext cx="4588933" cy="2712177"/>
+        </p:xfrm>
+        <a:graphic>
+          <a:graphicData uri="http://schemas.openxmlformats.org/drawingml/2006/chart">
+            <c:chart xmlns:c="http://schemas.openxmlformats.org/drawingml/2006/chart" xmlns:r="http://schemas.openxmlformats.org/officeDocument/2006/relationships" r:id="rId12"/>
+          </a:graphicData>
+        </a:graphic>
+      </p:graphicFrame>
       <p:pic>
         <p:nvPicPr>
-          <p:cNvPr id="88" name="Picture 87"/>
+          <p:cNvPr id="35" name="Picture 34"/>
           <p:cNvPicPr>
             <a:picLocks noChangeAspect="1"/>
           </p:cNvPicPr>
           <p:nvPr/>
         </p:nvPicPr>
         <p:blipFill>
-          <a:blip r:embed="rId5" cstate="print">
+          <a:blip r:embed="rId13" cstate="print">
             <a:extLst>
               <a:ext uri="{28A0092B-C50C-407E-A947-70E740481C1C}">
                 <a14:useLocalDpi xmlns:a14="http://schemas.microsoft.com/office/drawing/2010/main" val="0"/>
@@ -5733,8 +11000,8 @@
         </p:blipFill>
         <p:spPr>
           <a:xfrm>
-            <a:off x="1410844" y="1404939"/>
-            <a:ext cx="1953203" cy="2604270"/>
+            <a:off x="14119941" y="5566575"/>
+            <a:ext cx="1575787" cy="1782492"/>
           </a:xfrm>
           <a:prstGeom prst="rect">
             <a:avLst/>
@@ -5743,14 +11010,14 @@
       </p:pic>
       <p:pic>
         <p:nvPicPr>
-          <p:cNvPr id="89" name="Picture 88"/>
+          <p:cNvPr id="36" name="Picture 35"/>
           <p:cNvPicPr>
             <a:picLocks noChangeAspect="1"/>
           </p:cNvPicPr>
           <p:nvPr/>
         </p:nvPicPr>
         <p:blipFill>
-          <a:blip r:embed="rId6" cstate="print">
+          <a:blip r:embed="rId14" cstate="print">
             <a:extLst>
               <a:ext uri="{28A0092B-C50C-407E-A947-70E740481C1C}">
                 <a14:useLocalDpi xmlns:a14="http://schemas.microsoft.com/office/drawing/2010/main" val="0"/>
@@ -5763,73 +11030,24 @@
         </p:blipFill>
         <p:spPr>
           <a:xfrm>
-            <a:off x="2383410" y="1989121"/>
-            <a:ext cx="1136493" cy="2038124"/>
+            <a:off x="15288938" y="5754607"/>
+            <a:ext cx="1541482" cy="1831528"/>
           </a:xfrm>
           <a:prstGeom prst="rect">
             <a:avLst/>
           </a:prstGeom>
         </p:spPr>
       </p:pic>
-      <p:sp>
-        <p:nvSpPr>
-          <p:cNvPr id="91" name="Rounded Rectangle 90"/>
-          <p:cNvSpPr/>
-          <p:nvPr/>
-        </p:nvSpPr>
-        <p:spPr>
-          <a:xfrm>
-            <a:off x="244881" y="4380509"/>
-            <a:ext cx="3346450" cy="677945"/>
-          </a:xfrm>
-          <a:prstGeom prst="roundRect">
-            <a:avLst/>
-          </a:prstGeom>
-          <a:noFill/>
-        </p:spPr>
-        <p:style>
-          <a:lnRef idx="2">
-            <a:schemeClr val="accent1">
-              <a:shade val="50000"/>
-            </a:schemeClr>
-          </a:lnRef>
-          <a:fillRef idx="1">
-            <a:schemeClr val="accent1"/>
-          </a:fillRef>
-          <a:effectRef idx="0">
-            <a:schemeClr val="accent1"/>
-          </a:effectRef>
-          <a:fontRef idx="minor">
-            <a:schemeClr val="lt1"/>
-          </a:fontRef>
-        </p:style>
-        <p:txBody>
-          <a:bodyPr rtlCol="0" anchor="ctr"/>
-          <a:lstStyle/>
-          <a:p>
-            <a:pPr algn="ctr"/>
-            <a:r>
-              <a:rPr lang="en-US" sz="2800" dirty="0" smtClean="0">
-                <a:solidFill>
-                  <a:schemeClr val="tx1"/>
-                </a:solidFill>
-                <a:latin typeface="Cambria" panose="02040503050406030204" pitchFamily="18" charset="0"/>
-              </a:rPr>
-              <a:t>Dataset</a:t>
-            </a:r>
-          </a:p>
-        </p:txBody>
-      </p:sp>
       <p:pic>
         <p:nvPicPr>
-          <p:cNvPr id="92" name="Picture 91"/>
+          <p:cNvPr id="37" name="Picture 36"/>
           <p:cNvPicPr>
             <a:picLocks noChangeAspect="1"/>
           </p:cNvPicPr>
           <p:nvPr/>
         </p:nvPicPr>
         <p:blipFill>
-          <a:blip r:embed="rId7" cstate="print">
+          <a:blip r:embed="rId15" cstate="print">
             <a:extLst>
               <a:ext uri="{28A0092B-C50C-407E-A947-70E740481C1C}">
                 <a14:useLocalDpi xmlns:a14="http://schemas.microsoft.com/office/drawing/2010/main" val="0"/>
@@ -5842,271 +11060,293 @@
         </p:blipFill>
         <p:spPr>
           <a:xfrm>
-            <a:off x="13138188" y="7073640"/>
-            <a:ext cx="2051344" cy="3690820"/>
+            <a:off x="16511612" y="6096003"/>
+            <a:ext cx="1580021" cy="1628443"/>
           </a:xfrm>
           <a:prstGeom prst="rect">
             <a:avLst/>
           </a:prstGeom>
         </p:spPr>
       </p:pic>
-      <p:sp>
-        <p:nvSpPr>
-          <p:cNvPr id="93" name="Rounded Rectangle 92"/>
-          <p:cNvSpPr/>
+      <p:grpSp>
+        <p:nvGrpSpPr>
+          <p:cNvPr id="50" name="Group 49"/>
+          <p:cNvGrpSpPr/>
           <p:nvPr/>
-        </p:nvSpPr>
-        <p:spPr>
+        </p:nvGrpSpPr>
+        <p:grpSpPr>
           <a:xfrm>
-            <a:off x="6142384" y="12702068"/>
-            <a:ext cx="3734734" cy="677945"/>
+            <a:off x="147281" y="9857233"/>
+            <a:ext cx="8425543" cy="2259080"/>
+            <a:chOff x="1168400" y="9857233"/>
+            <a:chExt cx="8425543" cy="2259080"/>
           </a:xfrm>
-          <a:prstGeom prst="roundRect">
-            <a:avLst/>
-          </a:prstGeom>
-          <a:noFill/>
-        </p:spPr>
-        <p:style>
-          <a:lnRef idx="2">
-            <a:schemeClr val="accent1">
-              <a:shade val="50000"/>
-            </a:schemeClr>
-          </a:lnRef>
-          <a:fillRef idx="1">
-            <a:schemeClr val="accent1"/>
-          </a:fillRef>
-          <a:effectRef idx="0">
-            <a:schemeClr val="accent1"/>
-          </a:effectRef>
-          <a:fontRef idx="minor">
-            <a:schemeClr val="lt1"/>
-          </a:fontRef>
-        </p:style>
-        <p:txBody>
-          <a:bodyPr rtlCol="0" anchor="ctr"/>
-          <a:lstStyle/>
-          <a:p>
-            <a:pPr algn="ctr"/>
-            <a:r>
-              <a:rPr lang="en-US" sz="2800" dirty="0" smtClean="0">
-                <a:solidFill>
-                  <a:schemeClr val="tx1"/>
-                </a:solidFill>
-                <a:latin typeface="Cambria" panose="02040503050406030204" pitchFamily="18" charset="0"/>
-              </a:rPr>
-              <a:t>Bag-of-Words vector</a:t>
-            </a:r>
-            <a:endParaRPr lang="en-US" sz="2800" dirty="0">
-              <a:solidFill>
-                <a:schemeClr val="tx1"/>
-              </a:solidFill>
-              <a:latin typeface="Cambria" panose="02040503050406030204" pitchFamily="18" charset="0"/>
-            </a:endParaRPr>
-          </a:p>
-        </p:txBody>
-      </p:sp>
-      <p:sp>
-        <p:nvSpPr>
-          <p:cNvPr id="94" name="Left Arrow 93"/>
-          <p:cNvSpPr/>
-          <p:nvPr/>
-        </p:nvSpPr>
-        <p:spPr>
-          <a:xfrm>
-            <a:off x="4367224" y="9017101"/>
-            <a:ext cx="1600200" cy="376699"/>
-          </a:xfrm>
-          <a:prstGeom prst="leftArrow">
-            <a:avLst/>
-          </a:prstGeom>
-        </p:spPr>
-        <p:style>
-          <a:lnRef idx="2">
-            <a:schemeClr val="accent1">
-              <a:shade val="50000"/>
-            </a:schemeClr>
-          </a:lnRef>
-          <a:fillRef idx="1">
-            <a:schemeClr val="accent1"/>
-          </a:fillRef>
-          <a:effectRef idx="0">
-            <a:schemeClr val="accent1"/>
-          </a:effectRef>
-          <a:fontRef idx="minor">
-            <a:schemeClr val="lt1"/>
-          </a:fontRef>
-        </p:style>
-        <p:txBody>
-          <a:bodyPr rtlCol="0" anchor="ctr"/>
-          <a:lstStyle/>
-          <a:p>
-            <a:pPr algn="ctr"/>
-            <a:endParaRPr lang="en-US"/>
-          </a:p>
-        </p:txBody>
-      </p:sp>
-      <p:pic>
-        <p:nvPicPr>
-          <p:cNvPr id="96" name="Picture 95"/>
-          <p:cNvPicPr>
-            <a:picLocks noChangeAspect="1"/>
-          </p:cNvPicPr>
-          <p:nvPr/>
-        </p:nvPicPr>
-        <p:blipFill>
-          <a:blip r:embed="rId8">
-            <a:extLst>
-              <a:ext uri="{28A0092B-C50C-407E-A947-70E740481C1C}">
-                <a14:useLocalDpi xmlns:a14="http://schemas.microsoft.com/office/drawing/2010/main" val="0"/>
-              </a:ext>
-            </a:extLst>
-          </a:blip>
-          <a:stretch>
-            <a:fillRect/>
-          </a:stretch>
-        </p:blipFill>
-        <p:spPr>
-          <a:xfrm>
-            <a:off x="151231" y="6920961"/>
-            <a:ext cx="3211343" cy="4281791"/>
-          </a:xfrm>
-          <a:prstGeom prst="rect">
-            <a:avLst/>
-          </a:prstGeom>
-        </p:spPr>
-      </p:pic>
-      <p:pic>
-        <p:nvPicPr>
-          <p:cNvPr id="97" name="Picture 96"/>
-          <p:cNvPicPr>
-            <a:picLocks noChangeAspect="1"/>
-          </p:cNvPicPr>
-          <p:nvPr/>
-        </p:nvPicPr>
-        <p:blipFill>
-          <a:blip r:embed="rId9" cstate="print">
-            <a:extLst>
-              <a:ext uri="{28A0092B-C50C-407E-A947-70E740481C1C}">
-                <a14:useLocalDpi xmlns:a14="http://schemas.microsoft.com/office/drawing/2010/main" val="0"/>
-              </a:ext>
-            </a:extLst>
-          </a:blip>
-          <a:stretch>
-            <a:fillRect/>
-          </a:stretch>
-        </p:blipFill>
-        <p:spPr>
-          <a:xfrm>
-            <a:off x="1341814" y="8032781"/>
-            <a:ext cx="2500500" cy="3732525"/>
-          </a:xfrm>
-          <a:prstGeom prst="rect">
-            <a:avLst/>
-          </a:prstGeom>
-        </p:spPr>
-      </p:pic>
-      <p:pic>
-        <p:nvPicPr>
-          <p:cNvPr id="95" name="Picture 94"/>
-          <p:cNvPicPr>
-            <a:picLocks noChangeAspect="1"/>
-          </p:cNvPicPr>
-          <p:nvPr/>
-        </p:nvPicPr>
-        <p:blipFill>
-          <a:blip r:embed="rId10" cstate="print">
-            <a:extLst>
-              <a:ext uri="{28A0092B-C50C-407E-A947-70E740481C1C}">
-                <a14:useLocalDpi xmlns:a14="http://schemas.microsoft.com/office/drawing/2010/main" val="0"/>
-              </a:ext>
-            </a:extLst>
-          </a:blip>
-          <a:stretch>
-            <a:fillRect/>
-          </a:stretch>
-        </p:blipFill>
-        <p:spPr>
-          <a:xfrm>
-            <a:off x="2098035" y="9899043"/>
-            <a:ext cx="1744279" cy="2325705"/>
-          </a:xfrm>
-          <a:prstGeom prst="rect">
-            <a:avLst/>
-          </a:prstGeom>
-        </p:spPr>
-      </p:pic>
-      <p:sp>
-        <p:nvSpPr>
-          <p:cNvPr id="98" name="Rounded Rectangle 97"/>
-          <p:cNvSpPr/>
-          <p:nvPr/>
-        </p:nvSpPr>
-        <p:spPr>
-          <a:xfrm>
-            <a:off x="294655" y="12702068"/>
-            <a:ext cx="3734734" cy="677945"/>
-          </a:xfrm>
-          <a:prstGeom prst="roundRect">
-            <a:avLst/>
-          </a:prstGeom>
-          <a:noFill/>
-        </p:spPr>
-        <p:style>
-          <a:lnRef idx="2">
-            <a:schemeClr val="accent1">
-              <a:shade val="50000"/>
-            </a:schemeClr>
-          </a:lnRef>
-          <a:fillRef idx="1">
-            <a:schemeClr val="accent1"/>
-          </a:fillRef>
-          <a:effectRef idx="0">
-            <a:schemeClr val="accent1"/>
-          </a:effectRef>
-          <a:fontRef idx="minor">
-            <a:schemeClr val="lt1"/>
-          </a:fontRef>
-        </p:style>
-        <p:txBody>
-          <a:bodyPr rtlCol="0" anchor="ctr"/>
-          <a:lstStyle/>
-          <a:p>
-            <a:pPr algn="ctr"/>
-            <a:r>
-              <a:rPr lang="en-US" sz="2800" smtClean="0">
-                <a:solidFill>
-                  <a:schemeClr val="tx1"/>
-                </a:solidFill>
-                <a:latin typeface="Cambria" panose="02040503050406030204" pitchFamily="18" charset="0"/>
-              </a:rPr>
-              <a:t>Retrieving Result</a:t>
-            </a:r>
-            <a:endParaRPr lang="en-US" sz="2800" dirty="0">
-              <a:solidFill>
-                <a:schemeClr val="tx1"/>
-              </a:solidFill>
-              <a:latin typeface="Cambria" panose="02040503050406030204" pitchFamily="18" charset="0"/>
-            </a:endParaRPr>
-          </a:p>
-        </p:txBody>
-      </p:sp>
+        </p:grpSpPr>
+        <p:sp>
+          <p:nvSpPr>
+            <p:cNvPr id="39" name="TextBox 38"/>
+            <p:cNvSpPr txBox="1"/>
+            <p:nvPr/>
+          </p:nvSpPr>
+          <p:spPr>
+            <a:xfrm>
+              <a:off x="1420080" y="9993101"/>
+              <a:ext cx="2410811" cy="1200329"/>
+            </a:xfrm>
+            <a:prstGeom prst="rect">
+              <a:avLst/>
+            </a:prstGeom>
+            <a:ln w="57150"/>
+          </p:spPr>
+          <p:style>
+            <a:lnRef idx="2">
+              <a:schemeClr val="accent2"/>
+            </a:lnRef>
+            <a:fillRef idx="1">
+              <a:schemeClr val="lt1"/>
+            </a:fillRef>
+            <a:effectRef idx="0">
+              <a:schemeClr val="accent2"/>
+            </a:effectRef>
+            <a:fontRef idx="minor">
+              <a:schemeClr val="dk1"/>
+            </a:fontRef>
+          </p:style>
+          <p:txBody>
+            <a:bodyPr wrap="square" rtlCol="0">
+              <a:spAutoFit/>
+            </a:bodyPr>
+            <a:lstStyle/>
+            <a:p>
+              <a:pPr algn="ctr"/>
+              <a:r>
+                <a:rPr lang="en-US" dirty="0" err="1" smtClean="0"/>
+                <a:t>topK</a:t>
+              </a:r>
+              <a:r>
+                <a:rPr lang="en-US" smtClean="0"/>
+                <a:t> images</a:t>
+              </a:r>
+              <a:endParaRPr lang="en-US" dirty="0"/>
+            </a:p>
+          </p:txBody>
+        </p:sp>
+        <p:sp>
+          <p:nvSpPr>
+            <p:cNvPr id="40" name="TextBox 39"/>
+            <p:cNvSpPr txBox="1"/>
+            <p:nvPr/>
+          </p:nvSpPr>
+          <p:spPr>
+            <a:xfrm>
+              <a:off x="4652841" y="10639432"/>
+              <a:ext cx="1719958" cy="646331"/>
+            </a:xfrm>
+            <a:prstGeom prst="rect">
+              <a:avLst/>
+            </a:prstGeom>
+            <a:ln w="57150"/>
+          </p:spPr>
+          <p:style>
+            <a:lnRef idx="2">
+              <a:schemeClr val="accent2"/>
+            </a:lnRef>
+            <a:fillRef idx="1">
+              <a:schemeClr val="lt1"/>
+            </a:fillRef>
+            <a:effectRef idx="0">
+              <a:schemeClr val="accent2"/>
+            </a:effectRef>
+            <a:fontRef idx="minor">
+              <a:schemeClr val="dk1"/>
+            </a:fontRef>
+          </p:style>
+          <p:txBody>
+            <a:bodyPr wrap="none" rtlCol="0">
+              <a:spAutoFit/>
+            </a:bodyPr>
+            <a:lstStyle/>
+            <a:p>
+              <a:r>
+                <a:rPr lang="en-US" dirty="0" smtClean="0"/>
+                <a:t>RANSAC</a:t>
+              </a:r>
+              <a:endParaRPr lang="en-US" dirty="0"/>
+            </a:p>
+          </p:txBody>
+        </p:sp>
+        <p:sp>
+          <p:nvSpPr>
+            <p:cNvPr id="41" name="TextBox 40"/>
+            <p:cNvSpPr txBox="1"/>
+            <p:nvPr/>
+          </p:nvSpPr>
+          <p:spPr>
+            <a:xfrm>
+              <a:off x="7232779" y="11293923"/>
+              <a:ext cx="2144177" cy="646331"/>
+            </a:xfrm>
+            <a:prstGeom prst="rect">
+              <a:avLst/>
+            </a:prstGeom>
+            <a:ln w="57150"/>
+          </p:spPr>
+          <p:style>
+            <a:lnRef idx="2">
+              <a:schemeClr val="accent2"/>
+            </a:lnRef>
+            <a:fillRef idx="1">
+              <a:schemeClr val="lt1"/>
+            </a:fillRef>
+            <a:effectRef idx="0">
+              <a:schemeClr val="accent2"/>
+            </a:effectRef>
+            <a:fontRef idx="minor">
+              <a:schemeClr val="dk1"/>
+            </a:fontRef>
+          </p:style>
+          <p:txBody>
+            <a:bodyPr wrap="none" rtlCol="0">
+              <a:spAutoFit/>
+            </a:bodyPr>
+            <a:lstStyle/>
+            <a:p>
+              <a:r>
+                <a:rPr lang="en-US" dirty="0" smtClean="0"/>
+                <a:t>New score</a:t>
+              </a:r>
+              <a:endParaRPr lang="en-US" dirty="0"/>
+            </a:p>
+          </p:txBody>
+        </p:sp>
+        <p:cxnSp>
+          <p:nvCxnSpPr>
+            <p:cNvPr id="42" name="Elbow Connector 41"/>
+            <p:cNvCxnSpPr>
+              <a:stCxn id="39" idx="2"/>
+            </p:cNvCxnSpPr>
+            <p:nvPr/>
+          </p:nvCxnSpPr>
+          <p:spPr>
+            <a:xfrm rot="5400000" flipH="1" flipV="1">
+              <a:off x="3496776" y="10091310"/>
+              <a:ext cx="230830" cy="1973410"/>
+            </a:xfrm>
+            <a:prstGeom prst="bentConnector4">
+              <a:avLst>
+                <a:gd name="adj1" fmla="val -99034"/>
+                <a:gd name="adj2" fmla="val 80541"/>
+              </a:avLst>
+            </a:prstGeom>
+            <a:ln w="76200">
+              <a:tailEnd type="triangle"/>
+            </a:ln>
+          </p:spPr>
+          <p:style>
+            <a:lnRef idx="1">
+              <a:schemeClr val="dk1"/>
+            </a:lnRef>
+            <a:fillRef idx="0">
+              <a:schemeClr val="dk1"/>
+            </a:fillRef>
+            <a:effectRef idx="0">
+              <a:schemeClr val="dk1"/>
+            </a:effectRef>
+            <a:fontRef idx="minor">
+              <a:schemeClr val="tx1"/>
+            </a:fontRef>
+          </p:style>
+        </p:cxnSp>
+        <p:cxnSp>
+          <p:nvCxnSpPr>
+            <p:cNvPr id="43" name="Elbow Connector 42"/>
+            <p:cNvCxnSpPr>
+              <a:stCxn id="40" idx="2"/>
+            </p:cNvCxnSpPr>
+            <p:nvPr/>
+          </p:nvCxnSpPr>
+          <p:spPr>
+            <a:xfrm rot="16200000" flipH="1">
+              <a:off x="6211215" y="10587367"/>
+              <a:ext cx="323168" cy="1719959"/>
+            </a:xfrm>
+            <a:prstGeom prst="bentConnector2">
+              <a:avLst/>
+            </a:prstGeom>
+            <a:ln w="76200">
+              <a:tailEnd type="triangle"/>
+            </a:ln>
+          </p:spPr>
+          <p:style>
+            <a:lnRef idx="1">
+              <a:schemeClr val="dk1"/>
+            </a:lnRef>
+            <a:fillRef idx="0">
+              <a:schemeClr val="dk1"/>
+            </a:fillRef>
+            <a:effectRef idx="0">
+              <a:schemeClr val="dk1"/>
+            </a:effectRef>
+            <a:fontRef idx="minor">
+              <a:schemeClr val="tx1"/>
+            </a:fontRef>
+          </p:style>
+        </p:cxnSp>
+        <p:sp>
+          <p:nvSpPr>
+            <p:cNvPr id="45" name="Rectangle 44"/>
+            <p:cNvSpPr/>
+            <p:nvPr/>
+          </p:nvSpPr>
+          <p:spPr>
+            <a:xfrm>
+              <a:off x="1168400" y="9857233"/>
+              <a:ext cx="8425543" cy="2259080"/>
+            </a:xfrm>
+            <a:prstGeom prst="rect">
+              <a:avLst/>
+            </a:prstGeom>
+            <a:noFill/>
+            <a:ln>
+              <a:prstDash val="lgDash"/>
+            </a:ln>
+          </p:spPr>
+          <p:style>
+            <a:lnRef idx="2">
+              <a:schemeClr val="accent1">
+                <a:shade val="50000"/>
+              </a:schemeClr>
+            </a:lnRef>
+            <a:fillRef idx="1">
+              <a:schemeClr val="accent1"/>
+            </a:fillRef>
+            <a:effectRef idx="0">
+              <a:schemeClr val="accent1"/>
+            </a:effectRef>
+            <a:fontRef idx="minor">
+              <a:schemeClr val="lt1"/>
+            </a:fontRef>
+          </p:style>
+          <p:txBody>
+            <a:bodyPr rtlCol="0" anchor="ctr"/>
+            <a:lstStyle/>
+            <a:p>
+              <a:pPr algn="ctr"/>
+              <a:endParaRPr lang="en-US"/>
+            </a:p>
+          </p:txBody>
+        </p:sp>
+      </p:grpSp>
     </p:spTree>
     <p:extLst>
       <p:ext uri="{BB962C8B-B14F-4D97-AF65-F5344CB8AC3E}">
-        <p14:creationId xmlns:p14="http://schemas.microsoft.com/office/powerpoint/2010/main" val="2964419250"/>
+        <p14:creationId xmlns:p14="http://schemas.microsoft.com/office/powerpoint/2010/main" val="659393022"/>
       </p:ext>
     </p:extLst>
   </p:cSld>
   <p:clrMapOvr>
     <a:masterClrMapping/>
   </p:clrMapOvr>
-  <p:timing>
-    <p:tnLst>
-      <p:par>
-        <p:cTn id="1" dur="indefinite" restart="never" nodeType="tmRoot"/>
-      </p:par>
-    </p:tnLst>
-  </p:timing>
 </p:sld>
 </file>
 
